--- a/Rapport/Præsentation.pptx
+++ b/Rapport/Præsentation.pptx
@@ -2,7 +2,7 @@
 <file path=ppt/presentation.xml><?xml version="1.0" encoding="utf-8"?>
 <p:presentation xmlns:a="http://schemas.openxmlformats.org/drawingml/2006/main" xmlns:r="http://schemas.openxmlformats.org/officeDocument/2006/relationships" xmlns:p="http://schemas.openxmlformats.org/presentationml/2006/main" saveSubsetFonts="1" autoCompressPictures="0">
   <p:sldMasterIdLst>
-    <p:sldMasterId id="2147483648" r:id="rId1"/>
+    <p:sldMasterId id="2147483660" r:id="rId1"/>
   </p:sldMasterIdLst>
   <p:sldIdLst>
     <p:sldId id="256" r:id="rId2"/>
@@ -15,9 +15,9 @@
   <p:notesSz cx="6858000" cy="9144000"/>
   <p:defaultTextStyle>
     <a:defPPr>
-      <a:defRPr lang="da-DK"/>
+      <a:defRPr lang="en-US"/>
     </a:defPPr>
-    <a:lvl1pPr marL="0" algn="l" defTabSz="914400" rtl="0" eaLnBrk="1" latinLnBrk="0" hangingPunct="1">
+    <a:lvl1pPr marL="0" algn="l" defTabSz="457200" rtl="0" eaLnBrk="1" latinLnBrk="0" hangingPunct="1">
       <a:defRPr sz="1800" kern="1200">
         <a:solidFill>
           <a:schemeClr val="tx1"/>
@@ -27,7 +27,7 @@
         <a:cs typeface="+mn-cs"/>
       </a:defRPr>
     </a:lvl1pPr>
-    <a:lvl2pPr marL="457200" algn="l" defTabSz="914400" rtl="0" eaLnBrk="1" latinLnBrk="0" hangingPunct="1">
+    <a:lvl2pPr marL="457200" algn="l" defTabSz="457200" rtl="0" eaLnBrk="1" latinLnBrk="0" hangingPunct="1">
       <a:defRPr sz="1800" kern="1200">
         <a:solidFill>
           <a:schemeClr val="tx1"/>
@@ -37,7 +37,7 @@
         <a:cs typeface="+mn-cs"/>
       </a:defRPr>
     </a:lvl2pPr>
-    <a:lvl3pPr marL="914400" algn="l" defTabSz="914400" rtl="0" eaLnBrk="1" latinLnBrk="0" hangingPunct="1">
+    <a:lvl3pPr marL="914400" algn="l" defTabSz="457200" rtl="0" eaLnBrk="1" latinLnBrk="0" hangingPunct="1">
       <a:defRPr sz="1800" kern="1200">
         <a:solidFill>
           <a:schemeClr val="tx1"/>
@@ -47,7 +47,7 @@
         <a:cs typeface="+mn-cs"/>
       </a:defRPr>
     </a:lvl3pPr>
-    <a:lvl4pPr marL="1371600" algn="l" defTabSz="914400" rtl="0" eaLnBrk="1" latinLnBrk="0" hangingPunct="1">
+    <a:lvl4pPr marL="1371600" algn="l" defTabSz="457200" rtl="0" eaLnBrk="1" latinLnBrk="0" hangingPunct="1">
       <a:defRPr sz="1800" kern="1200">
         <a:solidFill>
           <a:schemeClr val="tx1"/>
@@ -57,7 +57,7 @@
         <a:cs typeface="+mn-cs"/>
       </a:defRPr>
     </a:lvl4pPr>
-    <a:lvl5pPr marL="1828800" algn="l" defTabSz="914400" rtl="0" eaLnBrk="1" latinLnBrk="0" hangingPunct="1">
+    <a:lvl5pPr marL="1828800" algn="l" defTabSz="457200" rtl="0" eaLnBrk="1" latinLnBrk="0" hangingPunct="1">
       <a:defRPr sz="1800" kern="1200">
         <a:solidFill>
           <a:schemeClr val="tx1"/>
@@ -67,7 +67,7 @@
         <a:cs typeface="+mn-cs"/>
       </a:defRPr>
     </a:lvl5pPr>
-    <a:lvl6pPr marL="2286000" algn="l" defTabSz="914400" rtl="0" eaLnBrk="1" latinLnBrk="0" hangingPunct="1">
+    <a:lvl6pPr marL="2286000" algn="l" defTabSz="457200" rtl="0" eaLnBrk="1" latinLnBrk="0" hangingPunct="1">
       <a:defRPr sz="1800" kern="1200">
         <a:solidFill>
           <a:schemeClr val="tx1"/>
@@ -77,7 +77,7 @@
         <a:cs typeface="+mn-cs"/>
       </a:defRPr>
     </a:lvl6pPr>
-    <a:lvl7pPr marL="2743200" algn="l" defTabSz="914400" rtl="0" eaLnBrk="1" latinLnBrk="0" hangingPunct="1">
+    <a:lvl7pPr marL="2743200" algn="l" defTabSz="457200" rtl="0" eaLnBrk="1" latinLnBrk="0" hangingPunct="1">
       <a:defRPr sz="1800" kern="1200">
         <a:solidFill>
           <a:schemeClr val="tx1"/>
@@ -87,7 +87,7 @@
         <a:cs typeface="+mn-cs"/>
       </a:defRPr>
     </a:lvl7pPr>
-    <a:lvl8pPr marL="3200400" algn="l" defTabSz="914400" rtl="0" eaLnBrk="1" latinLnBrk="0" hangingPunct="1">
+    <a:lvl8pPr marL="3200400" algn="l" defTabSz="457200" rtl="0" eaLnBrk="1" latinLnBrk="0" hangingPunct="1">
       <a:defRPr sz="1800" kern="1200">
         <a:solidFill>
           <a:schemeClr val="tx1"/>
@@ -97,7 +97,7 @@
         <a:cs typeface="+mn-cs"/>
       </a:defRPr>
     </a:lvl8pPr>
-    <a:lvl9pPr marL="3657600" algn="l" defTabSz="914400" rtl="0" eaLnBrk="1" latinLnBrk="0" hangingPunct="1">
+    <a:lvl9pPr marL="3657600" algn="l" defTabSz="457200" rtl="0" eaLnBrk="1" latinLnBrk="0" hangingPunct="1">
       <a:defRPr sz="1800" kern="1200">
         <a:solidFill>
           <a:schemeClr val="tx1"/>
@@ -130,13 +130,7 @@
       </p:grpSpPr>
       <p:sp>
         <p:nvSpPr>
-          <p:cNvPr id="2" name="Title 1">
-            <a:extLst>
-              <a:ext uri="{FF2B5EF4-FFF2-40B4-BE49-F238E27FC236}">
-                <a16:creationId xmlns:a16="http://schemas.microsoft.com/office/drawing/2014/main" id="{3F289B73-7A22-754B-91F8-0A565C01F49B}"/>
-              </a:ext>
-            </a:extLst>
-          </p:cNvPr>
+          <p:cNvPr id="2" name="Title 1"/>
           <p:cNvSpPr>
             <a:spLocks noGrp="1"/>
           </p:cNvSpPr>
@@ -146,15 +140,17 @@
         </p:nvSpPr>
         <p:spPr>
           <a:xfrm>
-            <a:off x="1524000" y="1122363"/>
-            <a:ext cx="9144000" cy="2387600"/>
-          </a:xfrm>
-        </p:spPr>
-        <p:txBody>
-          <a:bodyPr anchor="b"/>
+            <a:off x="2417779" y="802298"/>
+            <a:ext cx="8637073" cy="2541431"/>
+          </a:xfrm>
+        </p:spPr>
+        <p:txBody>
+          <a:bodyPr bIns="0" anchor="b">
+            <a:normAutofit/>
+          </a:bodyPr>
           <a:lstStyle>
-            <a:lvl1pPr algn="ctr">
-              <a:defRPr sz="6000"/>
+            <a:lvl1pPr algn="l">
+              <a:defRPr sz="6600"/>
             </a:lvl1pPr>
           </a:lstStyle>
           <a:p>
@@ -162,19 +158,13 @@
               <a:rPr lang="en-US"/>
               <a:t>Click to edit Master title style</a:t>
             </a:r>
-            <a:endParaRPr lang="da-DK"/>
-          </a:p>
-        </p:txBody>
-      </p:sp>
-      <p:sp>
-        <p:nvSpPr>
-          <p:cNvPr id="3" name="Subtitle 2">
-            <a:extLst>
-              <a:ext uri="{FF2B5EF4-FFF2-40B4-BE49-F238E27FC236}">
-                <a16:creationId xmlns:a16="http://schemas.microsoft.com/office/drawing/2014/main" id="{47E0C9F1-312F-0746-B122-A1C75C25E4B8}"/>
-              </a:ext>
-            </a:extLst>
-          </p:cNvPr>
+            <a:endParaRPr lang="en-US" dirty="0"/>
+          </a:p>
+        </p:txBody>
+      </p:sp>
+      <p:sp>
+        <p:nvSpPr>
+          <p:cNvPr id="3" name="Subtitle 2"/>
           <p:cNvSpPr>
             <a:spLocks noGrp="1"/>
           </p:cNvSpPr>
@@ -184,20 +174,26 @@
         </p:nvSpPr>
         <p:spPr>
           <a:xfrm>
-            <a:off x="1524000" y="3602038"/>
-            <a:ext cx="9144000" cy="1655762"/>
-          </a:xfrm>
-        </p:spPr>
-        <p:txBody>
-          <a:bodyPr/>
+            <a:off x="2417780" y="3531204"/>
+            <a:ext cx="8637072" cy="977621"/>
+          </a:xfrm>
+        </p:spPr>
+        <p:txBody>
+          <a:bodyPr tIns="91440" bIns="91440">
+            <a:normAutofit/>
+          </a:bodyPr>
           <a:lstStyle>
-            <a:lvl1pPr marL="0" indent="0" algn="ctr">
-              <a:buNone/>
-              <a:defRPr sz="2400"/>
+            <a:lvl1pPr marL="0" indent="0" algn="l">
+              <a:buNone/>
+              <a:defRPr sz="1800" b="0" cap="all" baseline="0">
+                <a:solidFill>
+                  <a:schemeClr val="tx1"/>
+                </a:solidFill>
+              </a:defRPr>
             </a:lvl1pPr>
             <a:lvl2pPr marL="457200" indent="0" algn="ctr">
               <a:buNone/>
-              <a:defRPr sz="2000"/>
+              <a:defRPr sz="1800"/>
             </a:lvl2pPr>
             <a:lvl3pPr marL="914400" indent="0" algn="ctr">
               <a:buNone/>
@@ -233,19 +229,13 @@
               <a:rPr lang="en-US"/>
               <a:t>Click to edit Master subtitle style</a:t>
             </a:r>
-            <a:endParaRPr lang="da-DK"/>
-          </a:p>
-        </p:txBody>
-      </p:sp>
-      <p:sp>
-        <p:nvSpPr>
-          <p:cNvPr id="4" name="Date Placeholder 3">
-            <a:extLst>
-              <a:ext uri="{FF2B5EF4-FFF2-40B4-BE49-F238E27FC236}">
-                <a16:creationId xmlns:a16="http://schemas.microsoft.com/office/drawing/2014/main" id="{972C9267-6D10-1E49-88E1-26BE5FA2DC91}"/>
-              </a:ext>
-            </a:extLst>
-          </p:cNvPr>
+            <a:endParaRPr lang="en-US" dirty="0"/>
+          </a:p>
+        </p:txBody>
+      </p:sp>
+      <p:sp>
+        <p:nvSpPr>
+          <p:cNvPr id="4" name="Date Placeholder 3"/>
           <p:cNvSpPr>
             <a:spLocks noGrp="1"/>
           </p:cNvSpPr>
@@ -268,13 +258,7 @@
       </p:sp>
       <p:sp>
         <p:nvSpPr>
-          <p:cNvPr id="5" name="Footer Placeholder 4">
-            <a:extLst>
-              <a:ext uri="{FF2B5EF4-FFF2-40B4-BE49-F238E27FC236}">
-                <a16:creationId xmlns:a16="http://schemas.microsoft.com/office/drawing/2014/main" id="{1F8C1692-EA37-5441-90FF-81BBAF8BFAF7}"/>
-              </a:ext>
-            </a:extLst>
-          </p:cNvPr>
+          <p:cNvPr id="5" name="Footer Placeholder 4"/>
           <p:cNvSpPr>
             <a:spLocks noGrp="1"/>
           </p:cNvSpPr>
@@ -282,7 +266,12 @@
             <p:ph type="ftr" sz="quarter" idx="11"/>
           </p:nvPr>
         </p:nvSpPr>
-        <p:spPr/>
+        <p:spPr>
+          <a:xfrm>
+            <a:off x="2416500" y="329307"/>
+            <a:ext cx="4973915" cy="309201"/>
+          </a:xfrm>
+        </p:spPr>
         <p:txBody>
           <a:bodyPr/>
           <a:lstStyle/>
@@ -293,13 +282,7 @@
       </p:sp>
       <p:sp>
         <p:nvSpPr>
-          <p:cNvPr id="6" name="Slide Number Placeholder 5">
-            <a:extLst>
-              <a:ext uri="{FF2B5EF4-FFF2-40B4-BE49-F238E27FC236}">
-                <a16:creationId xmlns:a16="http://schemas.microsoft.com/office/drawing/2014/main" id="{D0A69587-AF14-D541-88CA-8DE732C7CBE4}"/>
-              </a:ext>
-            </a:extLst>
-          </p:cNvPr>
+          <p:cNvPr id="6" name="Slide Number Placeholder 5"/>
           <p:cNvSpPr>
             <a:spLocks noGrp="1"/>
           </p:cNvSpPr>
@@ -307,7 +290,12 @@
             <p:ph type="sldNum" sz="quarter" idx="12"/>
           </p:nvPr>
         </p:nvSpPr>
-        <p:spPr/>
+        <p:spPr>
+          <a:xfrm>
+            <a:off x="1437664" y="798973"/>
+            <a:ext cx="811019" cy="503578"/>
+          </a:xfrm>
+        </p:spPr>
         <p:txBody>
           <a:bodyPr/>
           <a:lstStyle/>
@@ -320,10 +308,41 @@
           </a:p>
         </p:txBody>
       </p:sp>
+      <p:cxnSp>
+        <p:nvCxnSpPr>
+          <p:cNvPr id="15" name="Straight Connector 14"/>
+          <p:cNvCxnSpPr/>
+          <p:nvPr/>
+        </p:nvCxnSpPr>
+        <p:spPr>
+          <a:xfrm>
+            <a:off x="2417780" y="3528542"/>
+            <a:ext cx="8637072" cy="0"/>
+          </a:xfrm>
+          <a:prstGeom prst="line">
+            <a:avLst/>
+          </a:prstGeom>
+          <a:ln w="31750"/>
+        </p:spPr>
+        <p:style>
+          <a:lnRef idx="3">
+            <a:schemeClr val="accent1"/>
+          </a:lnRef>
+          <a:fillRef idx="0">
+            <a:schemeClr val="accent1"/>
+          </a:fillRef>
+          <a:effectRef idx="2">
+            <a:schemeClr val="accent1"/>
+          </a:effectRef>
+          <a:fontRef idx="minor">
+            <a:schemeClr val="tx1"/>
+          </a:fontRef>
+        </p:style>
+      </p:cxnSp>
     </p:spTree>
     <p:extLst>
       <p:ext uri="{BB962C8B-B14F-4D97-AF65-F5344CB8AC3E}">
-        <p14:creationId xmlns:p14="http://schemas.microsoft.com/office/powerpoint/2010/main" val="3099591826"/>
+        <p14:creationId xmlns:p14="http://schemas.microsoft.com/office/powerpoint/2010/main" val="35584204"/>
       </p:ext>
     </p:extLst>
   </p:cSld>
@@ -352,13 +371,7 @@
       </p:grpSpPr>
       <p:sp>
         <p:nvSpPr>
-          <p:cNvPr id="2" name="Title 1">
-            <a:extLst>
-              <a:ext uri="{FF2B5EF4-FFF2-40B4-BE49-F238E27FC236}">
-                <a16:creationId xmlns:a16="http://schemas.microsoft.com/office/drawing/2014/main" id="{F7179078-AB84-4F42-8FF3-2232FE3EADCD}"/>
-              </a:ext>
-            </a:extLst>
-          </p:cNvPr>
+          <p:cNvPr id="2" name="Title 1"/>
           <p:cNvSpPr>
             <a:spLocks noGrp="1"/>
           </p:cNvSpPr>
@@ -375,19 +388,13 @@
               <a:rPr lang="en-US"/>
               <a:t>Click to edit Master title style</a:t>
             </a:r>
-            <a:endParaRPr lang="da-DK"/>
-          </a:p>
-        </p:txBody>
-      </p:sp>
-      <p:sp>
-        <p:nvSpPr>
-          <p:cNvPr id="3" name="Vertical Text Placeholder 2">
-            <a:extLst>
-              <a:ext uri="{FF2B5EF4-FFF2-40B4-BE49-F238E27FC236}">
-                <a16:creationId xmlns:a16="http://schemas.microsoft.com/office/drawing/2014/main" id="{3BB18281-109F-5E42-828D-183DD1492B0E}"/>
-              </a:ext>
-            </a:extLst>
-          </p:cNvPr>
+            <a:endParaRPr lang="en-US" dirty="0"/>
+          </a:p>
+        </p:txBody>
+      </p:sp>
+      <p:sp>
+        <p:nvSpPr>
+          <p:cNvPr id="3" name="Vertical Text Placeholder 2"/>
           <p:cNvSpPr>
             <a:spLocks noGrp="1"/>
           </p:cNvSpPr>
@@ -433,19 +440,13 @@
               <a:rPr lang="en-US"/>
               <a:t>Fifth level</a:t>
             </a:r>
-            <a:endParaRPr lang="da-DK"/>
-          </a:p>
-        </p:txBody>
-      </p:sp>
-      <p:sp>
-        <p:nvSpPr>
-          <p:cNvPr id="4" name="Date Placeholder 3">
-            <a:extLst>
-              <a:ext uri="{FF2B5EF4-FFF2-40B4-BE49-F238E27FC236}">
-                <a16:creationId xmlns:a16="http://schemas.microsoft.com/office/drawing/2014/main" id="{C01CC97A-FFDB-924F-A4A0-EC7B7C7B3C2B}"/>
-              </a:ext>
-            </a:extLst>
-          </p:cNvPr>
+            <a:endParaRPr lang="en-US" dirty="0"/>
+          </a:p>
+        </p:txBody>
+      </p:sp>
+      <p:sp>
+        <p:nvSpPr>
+          <p:cNvPr id="4" name="Date Placeholder 3"/>
           <p:cNvSpPr>
             <a:spLocks noGrp="1"/>
           </p:cNvSpPr>
@@ -468,13 +469,7 @@
       </p:sp>
       <p:sp>
         <p:nvSpPr>
-          <p:cNvPr id="5" name="Footer Placeholder 4">
-            <a:extLst>
-              <a:ext uri="{FF2B5EF4-FFF2-40B4-BE49-F238E27FC236}">
-                <a16:creationId xmlns:a16="http://schemas.microsoft.com/office/drawing/2014/main" id="{02BF01A1-573E-3F43-AC7F-91EF7B319F14}"/>
-              </a:ext>
-            </a:extLst>
-          </p:cNvPr>
+          <p:cNvPr id="5" name="Footer Placeholder 4"/>
           <p:cNvSpPr>
             <a:spLocks noGrp="1"/>
           </p:cNvSpPr>
@@ -493,13 +488,7 @@
       </p:sp>
       <p:sp>
         <p:nvSpPr>
-          <p:cNvPr id="6" name="Slide Number Placeholder 5">
-            <a:extLst>
-              <a:ext uri="{FF2B5EF4-FFF2-40B4-BE49-F238E27FC236}">
-                <a16:creationId xmlns:a16="http://schemas.microsoft.com/office/drawing/2014/main" id="{02A5A018-AA35-6C48-A3C6-646BB4995675}"/>
-              </a:ext>
-            </a:extLst>
-          </p:cNvPr>
+          <p:cNvPr id="6" name="Slide Number Placeholder 5"/>
           <p:cNvSpPr>
             <a:spLocks noGrp="1"/>
           </p:cNvSpPr>
@@ -520,10 +509,41 @@
           </a:p>
         </p:txBody>
       </p:sp>
+      <p:cxnSp>
+        <p:nvCxnSpPr>
+          <p:cNvPr id="26" name="Straight Connector 25"/>
+          <p:cNvCxnSpPr/>
+          <p:nvPr/>
+        </p:nvCxnSpPr>
+        <p:spPr>
+          <a:xfrm>
+            <a:off x="1453896" y="1847088"/>
+            <a:ext cx="9607522" cy="0"/>
+          </a:xfrm>
+          <a:prstGeom prst="line">
+            <a:avLst/>
+          </a:prstGeom>
+          <a:ln w="31750"/>
+        </p:spPr>
+        <p:style>
+          <a:lnRef idx="3">
+            <a:schemeClr val="accent1"/>
+          </a:lnRef>
+          <a:fillRef idx="0">
+            <a:schemeClr val="accent1"/>
+          </a:fillRef>
+          <a:effectRef idx="2">
+            <a:schemeClr val="accent1"/>
+          </a:effectRef>
+          <a:fontRef idx="minor">
+            <a:schemeClr val="tx1"/>
+          </a:fontRef>
+        </p:style>
+      </p:cxnSp>
     </p:spTree>
     <p:extLst>
       <p:ext uri="{BB962C8B-B14F-4D97-AF65-F5344CB8AC3E}">
-        <p14:creationId xmlns:p14="http://schemas.microsoft.com/office/powerpoint/2010/main" val="3322518947"/>
+        <p14:creationId xmlns:p14="http://schemas.microsoft.com/office/powerpoint/2010/main" val="2376094794"/>
       </p:ext>
     </p:extLst>
   </p:cSld>
@@ -552,13 +572,7 @@
       </p:grpSpPr>
       <p:sp>
         <p:nvSpPr>
-          <p:cNvPr id="2" name="Vertical Title 1">
-            <a:extLst>
-              <a:ext uri="{FF2B5EF4-FFF2-40B4-BE49-F238E27FC236}">
-                <a16:creationId xmlns:a16="http://schemas.microsoft.com/office/drawing/2014/main" id="{A9B29165-F97A-4A48-9DDF-CAAEA0356932}"/>
-              </a:ext>
-            </a:extLst>
-          </p:cNvPr>
+          <p:cNvPr id="2" name="Vertical Title 1"/>
           <p:cNvSpPr>
             <a:spLocks noGrp="1"/>
           </p:cNvSpPr>
@@ -568,31 +582,29 @@
         </p:nvSpPr>
         <p:spPr>
           <a:xfrm>
-            <a:off x="8724900" y="365125"/>
-            <a:ext cx="2628900" cy="5811838"/>
+            <a:off x="9439111" y="798973"/>
+            <a:ext cx="1615742" cy="4659889"/>
           </a:xfrm>
         </p:spPr>
         <p:txBody>
           <a:bodyPr vert="eaVert"/>
-          <a:lstStyle/>
+          <a:lstStyle>
+            <a:lvl1pPr algn="l">
+              <a:defRPr/>
+            </a:lvl1pPr>
+          </a:lstStyle>
           <a:p>
             <a:r>
               <a:rPr lang="en-US"/>
               <a:t>Click to edit Master title style</a:t>
             </a:r>
-            <a:endParaRPr lang="da-DK"/>
-          </a:p>
-        </p:txBody>
-      </p:sp>
-      <p:sp>
-        <p:nvSpPr>
-          <p:cNvPr id="3" name="Vertical Text Placeholder 2">
-            <a:extLst>
-              <a:ext uri="{FF2B5EF4-FFF2-40B4-BE49-F238E27FC236}">
-                <a16:creationId xmlns:a16="http://schemas.microsoft.com/office/drawing/2014/main" id="{1523588D-F9A2-8845-AA20-01C54309689C}"/>
-              </a:ext>
-            </a:extLst>
-          </p:cNvPr>
+            <a:endParaRPr lang="en-US" dirty="0"/>
+          </a:p>
+        </p:txBody>
+      </p:sp>
+      <p:sp>
+        <p:nvSpPr>
+          <p:cNvPr id="3" name="Vertical Text Placeholder 2"/>
           <p:cNvSpPr>
             <a:spLocks noGrp="1"/>
           </p:cNvSpPr>
@@ -602,8 +614,8 @@
         </p:nvSpPr>
         <p:spPr>
           <a:xfrm>
-            <a:off x="838200" y="365125"/>
-            <a:ext cx="7734300" cy="5811838"/>
+            <a:off x="1444672" y="798973"/>
+            <a:ext cx="7828830" cy="4659889"/>
           </a:xfrm>
         </p:spPr>
         <p:txBody>
@@ -643,19 +655,13 @@
               <a:rPr lang="en-US"/>
               <a:t>Fifth level</a:t>
             </a:r>
-            <a:endParaRPr lang="da-DK"/>
-          </a:p>
-        </p:txBody>
-      </p:sp>
-      <p:sp>
-        <p:nvSpPr>
-          <p:cNvPr id="4" name="Date Placeholder 3">
-            <a:extLst>
-              <a:ext uri="{FF2B5EF4-FFF2-40B4-BE49-F238E27FC236}">
-                <a16:creationId xmlns:a16="http://schemas.microsoft.com/office/drawing/2014/main" id="{4761B497-7794-F841-B3FC-9E3D7EAA2DC6}"/>
-              </a:ext>
-            </a:extLst>
-          </p:cNvPr>
+            <a:endParaRPr lang="en-US" dirty="0"/>
+          </a:p>
+        </p:txBody>
+      </p:sp>
+      <p:sp>
+        <p:nvSpPr>
+          <p:cNvPr id="4" name="Date Placeholder 3"/>
           <p:cNvSpPr>
             <a:spLocks noGrp="1"/>
           </p:cNvSpPr>
@@ -678,13 +684,7 @@
       </p:sp>
       <p:sp>
         <p:nvSpPr>
-          <p:cNvPr id="5" name="Footer Placeholder 4">
-            <a:extLst>
-              <a:ext uri="{FF2B5EF4-FFF2-40B4-BE49-F238E27FC236}">
-                <a16:creationId xmlns:a16="http://schemas.microsoft.com/office/drawing/2014/main" id="{23963343-16A4-9B41-9023-E0379A6F4D8D}"/>
-              </a:ext>
-            </a:extLst>
-          </p:cNvPr>
+          <p:cNvPr id="5" name="Footer Placeholder 4"/>
           <p:cNvSpPr>
             <a:spLocks noGrp="1"/>
           </p:cNvSpPr>
@@ -703,13 +703,7 @@
       </p:sp>
       <p:sp>
         <p:nvSpPr>
-          <p:cNvPr id="6" name="Slide Number Placeholder 5">
-            <a:extLst>
-              <a:ext uri="{FF2B5EF4-FFF2-40B4-BE49-F238E27FC236}">
-                <a16:creationId xmlns:a16="http://schemas.microsoft.com/office/drawing/2014/main" id="{E885196B-750A-804A-99C6-2BFCD8290AD1}"/>
-              </a:ext>
-            </a:extLst>
-          </p:cNvPr>
+          <p:cNvPr id="6" name="Slide Number Placeholder 5"/>
           <p:cNvSpPr>
             <a:spLocks noGrp="1"/>
           </p:cNvSpPr>
@@ -730,10 +724,41 @@
           </a:p>
         </p:txBody>
       </p:sp>
+      <p:cxnSp>
+        <p:nvCxnSpPr>
+          <p:cNvPr id="15" name="Straight Connector 14"/>
+          <p:cNvCxnSpPr/>
+          <p:nvPr/>
+        </p:nvCxnSpPr>
+        <p:spPr>
+          <a:xfrm>
+            <a:off x="9439111" y="798973"/>
+            <a:ext cx="0" cy="4659889"/>
+          </a:xfrm>
+          <a:prstGeom prst="line">
+            <a:avLst/>
+          </a:prstGeom>
+          <a:ln w="31750"/>
+        </p:spPr>
+        <p:style>
+          <a:lnRef idx="3">
+            <a:schemeClr val="accent1"/>
+          </a:lnRef>
+          <a:fillRef idx="0">
+            <a:schemeClr val="accent1"/>
+          </a:fillRef>
+          <a:effectRef idx="2">
+            <a:schemeClr val="accent1"/>
+          </a:effectRef>
+          <a:fontRef idx="minor">
+            <a:schemeClr val="tx1"/>
+          </a:fontRef>
+        </p:style>
+      </p:cxnSp>
     </p:spTree>
     <p:extLst>
       <p:ext uri="{BB962C8B-B14F-4D97-AF65-F5344CB8AC3E}">
-        <p14:creationId xmlns:p14="http://schemas.microsoft.com/office/powerpoint/2010/main" val="3649082910"/>
+        <p14:creationId xmlns:p14="http://schemas.microsoft.com/office/powerpoint/2010/main" val="4175550205"/>
       </p:ext>
     </p:extLst>
   </p:cSld>
@@ -762,13 +787,7 @@
       </p:grpSpPr>
       <p:sp>
         <p:nvSpPr>
-          <p:cNvPr id="2" name="Title 1">
-            <a:extLst>
-              <a:ext uri="{FF2B5EF4-FFF2-40B4-BE49-F238E27FC236}">
-                <a16:creationId xmlns:a16="http://schemas.microsoft.com/office/drawing/2014/main" id="{7BC4846A-CE07-D54E-A494-A5F8AC6F8714}"/>
-              </a:ext>
-            </a:extLst>
-          </p:cNvPr>
+          <p:cNvPr id="2" name="Title 1"/>
           <p:cNvSpPr>
             <a:spLocks noGrp="1"/>
           </p:cNvSpPr>
@@ -785,19 +804,13 @@
               <a:rPr lang="en-US"/>
               <a:t>Click to edit Master title style</a:t>
             </a:r>
-            <a:endParaRPr lang="da-DK"/>
-          </a:p>
-        </p:txBody>
-      </p:sp>
-      <p:sp>
-        <p:nvSpPr>
-          <p:cNvPr id="3" name="Content Placeholder 2">
-            <a:extLst>
-              <a:ext uri="{FF2B5EF4-FFF2-40B4-BE49-F238E27FC236}">
-                <a16:creationId xmlns:a16="http://schemas.microsoft.com/office/drawing/2014/main" id="{D33B3796-FBD1-FD46-9B6F-6E91B8AA7EEF}"/>
-              </a:ext>
-            </a:extLst>
-          </p:cNvPr>
+            <a:endParaRPr lang="en-US" dirty="0"/>
+          </a:p>
+        </p:txBody>
+      </p:sp>
+      <p:sp>
+        <p:nvSpPr>
+          <p:cNvPr id="3" name="Content Placeholder 2"/>
           <p:cNvSpPr>
             <a:spLocks noGrp="1"/>
           </p:cNvSpPr>
@@ -807,7 +820,7 @@
         </p:nvSpPr>
         <p:spPr/>
         <p:txBody>
-          <a:bodyPr/>
+          <a:bodyPr anchor="t"/>
           <a:lstStyle/>
           <a:p>
             <a:pPr lvl="0"/>
@@ -843,19 +856,13 @@
               <a:rPr lang="en-US"/>
               <a:t>Fifth level</a:t>
             </a:r>
-            <a:endParaRPr lang="da-DK"/>
-          </a:p>
-        </p:txBody>
-      </p:sp>
-      <p:sp>
-        <p:nvSpPr>
-          <p:cNvPr id="4" name="Date Placeholder 3">
-            <a:extLst>
-              <a:ext uri="{FF2B5EF4-FFF2-40B4-BE49-F238E27FC236}">
-                <a16:creationId xmlns:a16="http://schemas.microsoft.com/office/drawing/2014/main" id="{D21520CD-D064-8B4D-9279-DC5FDE26F05B}"/>
-              </a:ext>
-            </a:extLst>
-          </p:cNvPr>
+            <a:endParaRPr lang="en-US" dirty="0"/>
+          </a:p>
+        </p:txBody>
+      </p:sp>
+      <p:sp>
+        <p:nvSpPr>
+          <p:cNvPr id="4" name="Date Placeholder 3"/>
           <p:cNvSpPr>
             <a:spLocks noGrp="1"/>
           </p:cNvSpPr>
@@ -878,13 +885,7 @@
       </p:sp>
       <p:sp>
         <p:nvSpPr>
-          <p:cNvPr id="5" name="Footer Placeholder 4">
-            <a:extLst>
-              <a:ext uri="{FF2B5EF4-FFF2-40B4-BE49-F238E27FC236}">
-                <a16:creationId xmlns:a16="http://schemas.microsoft.com/office/drawing/2014/main" id="{FB6CF2D0-2A8B-2648-9DA7-FCB2099CC912}"/>
-              </a:ext>
-            </a:extLst>
-          </p:cNvPr>
+          <p:cNvPr id="5" name="Footer Placeholder 4"/>
           <p:cNvSpPr>
             <a:spLocks noGrp="1"/>
           </p:cNvSpPr>
@@ -903,13 +904,7 @@
       </p:sp>
       <p:sp>
         <p:nvSpPr>
-          <p:cNvPr id="6" name="Slide Number Placeholder 5">
-            <a:extLst>
-              <a:ext uri="{FF2B5EF4-FFF2-40B4-BE49-F238E27FC236}">
-                <a16:creationId xmlns:a16="http://schemas.microsoft.com/office/drawing/2014/main" id="{E057FD7B-D255-E14D-B56E-613AF9B5A1E0}"/>
-              </a:ext>
-            </a:extLst>
-          </p:cNvPr>
+          <p:cNvPr id="6" name="Slide Number Placeholder 5"/>
           <p:cNvSpPr>
             <a:spLocks noGrp="1"/>
           </p:cNvSpPr>
@@ -930,10 +925,41 @@
           </a:p>
         </p:txBody>
       </p:sp>
+      <p:cxnSp>
+        <p:nvCxnSpPr>
+          <p:cNvPr id="33" name="Straight Connector 32"/>
+          <p:cNvCxnSpPr/>
+          <p:nvPr/>
+        </p:nvCxnSpPr>
+        <p:spPr>
+          <a:xfrm>
+            <a:off x="1453896" y="1847088"/>
+            <a:ext cx="9607522" cy="0"/>
+          </a:xfrm>
+          <a:prstGeom prst="line">
+            <a:avLst/>
+          </a:prstGeom>
+          <a:ln w="31750"/>
+        </p:spPr>
+        <p:style>
+          <a:lnRef idx="3">
+            <a:schemeClr val="accent1"/>
+          </a:lnRef>
+          <a:fillRef idx="0">
+            <a:schemeClr val="accent1"/>
+          </a:fillRef>
+          <a:effectRef idx="2">
+            <a:schemeClr val="accent1"/>
+          </a:effectRef>
+          <a:fontRef idx="minor">
+            <a:schemeClr val="tx1"/>
+          </a:fontRef>
+        </p:style>
+      </p:cxnSp>
     </p:spTree>
     <p:extLst>
       <p:ext uri="{BB962C8B-B14F-4D97-AF65-F5344CB8AC3E}">
-        <p14:creationId xmlns:p14="http://schemas.microsoft.com/office/powerpoint/2010/main" val="1399084792"/>
+        <p14:creationId xmlns:p14="http://schemas.microsoft.com/office/powerpoint/2010/main" val="2232472195"/>
       </p:ext>
     </p:extLst>
   </p:cSld>
@@ -962,13 +988,7 @@
       </p:grpSpPr>
       <p:sp>
         <p:nvSpPr>
-          <p:cNvPr id="2" name="Title 1">
-            <a:extLst>
-              <a:ext uri="{FF2B5EF4-FFF2-40B4-BE49-F238E27FC236}">
-                <a16:creationId xmlns:a16="http://schemas.microsoft.com/office/drawing/2014/main" id="{7914D098-31EB-D14C-8B80-9CBDC0E780EA}"/>
-              </a:ext>
-            </a:extLst>
-          </p:cNvPr>
+          <p:cNvPr id="2" name="Title 1"/>
           <p:cNvSpPr>
             <a:spLocks noGrp="1"/>
           </p:cNvSpPr>
@@ -978,15 +998,17 @@
         </p:nvSpPr>
         <p:spPr>
           <a:xfrm>
-            <a:off x="831850" y="1709738"/>
-            <a:ext cx="10515600" cy="2852737"/>
-          </a:xfrm>
-        </p:spPr>
-        <p:txBody>
-          <a:bodyPr anchor="b"/>
+            <a:off x="1454239" y="1756130"/>
+            <a:ext cx="8643154" cy="1887950"/>
+          </a:xfrm>
+        </p:spPr>
+        <p:txBody>
+          <a:bodyPr anchor="b">
+            <a:normAutofit/>
+          </a:bodyPr>
           <a:lstStyle>
-            <a:lvl1pPr>
-              <a:defRPr sz="6000"/>
+            <a:lvl1pPr algn="l">
+              <a:defRPr sz="3600"/>
             </a:lvl1pPr>
           </a:lstStyle>
           <a:p>
@@ -994,19 +1016,13 @@
               <a:rPr lang="en-US"/>
               <a:t>Click to edit Master title style</a:t>
             </a:r>
-            <a:endParaRPr lang="da-DK"/>
-          </a:p>
-        </p:txBody>
-      </p:sp>
-      <p:sp>
-        <p:nvSpPr>
-          <p:cNvPr id="3" name="Text Placeholder 2">
-            <a:extLst>
-              <a:ext uri="{FF2B5EF4-FFF2-40B4-BE49-F238E27FC236}">
-                <a16:creationId xmlns:a16="http://schemas.microsoft.com/office/drawing/2014/main" id="{384AD125-0B72-3942-977A-6D4CB4EFAB36}"/>
-              </a:ext>
-            </a:extLst>
-          </p:cNvPr>
+            <a:endParaRPr lang="en-US" dirty="0"/>
+          </a:p>
+        </p:txBody>
+      </p:sp>
+      <p:sp>
+        <p:nvSpPr>
+          <p:cNvPr id="3" name="Text Placeholder 2"/>
           <p:cNvSpPr>
             <a:spLocks noGrp="1"/>
           </p:cNvSpPr>
@@ -1016,26 +1032,26 @@
         </p:nvSpPr>
         <p:spPr>
           <a:xfrm>
-            <a:off x="831850" y="4589463"/>
-            <a:ext cx="10515600" cy="1500187"/>
-          </a:xfrm>
-        </p:spPr>
-        <p:txBody>
-          <a:bodyPr/>
+            <a:off x="1454239" y="3806195"/>
+            <a:ext cx="8630446" cy="1012929"/>
+          </a:xfrm>
+        </p:spPr>
+        <p:txBody>
+          <a:bodyPr tIns="91440">
+            <a:normAutofit/>
+          </a:bodyPr>
           <a:lstStyle>
-            <a:lvl1pPr marL="0" indent="0">
-              <a:buNone/>
-              <a:defRPr sz="2400">
+            <a:lvl1pPr marL="0" indent="0" algn="l">
+              <a:buNone/>
+              <a:defRPr sz="1800">
                 <a:solidFill>
-                  <a:schemeClr val="tx1">
-                    <a:tint val="75000"/>
-                  </a:schemeClr>
+                  <a:schemeClr val="tx1"/>
                 </a:solidFill>
               </a:defRPr>
             </a:lvl1pPr>
             <a:lvl2pPr marL="457200" indent="0">
               <a:buNone/>
-              <a:defRPr sz="2000">
+              <a:defRPr sz="1800">
                 <a:solidFill>
                   <a:schemeClr val="tx1">
                     <a:tint val="75000"/>
@@ -1125,13 +1141,7 @@
       </p:sp>
       <p:sp>
         <p:nvSpPr>
-          <p:cNvPr id="4" name="Date Placeholder 3">
-            <a:extLst>
-              <a:ext uri="{FF2B5EF4-FFF2-40B4-BE49-F238E27FC236}">
-                <a16:creationId xmlns:a16="http://schemas.microsoft.com/office/drawing/2014/main" id="{329A8CEC-8476-9244-9A2F-5496AF4F4E2A}"/>
-              </a:ext>
-            </a:extLst>
-          </p:cNvPr>
+          <p:cNvPr id="4" name="Date Placeholder 3"/>
           <p:cNvSpPr>
             <a:spLocks noGrp="1"/>
           </p:cNvSpPr>
@@ -1154,13 +1164,7 @@
       </p:sp>
       <p:sp>
         <p:nvSpPr>
-          <p:cNvPr id="5" name="Footer Placeholder 4">
-            <a:extLst>
-              <a:ext uri="{FF2B5EF4-FFF2-40B4-BE49-F238E27FC236}">
-                <a16:creationId xmlns:a16="http://schemas.microsoft.com/office/drawing/2014/main" id="{00EA8317-FFB9-A14A-B29B-0D9F68B22784}"/>
-              </a:ext>
-            </a:extLst>
-          </p:cNvPr>
+          <p:cNvPr id="5" name="Footer Placeholder 4"/>
           <p:cNvSpPr>
             <a:spLocks noGrp="1"/>
           </p:cNvSpPr>
@@ -1179,13 +1183,7 @@
       </p:sp>
       <p:sp>
         <p:nvSpPr>
-          <p:cNvPr id="6" name="Slide Number Placeholder 5">
-            <a:extLst>
-              <a:ext uri="{FF2B5EF4-FFF2-40B4-BE49-F238E27FC236}">
-                <a16:creationId xmlns:a16="http://schemas.microsoft.com/office/drawing/2014/main" id="{B8B2FCDC-8668-7543-8EF7-F80D62E906BC}"/>
-              </a:ext>
-            </a:extLst>
-          </p:cNvPr>
+          <p:cNvPr id="6" name="Slide Number Placeholder 5"/>
           <p:cNvSpPr>
             <a:spLocks noGrp="1"/>
           </p:cNvSpPr>
@@ -1206,10 +1204,41 @@
           </a:p>
         </p:txBody>
       </p:sp>
+      <p:cxnSp>
+        <p:nvCxnSpPr>
+          <p:cNvPr id="15" name="Straight Connector 14"/>
+          <p:cNvCxnSpPr/>
+          <p:nvPr/>
+        </p:nvCxnSpPr>
+        <p:spPr>
+          <a:xfrm>
+            <a:off x="1454239" y="3804985"/>
+            <a:ext cx="8630446" cy="0"/>
+          </a:xfrm>
+          <a:prstGeom prst="line">
+            <a:avLst/>
+          </a:prstGeom>
+          <a:ln w="31750"/>
+        </p:spPr>
+        <p:style>
+          <a:lnRef idx="3">
+            <a:schemeClr val="accent1"/>
+          </a:lnRef>
+          <a:fillRef idx="0">
+            <a:schemeClr val="accent1"/>
+          </a:fillRef>
+          <a:effectRef idx="2">
+            <a:schemeClr val="accent1"/>
+          </a:effectRef>
+          <a:fontRef idx="minor">
+            <a:schemeClr val="tx1"/>
+          </a:fontRef>
+        </p:style>
+      </p:cxnSp>
     </p:spTree>
     <p:extLst>
       <p:ext uri="{BB962C8B-B14F-4D97-AF65-F5344CB8AC3E}">
-        <p14:creationId xmlns:p14="http://schemas.microsoft.com/office/powerpoint/2010/main" val="1814151583"/>
+        <p14:creationId xmlns:p14="http://schemas.microsoft.com/office/powerpoint/2010/main" val="1593506445"/>
       </p:ext>
     </p:extLst>
   </p:cSld>
@@ -1238,13 +1267,7 @@
       </p:grpSpPr>
       <p:sp>
         <p:nvSpPr>
-          <p:cNvPr id="2" name="Title 1">
-            <a:extLst>
-              <a:ext uri="{FF2B5EF4-FFF2-40B4-BE49-F238E27FC236}">
-                <a16:creationId xmlns:a16="http://schemas.microsoft.com/office/drawing/2014/main" id="{0B5C13EC-F630-A94E-9EC3-B49747EA4E9A}"/>
-              </a:ext>
-            </a:extLst>
-          </p:cNvPr>
+          <p:cNvPr id="2" name="Title 1"/>
           <p:cNvSpPr>
             <a:spLocks noGrp="1"/>
           </p:cNvSpPr>
@@ -1252,7 +1275,12 @@
             <p:ph type="title"/>
           </p:nvPr>
         </p:nvSpPr>
-        <p:spPr/>
+        <p:spPr>
+          <a:xfrm>
+            <a:off x="1449217" y="804889"/>
+            <a:ext cx="9605635" cy="1059305"/>
+          </a:xfrm>
+        </p:spPr>
         <p:txBody>
           <a:bodyPr/>
           <a:lstStyle/>
@@ -1261,19 +1289,13 @@
               <a:rPr lang="en-US"/>
               <a:t>Click to edit Master title style</a:t>
             </a:r>
-            <a:endParaRPr lang="da-DK"/>
-          </a:p>
-        </p:txBody>
-      </p:sp>
-      <p:sp>
-        <p:nvSpPr>
-          <p:cNvPr id="3" name="Content Placeholder 2">
-            <a:extLst>
-              <a:ext uri="{FF2B5EF4-FFF2-40B4-BE49-F238E27FC236}">
-                <a16:creationId xmlns:a16="http://schemas.microsoft.com/office/drawing/2014/main" id="{7DB37BC2-30A4-FA4D-8676-D8AD0CB82D90}"/>
-              </a:ext>
-            </a:extLst>
-          </p:cNvPr>
+            <a:endParaRPr lang="en-US" dirty="0"/>
+          </a:p>
+        </p:txBody>
+      </p:sp>
+      <p:sp>
+        <p:nvSpPr>
+          <p:cNvPr id="3" name="Content Placeholder 2"/>
           <p:cNvSpPr>
             <a:spLocks noGrp="1"/>
           </p:cNvSpPr>
@@ -1283,8 +1305,8 @@
         </p:nvSpPr>
         <p:spPr>
           <a:xfrm>
-            <a:off x="838200" y="1825625"/>
-            <a:ext cx="5181600" cy="4351338"/>
+            <a:off x="1447331" y="2010878"/>
+            <a:ext cx="4645152" cy="3448595"/>
           </a:xfrm>
         </p:spPr>
         <p:txBody>
@@ -1324,19 +1346,13 @@
               <a:rPr lang="en-US"/>
               <a:t>Fifth level</a:t>
             </a:r>
-            <a:endParaRPr lang="da-DK"/>
-          </a:p>
-        </p:txBody>
-      </p:sp>
-      <p:sp>
-        <p:nvSpPr>
-          <p:cNvPr id="4" name="Content Placeholder 3">
-            <a:extLst>
-              <a:ext uri="{FF2B5EF4-FFF2-40B4-BE49-F238E27FC236}">
-                <a16:creationId xmlns:a16="http://schemas.microsoft.com/office/drawing/2014/main" id="{D8BED94E-40B9-6D47-A366-6E746F8BE396}"/>
-              </a:ext>
-            </a:extLst>
-          </p:cNvPr>
+            <a:endParaRPr lang="en-US" dirty="0"/>
+          </a:p>
+        </p:txBody>
+      </p:sp>
+      <p:sp>
+        <p:nvSpPr>
+          <p:cNvPr id="4" name="Content Placeholder 3"/>
           <p:cNvSpPr>
             <a:spLocks noGrp="1"/>
           </p:cNvSpPr>
@@ -1346,8 +1362,8 @@
         </p:nvSpPr>
         <p:spPr>
           <a:xfrm>
-            <a:off x="6172200" y="1825625"/>
-            <a:ext cx="5181600" cy="4351338"/>
+            <a:off x="6413771" y="2017343"/>
+            <a:ext cx="4645152" cy="3441520"/>
           </a:xfrm>
         </p:spPr>
         <p:txBody>
@@ -1387,19 +1403,13 @@
               <a:rPr lang="en-US"/>
               <a:t>Fifth level</a:t>
             </a:r>
-            <a:endParaRPr lang="da-DK"/>
-          </a:p>
-        </p:txBody>
-      </p:sp>
-      <p:sp>
-        <p:nvSpPr>
-          <p:cNvPr id="5" name="Date Placeholder 4">
-            <a:extLst>
-              <a:ext uri="{FF2B5EF4-FFF2-40B4-BE49-F238E27FC236}">
-                <a16:creationId xmlns:a16="http://schemas.microsoft.com/office/drawing/2014/main" id="{8438D938-D7C6-4D4D-8205-A814F0611CDA}"/>
-              </a:ext>
-            </a:extLst>
-          </p:cNvPr>
+            <a:endParaRPr lang="en-US" dirty="0"/>
+          </a:p>
+        </p:txBody>
+      </p:sp>
+      <p:sp>
+        <p:nvSpPr>
+          <p:cNvPr id="5" name="Date Placeholder 4"/>
           <p:cNvSpPr>
             <a:spLocks noGrp="1"/>
           </p:cNvSpPr>
@@ -1422,13 +1432,7 @@
       </p:sp>
       <p:sp>
         <p:nvSpPr>
-          <p:cNvPr id="6" name="Footer Placeholder 5">
-            <a:extLst>
-              <a:ext uri="{FF2B5EF4-FFF2-40B4-BE49-F238E27FC236}">
-                <a16:creationId xmlns:a16="http://schemas.microsoft.com/office/drawing/2014/main" id="{FE0BBD01-8F5E-E049-BC4C-A9379F2FAFE1}"/>
-              </a:ext>
-            </a:extLst>
-          </p:cNvPr>
+          <p:cNvPr id="6" name="Footer Placeholder 5"/>
           <p:cNvSpPr>
             <a:spLocks noGrp="1"/>
           </p:cNvSpPr>
@@ -1447,13 +1451,7 @@
       </p:sp>
       <p:sp>
         <p:nvSpPr>
-          <p:cNvPr id="7" name="Slide Number Placeholder 6">
-            <a:extLst>
-              <a:ext uri="{FF2B5EF4-FFF2-40B4-BE49-F238E27FC236}">
-                <a16:creationId xmlns:a16="http://schemas.microsoft.com/office/drawing/2014/main" id="{19FAB4CA-30FD-AB45-826F-239C4E17F8AA}"/>
-              </a:ext>
-            </a:extLst>
-          </p:cNvPr>
+          <p:cNvPr id="7" name="Slide Number Placeholder 6"/>
           <p:cNvSpPr>
             <a:spLocks noGrp="1"/>
           </p:cNvSpPr>
@@ -1474,10 +1472,41 @@
           </a:p>
         </p:txBody>
       </p:sp>
+      <p:cxnSp>
+        <p:nvCxnSpPr>
+          <p:cNvPr id="35" name="Straight Connector 34"/>
+          <p:cNvCxnSpPr/>
+          <p:nvPr/>
+        </p:nvCxnSpPr>
+        <p:spPr>
+          <a:xfrm>
+            <a:off x="1453896" y="1847088"/>
+            <a:ext cx="9607522" cy="0"/>
+          </a:xfrm>
+          <a:prstGeom prst="line">
+            <a:avLst/>
+          </a:prstGeom>
+          <a:ln w="31750"/>
+        </p:spPr>
+        <p:style>
+          <a:lnRef idx="3">
+            <a:schemeClr val="accent1"/>
+          </a:lnRef>
+          <a:fillRef idx="0">
+            <a:schemeClr val="accent1"/>
+          </a:fillRef>
+          <a:effectRef idx="2">
+            <a:schemeClr val="accent1"/>
+          </a:effectRef>
+          <a:fontRef idx="minor">
+            <a:schemeClr val="tx1"/>
+          </a:fontRef>
+        </p:style>
+      </p:cxnSp>
     </p:spTree>
     <p:extLst>
       <p:ext uri="{BB962C8B-B14F-4D97-AF65-F5344CB8AC3E}">
-        <p14:creationId xmlns:p14="http://schemas.microsoft.com/office/powerpoint/2010/main" val="2690160697"/>
+        <p14:creationId xmlns:p14="http://schemas.microsoft.com/office/powerpoint/2010/main" val="2936489136"/>
       </p:ext>
     </p:extLst>
   </p:cSld>
@@ -1506,13 +1535,7 @@
       </p:grpSpPr>
       <p:sp>
         <p:nvSpPr>
-          <p:cNvPr id="2" name="Title 1">
-            <a:extLst>
-              <a:ext uri="{FF2B5EF4-FFF2-40B4-BE49-F238E27FC236}">
-                <a16:creationId xmlns:a16="http://schemas.microsoft.com/office/drawing/2014/main" id="{2E159A9F-92F1-FD40-B894-2BB2CF88D1D3}"/>
-              </a:ext>
-            </a:extLst>
-          </p:cNvPr>
+          <p:cNvPr id="2" name="Title 1"/>
           <p:cNvSpPr>
             <a:spLocks noGrp="1"/>
           </p:cNvSpPr>
@@ -1522,8 +1545,8 @@
         </p:nvSpPr>
         <p:spPr>
           <a:xfrm>
-            <a:off x="839788" y="365125"/>
-            <a:ext cx="10515600" cy="1325563"/>
+            <a:off x="1447191" y="804163"/>
+            <a:ext cx="9607661" cy="1056319"/>
           </a:xfrm>
         </p:spPr>
         <p:txBody>
@@ -1534,19 +1557,13 @@
               <a:rPr lang="en-US"/>
               <a:t>Click to edit Master title style</a:t>
             </a:r>
-            <a:endParaRPr lang="da-DK"/>
-          </a:p>
-        </p:txBody>
-      </p:sp>
-      <p:sp>
-        <p:nvSpPr>
-          <p:cNvPr id="3" name="Text Placeholder 2">
-            <a:extLst>
-              <a:ext uri="{FF2B5EF4-FFF2-40B4-BE49-F238E27FC236}">
-                <a16:creationId xmlns:a16="http://schemas.microsoft.com/office/drawing/2014/main" id="{0F666299-F650-674F-944C-FC30CA80C37B}"/>
-              </a:ext>
-            </a:extLst>
-          </p:cNvPr>
+            <a:endParaRPr lang="en-US" dirty="0"/>
+          </a:p>
+        </p:txBody>
+      </p:sp>
+      <p:sp>
+        <p:nvSpPr>
+          <p:cNvPr id="3" name="Text Placeholder 2"/>
           <p:cNvSpPr>
             <a:spLocks noGrp="1"/>
           </p:cNvSpPr>
@@ -1556,16 +1573,25 @@
         </p:nvSpPr>
         <p:spPr>
           <a:xfrm>
-            <a:off x="839788" y="1681163"/>
-            <a:ext cx="5157787" cy="823912"/>
-          </a:xfrm>
-        </p:spPr>
-        <p:txBody>
-          <a:bodyPr anchor="b"/>
+            <a:off x="1447191" y="2019549"/>
+            <a:ext cx="4645152" cy="801943"/>
+          </a:xfrm>
+        </p:spPr>
+        <p:txBody>
+          <a:bodyPr anchor="b">
+            <a:normAutofit/>
+          </a:bodyPr>
           <a:lstStyle>
             <a:lvl1pPr marL="0" indent="0">
-              <a:buNone/>
-              <a:defRPr sz="2400" b="1"/>
+              <a:lnSpc>
+                <a:spcPct val="100000"/>
+              </a:lnSpc>
+              <a:buNone/>
+              <a:defRPr sz="2200" b="0" cap="all" baseline="0">
+                <a:solidFill>
+                  <a:schemeClr val="accent1"/>
+                </a:solidFill>
+              </a:defRPr>
             </a:lvl1pPr>
             <a:lvl2pPr marL="457200" indent="0">
               <a:buNone/>
@@ -1611,13 +1637,7 @@
       </p:sp>
       <p:sp>
         <p:nvSpPr>
-          <p:cNvPr id="4" name="Content Placeholder 3">
-            <a:extLst>
-              <a:ext uri="{FF2B5EF4-FFF2-40B4-BE49-F238E27FC236}">
-                <a16:creationId xmlns:a16="http://schemas.microsoft.com/office/drawing/2014/main" id="{C41044F2-81AF-6F4E-A3BB-B536CAB04156}"/>
-              </a:ext>
-            </a:extLst>
-          </p:cNvPr>
+          <p:cNvPr id="4" name="Content Placeholder 3"/>
           <p:cNvSpPr>
             <a:spLocks noGrp="1"/>
           </p:cNvSpPr>
@@ -1627,8 +1647,8 @@
         </p:nvSpPr>
         <p:spPr>
           <a:xfrm>
-            <a:off x="839788" y="2505075"/>
-            <a:ext cx="5157787" cy="3684588"/>
+            <a:off x="1447191" y="2824269"/>
+            <a:ext cx="4645152" cy="2644457"/>
           </a:xfrm>
         </p:spPr>
         <p:txBody>
@@ -1668,19 +1688,13 @@
               <a:rPr lang="en-US"/>
               <a:t>Fifth level</a:t>
             </a:r>
-            <a:endParaRPr lang="da-DK"/>
-          </a:p>
-        </p:txBody>
-      </p:sp>
-      <p:sp>
-        <p:nvSpPr>
-          <p:cNvPr id="5" name="Text Placeholder 4">
-            <a:extLst>
-              <a:ext uri="{FF2B5EF4-FFF2-40B4-BE49-F238E27FC236}">
-                <a16:creationId xmlns:a16="http://schemas.microsoft.com/office/drawing/2014/main" id="{5D306AEE-190B-1E46-94B0-F5BC5CD28D17}"/>
-              </a:ext>
-            </a:extLst>
-          </p:cNvPr>
+            <a:endParaRPr lang="en-US" dirty="0"/>
+          </a:p>
+        </p:txBody>
+      </p:sp>
+      <p:sp>
+        <p:nvSpPr>
+          <p:cNvPr id="5" name="Text Placeholder 4"/>
           <p:cNvSpPr>
             <a:spLocks noGrp="1"/>
           </p:cNvSpPr>
@@ -1690,16 +1704,25 @@
         </p:nvSpPr>
         <p:spPr>
           <a:xfrm>
-            <a:off x="6172200" y="1681163"/>
-            <a:ext cx="5183188" cy="823912"/>
-          </a:xfrm>
-        </p:spPr>
-        <p:txBody>
-          <a:bodyPr anchor="b"/>
+            <a:off x="6412362" y="2023003"/>
+            <a:ext cx="4645152" cy="802237"/>
+          </a:xfrm>
+        </p:spPr>
+        <p:txBody>
+          <a:bodyPr anchor="b">
+            <a:normAutofit/>
+          </a:bodyPr>
           <a:lstStyle>
             <a:lvl1pPr marL="0" indent="0">
-              <a:buNone/>
-              <a:defRPr sz="2400" b="1"/>
+              <a:lnSpc>
+                <a:spcPct val="100000"/>
+              </a:lnSpc>
+              <a:buNone/>
+              <a:defRPr sz="2200" b="0" cap="all" baseline="0">
+                <a:solidFill>
+                  <a:schemeClr val="accent1"/>
+                </a:solidFill>
+              </a:defRPr>
             </a:lvl1pPr>
             <a:lvl2pPr marL="457200" indent="0">
               <a:buNone/>
@@ -1745,13 +1768,7 @@
       </p:sp>
       <p:sp>
         <p:nvSpPr>
-          <p:cNvPr id="6" name="Content Placeholder 5">
-            <a:extLst>
-              <a:ext uri="{FF2B5EF4-FFF2-40B4-BE49-F238E27FC236}">
-                <a16:creationId xmlns:a16="http://schemas.microsoft.com/office/drawing/2014/main" id="{6A2DEFEA-17F3-5948-BDF4-D907612B8B1B}"/>
-              </a:ext>
-            </a:extLst>
-          </p:cNvPr>
+          <p:cNvPr id="6" name="Content Placeholder 5"/>
           <p:cNvSpPr>
             <a:spLocks noGrp="1"/>
           </p:cNvSpPr>
@@ -1761,8 +1778,8 @@
         </p:nvSpPr>
         <p:spPr>
           <a:xfrm>
-            <a:off x="6172200" y="2505075"/>
-            <a:ext cx="5183188" cy="3684588"/>
+            <a:off x="6412362" y="2821491"/>
+            <a:ext cx="4645152" cy="2637371"/>
           </a:xfrm>
         </p:spPr>
         <p:txBody>
@@ -1802,19 +1819,13 @@
               <a:rPr lang="en-US"/>
               <a:t>Fifth level</a:t>
             </a:r>
-            <a:endParaRPr lang="da-DK"/>
-          </a:p>
-        </p:txBody>
-      </p:sp>
-      <p:sp>
-        <p:nvSpPr>
-          <p:cNvPr id="7" name="Date Placeholder 6">
-            <a:extLst>
-              <a:ext uri="{FF2B5EF4-FFF2-40B4-BE49-F238E27FC236}">
-                <a16:creationId xmlns:a16="http://schemas.microsoft.com/office/drawing/2014/main" id="{0BB091F3-5834-124C-96D2-BF047A1E7370}"/>
-              </a:ext>
-            </a:extLst>
-          </p:cNvPr>
+            <a:endParaRPr lang="en-US" dirty="0"/>
+          </a:p>
+        </p:txBody>
+      </p:sp>
+      <p:sp>
+        <p:nvSpPr>
+          <p:cNvPr id="7" name="Date Placeholder 6"/>
           <p:cNvSpPr>
             <a:spLocks noGrp="1"/>
           </p:cNvSpPr>
@@ -1837,13 +1848,7 @@
       </p:sp>
       <p:sp>
         <p:nvSpPr>
-          <p:cNvPr id="8" name="Footer Placeholder 7">
-            <a:extLst>
-              <a:ext uri="{FF2B5EF4-FFF2-40B4-BE49-F238E27FC236}">
-                <a16:creationId xmlns:a16="http://schemas.microsoft.com/office/drawing/2014/main" id="{53551936-8B5F-6B4C-B653-7F65827F0FBA}"/>
-              </a:ext>
-            </a:extLst>
-          </p:cNvPr>
+          <p:cNvPr id="8" name="Footer Placeholder 7"/>
           <p:cNvSpPr>
             <a:spLocks noGrp="1"/>
           </p:cNvSpPr>
@@ -1862,13 +1867,7 @@
       </p:sp>
       <p:sp>
         <p:nvSpPr>
-          <p:cNvPr id="9" name="Slide Number Placeholder 8">
-            <a:extLst>
-              <a:ext uri="{FF2B5EF4-FFF2-40B4-BE49-F238E27FC236}">
-                <a16:creationId xmlns:a16="http://schemas.microsoft.com/office/drawing/2014/main" id="{F494A279-7C68-4740-95E7-FDB698B66135}"/>
-              </a:ext>
-            </a:extLst>
-          </p:cNvPr>
+          <p:cNvPr id="9" name="Slide Number Placeholder 8"/>
           <p:cNvSpPr>
             <a:spLocks noGrp="1"/>
           </p:cNvSpPr>
@@ -1889,10 +1888,41 @@
           </a:p>
         </p:txBody>
       </p:sp>
+      <p:cxnSp>
+        <p:nvCxnSpPr>
+          <p:cNvPr id="29" name="Straight Connector 28"/>
+          <p:cNvCxnSpPr/>
+          <p:nvPr/>
+        </p:nvCxnSpPr>
+        <p:spPr>
+          <a:xfrm>
+            <a:off x="1453896" y="1847088"/>
+            <a:ext cx="9607522" cy="0"/>
+          </a:xfrm>
+          <a:prstGeom prst="line">
+            <a:avLst/>
+          </a:prstGeom>
+          <a:ln w="31750"/>
+        </p:spPr>
+        <p:style>
+          <a:lnRef idx="3">
+            <a:schemeClr val="accent1"/>
+          </a:lnRef>
+          <a:fillRef idx="0">
+            <a:schemeClr val="accent1"/>
+          </a:fillRef>
+          <a:effectRef idx="2">
+            <a:schemeClr val="accent1"/>
+          </a:effectRef>
+          <a:fontRef idx="minor">
+            <a:schemeClr val="tx1"/>
+          </a:fontRef>
+        </p:style>
+      </p:cxnSp>
     </p:spTree>
     <p:extLst>
       <p:ext uri="{BB962C8B-B14F-4D97-AF65-F5344CB8AC3E}">
-        <p14:creationId xmlns:p14="http://schemas.microsoft.com/office/powerpoint/2010/main" val="1285350591"/>
+        <p14:creationId xmlns:p14="http://schemas.microsoft.com/office/powerpoint/2010/main" val="2802902877"/>
       </p:ext>
     </p:extLst>
   </p:cSld>
@@ -1921,13 +1951,7 @@
       </p:grpSpPr>
       <p:sp>
         <p:nvSpPr>
-          <p:cNvPr id="2" name="Title 1">
-            <a:extLst>
-              <a:ext uri="{FF2B5EF4-FFF2-40B4-BE49-F238E27FC236}">
-                <a16:creationId xmlns:a16="http://schemas.microsoft.com/office/drawing/2014/main" id="{1F6C7502-22BE-714C-8D88-B730B471D11B}"/>
-              </a:ext>
-            </a:extLst>
-          </p:cNvPr>
+          <p:cNvPr id="2" name="Title 1"/>
           <p:cNvSpPr>
             <a:spLocks noGrp="1"/>
           </p:cNvSpPr>
@@ -1944,19 +1968,13 @@
               <a:rPr lang="en-US"/>
               <a:t>Click to edit Master title style</a:t>
             </a:r>
-            <a:endParaRPr lang="da-DK"/>
-          </a:p>
-        </p:txBody>
-      </p:sp>
-      <p:sp>
-        <p:nvSpPr>
-          <p:cNvPr id="3" name="Date Placeholder 2">
-            <a:extLst>
-              <a:ext uri="{FF2B5EF4-FFF2-40B4-BE49-F238E27FC236}">
-                <a16:creationId xmlns:a16="http://schemas.microsoft.com/office/drawing/2014/main" id="{D70111A9-16D3-284D-99FE-C351AFE148D8}"/>
-              </a:ext>
-            </a:extLst>
-          </p:cNvPr>
+            <a:endParaRPr lang="en-US" dirty="0"/>
+          </a:p>
+        </p:txBody>
+      </p:sp>
+      <p:sp>
+        <p:nvSpPr>
+          <p:cNvPr id="3" name="Date Placeholder 2"/>
           <p:cNvSpPr>
             <a:spLocks noGrp="1"/>
           </p:cNvSpPr>
@@ -1979,13 +1997,7 @@
       </p:sp>
       <p:sp>
         <p:nvSpPr>
-          <p:cNvPr id="4" name="Footer Placeholder 3">
-            <a:extLst>
-              <a:ext uri="{FF2B5EF4-FFF2-40B4-BE49-F238E27FC236}">
-                <a16:creationId xmlns:a16="http://schemas.microsoft.com/office/drawing/2014/main" id="{18EC2FBA-6E57-1B45-8AB9-973A293244DF}"/>
-              </a:ext>
-            </a:extLst>
-          </p:cNvPr>
+          <p:cNvPr id="4" name="Footer Placeholder 3"/>
           <p:cNvSpPr>
             <a:spLocks noGrp="1"/>
           </p:cNvSpPr>
@@ -2004,13 +2016,7 @@
       </p:sp>
       <p:sp>
         <p:nvSpPr>
-          <p:cNvPr id="5" name="Slide Number Placeholder 4">
-            <a:extLst>
-              <a:ext uri="{FF2B5EF4-FFF2-40B4-BE49-F238E27FC236}">
-                <a16:creationId xmlns:a16="http://schemas.microsoft.com/office/drawing/2014/main" id="{7FCA3968-7E78-9A42-98A5-48F81C715D85}"/>
-              </a:ext>
-            </a:extLst>
-          </p:cNvPr>
+          <p:cNvPr id="5" name="Slide Number Placeholder 4"/>
           <p:cNvSpPr>
             <a:spLocks noGrp="1"/>
           </p:cNvSpPr>
@@ -2031,10 +2037,41 @@
           </a:p>
         </p:txBody>
       </p:sp>
+      <p:cxnSp>
+        <p:nvCxnSpPr>
+          <p:cNvPr id="25" name="Straight Connector 24"/>
+          <p:cNvCxnSpPr/>
+          <p:nvPr/>
+        </p:nvCxnSpPr>
+        <p:spPr>
+          <a:xfrm>
+            <a:off x="1453896" y="1847088"/>
+            <a:ext cx="9607522" cy="0"/>
+          </a:xfrm>
+          <a:prstGeom prst="line">
+            <a:avLst/>
+          </a:prstGeom>
+          <a:ln w="31750"/>
+        </p:spPr>
+        <p:style>
+          <a:lnRef idx="3">
+            <a:schemeClr val="accent1"/>
+          </a:lnRef>
+          <a:fillRef idx="0">
+            <a:schemeClr val="accent1"/>
+          </a:fillRef>
+          <a:effectRef idx="2">
+            <a:schemeClr val="accent1"/>
+          </a:effectRef>
+          <a:fontRef idx="minor">
+            <a:schemeClr val="tx1"/>
+          </a:fontRef>
+        </p:style>
+      </p:cxnSp>
     </p:spTree>
     <p:extLst>
       <p:ext uri="{BB962C8B-B14F-4D97-AF65-F5344CB8AC3E}">
-        <p14:creationId xmlns:p14="http://schemas.microsoft.com/office/powerpoint/2010/main" val="3289354841"/>
+        <p14:creationId xmlns:p14="http://schemas.microsoft.com/office/powerpoint/2010/main" val="713935633"/>
       </p:ext>
     </p:extLst>
   </p:cSld>
@@ -2063,13 +2100,7 @@
       </p:grpSpPr>
       <p:sp>
         <p:nvSpPr>
-          <p:cNvPr id="2" name="Date Placeholder 1">
-            <a:extLst>
-              <a:ext uri="{FF2B5EF4-FFF2-40B4-BE49-F238E27FC236}">
-                <a16:creationId xmlns:a16="http://schemas.microsoft.com/office/drawing/2014/main" id="{6C619AE2-2136-1F4C-8521-B5472DB16A4B}"/>
-              </a:ext>
-            </a:extLst>
-          </p:cNvPr>
+          <p:cNvPr id="2" name="Date Placeholder 1"/>
           <p:cNvSpPr>
             <a:spLocks noGrp="1"/>
           </p:cNvSpPr>
@@ -2092,13 +2123,7 @@
       </p:sp>
       <p:sp>
         <p:nvSpPr>
-          <p:cNvPr id="3" name="Footer Placeholder 2">
-            <a:extLst>
-              <a:ext uri="{FF2B5EF4-FFF2-40B4-BE49-F238E27FC236}">
-                <a16:creationId xmlns:a16="http://schemas.microsoft.com/office/drawing/2014/main" id="{53DC8F61-E914-8748-812D-C76A29FB0F6F}"/>
-              </a:ext>
-            </a:extLst>
-          </p:cNvPr>
+          <p:cNvPr id="3" name="Footer Placeholder 2"/>
           <p:cNvSpPr>
             <a:spLocks noGrp="1"/>
           </p:cNvSpPr>
@@ -2117,13 +2142,7 @@
       </p:sp>
       <p:sp>
         <p:nvSpPr>
-          <p:cNvPr id="4" name="Slide Number Placeholder 3">
-            <a:extLst>
-              <a:ext uri="{FF2B5EF4-FFF2-40B4-BE49-F238E27FC236}">
-                <a16:creationId xmlns:a16="http://schemas.microsoft.com/office/drawing/2014/main" id="{CA0802C8-B34B-2A4B-9B68-B9474A97EB46}"/>
-              </a:ext>
-            </a:extLst>
-          </p:cNvPr>
+          <p:cNvPr id="4" name="Slide Number Placeholder 3"/>
           <p:cNvSpPr>
             <a:spLocks noGrp="1"/>
           </p:cNvSpPr>
@@ -2147,7 +2166,7 @@
     </p:spTree>
     <p:extLst>
       <p:ext uri="{BB962C8B-B14F-4D97-AF65-F5344CB8AC3E}">
-        <p14:creationId xmlns:p14="http://schemas.microsoft.com/office/powerpoint/2010/main" val="2641010294"/>
+        <p14:creationId xmlns:p14="http://schemas.microsoft.com/office/powerpoint/2010/main" val="3966966676"/>
       </p:ext>
     </p:extLst>
   </p:cSld>
@@ -2176,13 +2195,7 @@
       </p:grpSpPr>
       <p:sp>
         <p:nvSpPr>
-          <p:cNvPr id="2" name="Title 1">
-            <a:extLst>
-              <a:ext uri="{FF2B5EF4-FFF2-40B4-BE49-F238E27FC236}">
-                <a16:creationId xmlns:a16="http://schemas.microsoft.com/office/drawing/2014/main" id="{C7F041AB-5511-7D49-9ADB-77D3FD6B2F95}"/>
-              </a:ext>
-            </a:extLst>
-          </p:cNvPr>
+          <p:cNvPr id="2" name="Title 1"/>
           <p:cNvSpPr>
             <a:spLocks noGrp="1"/>
           </p:cNvSpPr>
@@ -2192,15 +2205,17 @@
         </p:nvSpPr>
         <p:spPr>
           <a:xfrm>
-            <a:off x="839788" y="457200"/>
-            <a:ext cx="3932237" cy="1600200"/>
-          </a:xfrm>
-        </p:spPr>
-        <p:txBody>
-          <a:bodyPr anchor="b"/>
+            <a:off x="1444671" y="798973"/>
+            <a:ext cx="3273099" cy="2247117"/>
+          </a:xfrm>
+        </p:spPr>
+        <p:txBody>
+          <a:bodyPr anchor="b">
+            <a:normAutofit/>
+          </a:bodyPr>
           <a:lstStyle>
-            <a:lvl1pPr>
-              <a:defRPr sz="3200"/>
+            <a:lvl1pPr algn="l">
+              <a:defRPr sz="2400"/>
             </a:lvl1pPr>
           </a:lstStyle>
           <a:p>
@@ -2208,19 +2223,13 @@
               <a:rPr lang="en-US"/>
               <a:t>Click to edit Master title style</a:t>
             </a:r>
-            <a:endParaRPr lang="da-DK"/>
-          </a:p>
-        </p:txBody>
-      </p:sp>
-      <p:sp>
-        <p:nvSpPr>
-          <p:cNvPr id="3" name="Content Placeholder 2">
-            <a:extLst>
-              <a:ext uri="{FF2B5EF4-FFF2-40B4-BE49-F238E27FC236}">
-                <a16:creationId xmlns:a16="http://schemas.microsoft.com/office/drawing/2014/main" id="{632CACEB-A35F-AE4F-9814-E65B76E892EE}"/>
-              </a:ext>
-            </a:extLst>
-          </p:cNvPr>
+            <a:endParaRPr lang="en-US" dirty="0"/>
+          </a:p>
+        </p:txBody>
+      </p:sp>
+      <p:sp>
+        <p:nvSpPr>
+          <p:cNvPr id="3" name="Content Placeholder 2"/>
           <p:cNvSpPr>
             <a:spLocks noGrp="1"/>
           </p:cNvSpPr>
@@ -2230,105 +2239,71 @@
         </p:nvSpPr>
         <p:spPr>
           <a:xfrm>
-            <a:off x="5183188" y="987425"/>
-            <a:ext cx="6172200" cy="4873625"/>
+            <a:off x="5043714" y="798974"/>
+            <a:ext cx="6012470" cy="4658826"/>
+          </a:xfrm>
+        </p:spPr>
+        <p:txBody>
+          <a:bodyPr anchor="ctr"/>
+          <a:lstStyle/>
+          <a:p>
+            <a:pPr lvl="0"/>
+            <a:r>
+              <a:rPr lang="en-US"/>
+              <a:t>Click to edit Master text styles</a:t>
+            </a:r>
+          </a:p>
+          <a:p>
+            <a:pPr lvl="1"/>
+            <a:r>
+              <a:rPr lang="en-US"/>
+              <a:t>Second level</a:t>
+            </a:r>
+          </a:p>
+          <a:p>
+            <a:pPr lvl="2"/>
+            <a:r>
+              <a:rPr lang="en-US"/>
+              <a:t>Third level</a:t>
+            </a:r>
+          </a:p>
+          <a:p>
+            <a:pPr lvl="3"/>
+            <a:r>
+              <a:rPr lang="en-US"/>
+              <a:t>Fourth level</a:t>
+            </a:r>
+          </a:p>
+          <a:p>
+            <a:pPr lvl="4"/>
+            <a:r>
+              <a:rPr lang="en-US"/>
+              <a:t>Fifth level</a:t>
+            </a:r>
+            <a:endParaRPr lang="en-US" dirty="0"/>
+          </a:p>
+        </p:txBody>
+      </p:sp>
+      <p:sp>
+        <p:nvSpPr>
+          <p:cNvPr id="4" name="Text Placeholder 3"/>
+          <p:cNvSpPr>
+            <a:spLocks noGrp="1"/>
+          </p:cNvSpPr>
+          <p:nvPr>
+            <p:ph type="body" sz="half" idx="2"/>
+          </p:nvPr>
+        </p:nvSpPr>
+        <p:spPr>
+          <a:xfrm>
+            <a:off x="1444671" y="3205491"/>
+            <a:ext cx="3275013" cy="2248181"/>
           </a:xfrm>
         </p:spPr>
         <p:txBody>
           <a:bodyPr/>
           <a:lstStyle>
-            <a:lvl1pPr>
-              <a:defRPr sz="3200"/>
-            </a:lvl1pPr>
-            <a:lvl2pPr>
-              <a:defRPr sz="2800"/>
-            </a:lvl2pPr>
-            <a:lvl3pPr>
-              <a:defRPr sz="2400"/>
-            </a:lvl3pPr>
-            <a:lvl4pPr>
-              <a:defRPr sz="2000"/>
-            </a:lvl4pPr>
-            <a:lvl5pPr>
-              <a:defRPr sz="2000"/>
-            </a:lvl5pPr>
-            <a:lvl6pPr>
-              <a:defRPr sz="2000"/>
-            </a:lvl6pPr>
-            <a:lvl7pPr>
-              <a:defRPr sz="2000"/>
-            </a:lvl7pPr>
-            <a:lvl8pPr>
-              <a:defRPr sz="2000"/>
-            </a:lvl8pPr>
-            <a:lvl9pPr>
-              <a:defRPr sz="2000"/>
-            </a:lvl9pPr>
-          </a:lstStyle>
-          <a:p>
-            <a:pPr lvl="0"/>
-            <a:r>
-              <a:rPr lang="en-US"/>
-              <a:t>Click to edit Master text styles</a:t>
-            </a:r>
-          </a:p>
-          <a:p>
-            <a:pPr lvl="1"/>
-            <a:r>
-              <a:rPr lang="en-US"/>
-              <a:t>Second level</a:t>
-            </a:r>
-          </a:p>
-          <a:p>
-            <a:pPr lvl="2"/>
-            <a:r>
-              <a:rPr lang="en-US"/>
-              <a:t>Third level</a:t>
-            </a:r>
-          </a:p>
-          <a:p>
-            <a:pPr lvl="3"/>
-            <a:r>
-              <a:rPr lang="en-US"/>
-              <a:t>Fourth level</a:t>
-            </a:r>
-          </a:p>
-          <a:p>
-            <a:pPr lvl="4"/>
-            <a:r>
-              <a:rPr lang="en-US"/>
-              <a:t>Fifth level</a:t>
-            </a:r>
-            <a:endParaRPr lang="da-DK"/>
-          </a:p>
-        </p:txBody>
-      </p:sp>
-      <p:sp>
-        <p:nvSpPr>
-          <p:cNvPr id="4" name="Text Placeholder 3">
-            <a:extLst>
-              <a:ext uri="{FF2B5EF4-FFF2-40B4-BE49-F238E27FC236}">
-                <a16:creationId xmlns:a16="http://schemas.microsoft.com/office/drawing/2014/main" id="{736E7958-B9AD-1348-BD96-5AD52A592312}"/>
-              </a:ext>
-            </a:extLst>
-          </p:cNvPr>
-          <p:cNvSpPr>
-            <a:spLocks noGrp="1"/>
-          </p:cNvSpPr>
-          <p:nvPr>
-            <p:ph type="body" sz="half" idx="2"/>
-          </p:nvPr>
-        </p:nvSpPr>
-        <p:spPr>
-          <a:xfrm>
-            <a:off x="839788" y="2057400"/>
-            <a:ext cx="3932237" cy="3811588"/>
-          </a:xfrm>
-        </p:spPr>
-        <p:txBody>
-          <a:bodyPr/>
-          <a:lstStyle>
-            <a:lvl1pPr marL="0" indent="0">
+            <a:lvl1pPr marL="0" indent="0" algn="l">
               <a:buNone/>
               <a:defRPr sz="1600"/>
             </a:lvl1pPr>
@@ -2376,13 +2351,7 @@
       </p:sp>
       <p:sp>
         <p:nvSpPr>
-          <p:cNvPr id="5" name="Date Placeholder 4">
-            <a:extLst>
-              <a:ext uri="{FF2B5EF4-FFF2-40B4-BE49-F238E27FC236}">
-                <a16:creationId xmlns:a16="http://schemas.microsoft.com/office/drawing/2014/main" id="{6FF82D3C-4D1C-3944-BFF8-AA0BC20AFFEB}"/>
-              </a:ext>
-            </a:extLst>
-          </p:cNvPr>
+          <p:cNvPr id="5" name="Date Placeholder 4"/>
           <p:cNvSpPr>
             <a:spLocks noGrp="1"/>
           </p:cNvSpPr>
@@ -2405,13 +2374,7 @@
       </p:sp>
       <p:sp>
         <p:nvSpPr>
-          <p:cNvPr id="6" name="Footer Placeholder 5">
-            <a:extLst>
-              <a:ext uri="{FF2B5EF4-FFF2-40B4-BE49-F238E27FC236}">
-                <a16:creationId xmlns:a16="http://schemas.microsoft.com/office/drawing/2014/main" id="{B505CF8D-0D73-834B-A6F8-DA8FE83C9C2D}"/>
-              </a:ext>
-            </a:extLst>
-          </p:cNvPr>
+          <p:cNvPr id="6" name="Footer Placeholder 5"/>
           <p:cNvSpPr>
             <a:spLocks noGrp="1"/>
           </p:cNvSpPr>
@@ -2430,13 +2393,7 @@
       </p:sp>
       <p:sp>
         <p:nvSpPr>
-          <p:cNvPr id="7" name="Slide Number Placeholder 6">
-            <a:extLst>
-              <a:ext uri="{FF2B5EF4-FFF2-40B4-BE49-F238E27FC236}">
-                <a16:creationId xmlns:a16="http://schemas.microsoft.com/office/drawing/2014/main" id="{62D88067-7149-ED4B-B7D3-43B8856CCCCE}"/>
-              </a:ext>
-            </a:extLst>
-          </p:cNvPr>
+          <p:cNvPr id="7" name="Slide Number Placeholder 6"/>
           <p:cNvSpPr>
             <a:spLocks noGrp="1"/>
           </p:cNvSpPr>
@@ -2457,10 +2414,41 @@
           </a:p>
         </p:txBody>
       </p:sp>
+      <p:cxnSp>
+        <p:nvCxnSpPr>
+          <p:cNvPr id="17" name="Straight Connector 16"/>
+          <p:cNvCxnSpPr/>
+          <p:nvPr/>
+        </p:nvCxnSpPr>
+        <p:spPr>
+          <a:xfrm>
+            <a:off x="1448280" y="3205491"/>
+            <a:ext cx="3269490" cy="0"/>
+          </a:xfrm>
+          <a:prstGeom prst="line">
+            <a:avLst/>
+          </a:prstGeom>
+          <a:ln w="31750"/>
+        </p:spPr>
+        <p:style>
+          <a:lnRef idx="3">
+            <a:schemeClr val="accent1"/>
+          </a:lnRef>
+          <a:fillRef idx="0">
+            <a:schemeClr val="accent1"/>
+          </a:fillRef>
+          <a:effectRef idx="2">
+            <a:schemeClr val="accent1"/>
+          </a:effectRef>
+          <a:fontRef idx="minor">
+            <a:schemeClr val="tx1"/>
+          </a:fontRef>
+        </p:style>
+      </p:cxnSp>
     </p:spTree>
     <p:extLst>
       <p:ext uri="{BB962C8B-B14F-4D97-AF65-F5344CB8AC3E}">
-        <p14:creationId xmlns:p14="http://schemas.microsoft.com/office/powerpoint/2010/main" val="2344853965"/>
+        <p14:creationId xmlns:p14="http://schemas.microsoft.com/office/powerpoint/2010/main" val="1351017445"/>
       </p:ext>
     </p:extLst>
   </p:cSld>
@@ -2487,15 +2475,143 @@
           <a:chExt cx="0" cy="0"/>
         </a:xfrm>
       </p:grpSpPr>
-      <p:sp>
-        <p:nvSpPr>
-          <p:cNvPr id="2" name="Title 1">
-            <a:extLst>
-              <a:ext uri="{FF2B5EF4-FFF2-40B4-BE49-F238E27FC236}">
-                <a16:creationId xmlns:a16="http://schemas.microsoft.com/office/drawing/2014/main" id="{FA41AEA7-52B7-7A49-9301-A9A027B2D918}"/>
-              </a:ext>
-            </a:extLst>
-          </p:cNvPr>
+      <p:grpSp>
+        <p:nvGrpSpPr>
+          <p:cNvPr id="8" name="Group 7"/>
+          <p:cNvGrpSpPr/>
+          <p:nvPr/>
+        </p:nvGrpSpPr>
+        <p:grpSpPr>
+          <a:xfrm>
+            <a:off x="7477387" y="482170"/>
+            <a:ext cx="4074533" cy="5149101"/>
+            <a:chOff x="7477387" y="482170"/>
+            <a:chExt cx="4074533" cy="5149101"/>
+          </a:xfrm>
+        </p:grpSpPr>
+        <p:sp>
+          <p:nvSpPr>
+            <p:cNvPr id="18" name="Rectangle 17"/>
+            <p:cNvSpPr/>
+            <p:nvPr/>
+          </p:nvSpPr>
+          <p:spPr bwMode="black">
+            <a:xfrm>
+              <a:off x="7477387" y="482170"/>
+              <a:ext cx="4074533" cy="5149101"/>
+            </a:xfrm>
+            <a:prstGeom prst="rect">
+              <a:avLst/>
+            </a:prstGeom>
+            <a:gradFill>
+              <a:gsLst>
+                <a:gs pos="0">
+                  <a:srgbClr val="000001"/>
+                </a:gs>
+                <a:gs pos="100000">
+                  <a:srgbClr val="191919"/>
+                </a:gs>
+              </a:gsLst>
+            </a:gradFill>
+            <a:ln w="76200" cmpd="sng">
+              <a:noFill/>
+              <a:miter lim="800000"/>
+            </a:ln>
+            <a:effectLst>
+              <a:outerShdw blurRad="127000" dist="228600" dir="4740000" sx="98000" sy="98000" algn="tl" rotWithShape="0">
+                <a:srgbClr val="000000">
+                  <a:alpha val="34000"/>
+                </a:srgbClr>
+              </a:outerShdw>
+            </a:effectLst>
+            <a:scene3d>
+              <a:camera prst="orthographicFront"/>
+              <a:lightRig rig="threePt" dir="t"/>
+            </a:scene3d>
+            <a:sp3d>
+              <a:bevelT w="152400" h="50800" prst="softRound"/>
+            </a:sp3d>
+          </p:spPr>
+          <p:style>
+            <a:lnRef idx="1">
+              <a:schemeClr val="accent1"/>
+            </a:lnRef>
+            <a:fillRef idx="3">
+              <a:schemeClr val="accent1"/>
+            </a:fillRef>
+            <a:effectRef idx="2">
+              <a:schemeClr val="accent1"/>
+            </a:effectRef>
+            <a:fontRef idx="minor">
+              <a:schemeClr val="lt1"/>
+            </a:fontRef>
+          </p:style>
+        </p:sp>
+        <p:sp>
+          <p:nvSpPr>
+            <p:cNvPr id="19" name="Rectangle 18"/>
+            <p:cNvSpPr/>
+            <p:nvPr/>
+          </p:nvSpPr>
+          <p:spPr bwMode="blackWhite">
+            <a:xfrm>
+              <a:off x="7790446" y="812506"/>
+              <a:ext cx="3450289" cy="4466452"/>
+            </a:xfrm>
+            <a:prstGeom prst="rect">
+              <a:avLst/>
+            </a:prstGeom>
+            <a:gradFill>
+              <a:gsLst>
+                <a:gs pos="0">
+                  <a:srgbClr val="DADADA"/>
+                </a:gs>
+                <a:gs pos="100000">
+                  <a:srgbClr val="FFFFFE"/>
+                </a:gs>
+              </a:gsLst>
+              <a:lin ang="16200000" scaled="0"/>
+            </a:gradFill>
+            <a:ln w="50800" cmpd="sng">
+              <a:solidFill>
+                <a:srgbClr val="191919"/>
+              </a:solidFill>
+              <a:miter lim="800000"/>
+            </a:ln>
+            <a:effectLst>
+              <a:innerShdw blurRad="63500" dist="88900" dir="14100000">
+                <a:srgbClr val="000000">
+                  <a:alpha val="30000"/>
+                </a:srgbClr>
+              </a:innerShdw>
+            </a:effectLst>
+            <a:scene3d>
+              <a:camera prst="orthographicFront"/>
+              <a:lightRig rig="threePt" dir="t"/>
+            </a:scene3d>
+            <a:sp3d>
+              <a:bevelT prst="relaxedInset"/>
+            </a:sp3d>
+          </p:spPr>
+          <p:style>
+            <a:lnRef idx="1">
+              <a:schemeClr val="accent1"/>
+            </a:lnRef>
+            <a:fillRef idx="3">
+              <a:schemeClr val="accent1"/>
+            </a:fillRef>
+            <a:effectRef idx="2">
+              <a:schemeClr val="accent1"/>
+            </a:effectRef>
+            <a:fontRef idx="minor">
+              <a:schemeClr val="lt1"/>
+            </a:fontRef>
+          </p:style>
+        </p:sp>
+      </p:grpSp>
+      <p:sp>
+        <p:nvSpPr>
+          <p:cNvPr id="2" name="Title 1"/>
           <p:cNvSpPr>
             <a:spLocks noGrp="1"/>
           </p:cNvSpPr>
@@ -2505,12 +2621,14 @@
         </p:nvSpPr>
         <p:spPr>
           <a:xfrm>
-            <a:off x="839788" y="457200"/>
-            <a:ext cx="3932237" cy="1600200"/>
-          </a:xfrm>
-        </p:spPr>
-        <p:txBody>
-          <a:bodyPr anchor="b"/>
+            <a:off x="1451206" y="1129513"/>
+            <a:ext cx="5532328" cy="1830584"/>
+          </a:xfrm>
+        </p:spPr>
+        <p:txBody>
+          <a:bodyPr anchor="b">
+            <a:normAutofit/>
+          </a:bodyPr>
           <a:lstStyle>
             <a:lvl1pPr>
               <a:defRPr sz="3200"/>
@@ -2521,21 +2639,15 @@
               <a:rPr lang="en-US"/>
               <a:t>Click to edit Master title style</a:t>
             </a:r>
-            <a:endParaRPr lang="da-DK"/>
-          </a:p>
-        </p:txBody>
-      </p:sp>
-      <p:sp>
-        <p:nvSpPr>
-          <p:cNvPr id="3" name="Picture Placeholder 2">
-            <a:extLst>
-              <a:ext uri="{FF2B5EF4-FFF2-40B4-BE49-F238E27FC236}">
-                <a16:creationId xmlns:a16="http://schemas.microsoft.com/office/drawing/2014/main" id="{4D297FF8-3100-6D4B-A7E0-F511452D498A}"/>
-              </a:ext>
-            </a:extLst>
-          </p:cNvPr>
-          <p:cNvSpPr>
-            <a:spLocks noGrp="1"/>
+            <a:endParaRPr lang="en-US" dirty="0"/>
+          </a:p>
+        </p:txBody>
+      </p:sp>
+      <p:sp>
+        <p:nvSpPr>
+          <p:cNvPr id="3" name="Picture Placeholder 2"/>
+          <p:cNvSpPr>
+            <a:spLocks noGrp="1" noChangeAspect="1"/>
           </p:cNvSpPr>
           <p:nvPr>
             <p:ph type="pic" idx="1"/>
@@ -2543,14 +2655,24 @@
         </p:nvSpPr>
         <p:spPr>
           <a:xfrm>
-            <a:off x="5183188" y="987425"/>
-            <a:ext cx="6172200" cy="4873625"/>
-          </a:xfrm>
-        </p:spPr>
-        <p:txBody>
-          <a:bodyPr/>
+            <a:off x="8124389" y="1122542"/>
+            <a:ext cx="2791171" cy="3866327"/>
+          </a:xfrm>
+          <a:solidFill>
+            <a:schemeClr val="bg1">
+              <a:lumMod val="85000"/>
+            </a:schemeClr>
+          </a:solidFill>
+          <a:ln w="9525" cap="sq">
+            <a:noFill/>
+            <a:miter lim="800000"/>
+          </a:ln>
+          <a:effectLst/>
+        </p:spPr>
+        <p:txBody>
+          <a:bodyPr anchor="t"/>
           <a:lstStyle>
-            <a:lvl1pPr marL="0" indent="0">
+            <a:lvl1pPr marL="0" indent="0" algn="ctr">
               <a:buNone/>
               <a:defRPr sz="3200"/>
             </a:lvl1pPr>
@@ -2588,19 +2710,17 @@
             </a:lvl9pPr>
           </a:lstStyle>
           <a:p>
-            <a:endParaRPr lang="da-DK"/>
-          </a:p>
-        </p:txBody>
-      </p:sp>
-      <p:sp>
-        <p:nvSpPr>
-          <p:cNvPr id="4" name="Text Placeholder 3">
-            <a:extLst>
-              <a:ext uri="{FF2B5EF4-FFF2-40B4-BE49-F238E27FC236}">
-                <a16:creationId xmlns:a16="http://schemas.microsoft.com/office/drawing/2014/main" id="{42CF0621-609D-0F42-B0CE-23B4844E0144}"/>
-              </a:ext>
-            </a:extLst>
-          </p:cNvPr>
+            <a:r>
+              <a:rPr lang="en-US"/>
+              <a:t>Click icon to add picture</a:t>
+            </a:r>
+            <a:endParaRPr lang="en-US" dirty="0"/>
+          </a:p>
+        </p:txBody>
+      </p:sp>
+      <p:sp>
+        <p:nvSpPr>
+          <p:cNvPr id="4" name="Text Placeholder 3"/>
           <p:cNvSpPr>
             <a:spLocks noGrp="1"/>
           </p:cNvSpPr>
@@ -2610,16 +2730,18 @@
         </p:nvSpPr>
         <p:spPr>
           <a:xfrm>
-            <a:off x="839788" y="2057400"/>
-            <a:ext cx="3932237" cy="3811588"/>
-          </a:xfrm>
-        </p:spPr>
-        <p:txBody>
-          <a:bodyPr/>
+            <a:off x="1450329" y="3145992"/>
+            <a:ext cx="5524404" cy="2003742"/>
+          </a:xfrm>
+        </p:spPr>
+        <p:txBody>
+          <a:bodyPr>
+            <a:normAutofit/>
+          </a:bodyPr>
           <a:lstStyle>
-            <a:lvl1pPr marL="0" indent="0">
-              <a:buNone/>
-              <a:defRPr sz="1600"/>
+            <a:lvl1pPr marL="0" indent="0" algn="l">
+              <a:buNone/>
+              <a:defRPr sz="1800"/>
             </a:lvl1pPr>
             <a:lvl2pPr marL="457200" indent="0">
               <a:buNone/>
@@ -2665,13 +2787,7 @@
       </p:sp>
       <p:sp>
         <p:nvSpPr>
-          <p:cNvPr id="5" name="Date Placeholder 4">
-            <a:extLst>
-              <a:ext uri="{FF2B5EF4-FFF2-40B4-BE49-F238E27FC236}">
-                <a16:creationId xmlns:a16="http://schemas.microsoft.com/office/drawing/2014/main" id="{5158F234-E756-954F-BACE-8DD07A4F445F}"/>
-              </a:ext>
-            </a:extLst>
-          </p:cNvPr>
+          <p:cNvPr id="5" name="Date Placeholder 4"/>
           <p:cNvSpPr>
             <a:spLocks noGrp="1"/>
           </p:cNvSpPr>
@@ -2679,10 +2795,19 @@
             <p:ph type="dt" sz="half" idx="10"/>
           </p:nvPr>
         </p:nvSpPr>
-        <p:spPr/>
-        <p:txBody>
-          <a:bodyPr/>
-          <a:lstStyle/>
+        <p:spPr>
+          <a:xfrm>
+            <a:off x="1447382" y="5469856"/>
+            <a:ext cx="5527351" cy="320123"/>
+          </a:xfrm>
+        </p:spPr>
+        <p:txBody>
+          <a:bodyPr/>
+          <a:lstStyle>
+            <a:lvl1pPr algn="l">
+              <a:defRPr/>
+            </a:lvl1pPr>
+          </a:lstStyle>
           <a:p>
             <a:fld id="{DC7DCC4C-B94E-E54B-8344-B285B946A905}" type="datetimeFigureOut">
               <a:rPr lang="da-DK" smtClean="0"/>
@@ -2694,13 +2819,7 @@
       </p:sp>
       <p:sp>
         <p:nvSpPr>
-          <p:cNvPr id="6" name="Footer Placeholder 5">
-            <a:extLst>
-              <a:ext uri="{FF2B5EF4-FFF2-40B4-BE49-F238E27FC236}">
-                <a16:creationId xmlns:a16="http://schemas.microsoft.com/office/drawing/2014/main" id="{B8E67C32-D887-464F-B7E7-38B4F3114C83}"/>
-              </a:ext>
-            </a:extLst>
-          </p:cNvPr>
+          <p:cNvPr id="6" name="Footer Placeholder 5"/>
           <p:cNvSpPr>
             <a:spLocks noGrp="1"/>
           </p:cNvSpPr>
@@ -2708,7 +2827,12 @@
             <p:ph type="ftr" sz="quarter" idx="11"/>
           </p:nvPr>
         </p:nvSpPr>
-        <p:spPr/>
+        <p:spPr>
+          <a:xfrm>
+            <a:off x="1447382" y="318640"/>
+            <a:ext cx="5541004" cy="320931"/>
+          </a:xfrm>
+        </p:spPr>
         <p:txBody>
           <a:bodyPr/>
           <a:lstStyle/>
@@ -2719,13 +2843,7 @@
       </p:sp>
       <p:sp>
         <p:nvSpPr>
-          <p:cNvPr id="7" name="Slide Number Placeholder 6">
-            <a:extLst>
-              <a:ext uri="{FF2B5EF4-FFF2-40B4-BE49-F238E27FC236}">
-                <a16:creationId xmlns:a16="http://schemas.microsoft.com/office/drawing/2014/main" id="{F7AD13BD-DD9C-8C40-9D23-7DA3536D391D}"/>
-              </a:ext>
-            </a:extLst>
-          </p:cNvPr>
+          <p:cNvPr id="7" name="Slide Number Placeholder 6"/>
           <p:cNvSpPr>
             <a:spLocks noGrp="1"/>
           </p:cNvSpPr>
@@ -2746,10 +2864,41 @@
           </a:p>
         </p:txBody>
       </p:sp>
+      <p:cxnSp>
+        <p:nvCxnSpPr>
+          <p:cNvPr id="31" name="Straight Connector 30"/>
+          <p:cNvCxnSpPr/>
+          <p:nvPr/>
+        </p:nvCxnSpPr>
+        <p:spPr>
+          <a:xfrm>
+            <a:off x="1447382" y="3143605"/>
+            <a:ext cx="5527351" cy="0"/>
+          </a:xfrm>
+          <a:prstGeom prst="line">
+            <a:avLst/>
+          </a:prstGeom>
+          <a:ln w="31750"/>
+        </p:spPr>
+        <p:style>
+          <a:lnRef idx="3">
+            <a:schemeClr val="accent1"/>
+          </a:lnRef>
+          <a:fillRef idx="0">
+            <a:schemeClr val="accent1"/>
+          </a:fillRef>
+          <a:effectRef idx="2">
+            <a:schemeClr val="accent1"/>
+          </a:effectRef>
+          <a:fontRef idx="minor">
+            <a:schemeClr val="tx1"/>
+          </a:fontRef>
+        </p:style>
+      </p:cxnSp>
     </p:spTree>
     <p:extLst>
       <p:ext uri="{BB962C8B-B14F-4D97-AF65-F5344CB8AC3E}">
-        <p14:creationId xmlns:p14="http://schemas.microsoft.com/office/powerpoint/2010/main" val="450112033"/>
+        <p14:creationId xmlns:p14="http://schemas.microsoft.com/office/powerpoint/2010/main" val="3375819442"/>
       </p:ext>
     </p:extLst>
   </p:cSld>
@@ -2763,8 +2912,8 @@
 <p:sldMaster xmlns:a="http://schemas.openxmlformats.org/drawingml/2006/main" xmlns:r="http://schemas.openxmlformats.org/officeDocument/2006/relationships" xmlns:p="http://schemas.openxmlformats.org/presentationml/2006/main">
   <p:cSld>
     <p:bg>
-      <p:bgRef idx="1001">
-        <a:schemeClr val="bg1"/>
+      <p:bgRef idx="1003">
+        <a:schemeClr val="bg2"/>
       </p:bgRef>
     </p:bg>
     <p:spTree>
@@ -2783,68 +2932,134 @@
       </p:grpSpPr>
       <p:sp>
         <p:nvSpPr>
-          <p:cNvPr id="2" name="Title Placeholder 1">
-            <a:extLst>
-              <a:ext uri="{FF2B5EF4-FFF2-40B4-BE49-F238E27FC236}">
-                <a16:creationId xmlns:a16="http://schemas.microsoft.com/office/drawing/2014/main" id="{C0A8C4D8-FB4D-C44D-B7CD-3EE5FC3E4826}"/>
-              </a:ext>
-            </a:extLst>
-          </p:cNvPr>
-          <p:cNvSpPr>
-            <a:spLocks noGrp="1"/>
-          </p:cNvSpPr>
-          <p:nvPr>
-            <p:ph type="title"/>
-          </p:nvPr>
+          <p:cNvPr id="8" name="Rectangle 7"/>
+          <p:cNvSpPr/>
+          <p:nvPr/>
         </p:nvSpPr>
         <p:spPr>
           <a:xfrm>
-            <a:off x="838200" y="365125"/>
-            <a:ext cx="10515600" cy="1325563"/>
+            <a:off x="0" y="2019476"/>
+            <a:ext cx="12192000" cy="4105941"/>
           </a:xfrm>
           <a:prstGeom prst="rect">
             <a:avLst/>
           </a:prstGeom>
-        </p:spPr>
-        <p:txBody>
-          <a:bodyPr vert="horz" lIns="91440" tIns="45720" rIns="91440" bIns="45720" rtlCol="0" anchor="ctr">
-            <a:normAutofit/>
-          </a:bodyPr>
-          <a:lstStyle/>
-          <a:p>
-            <a:r>
-              <a:rPr lang="en-US"/>
-              <a:t>Click to edit Master title style</a:t>
-            </a:r>
-            <a:endParaRPr lang="da-DK"/>
-          </a:p>
-        </p:txBody>
-      </p:sp>
-      <p:sp>
-        <p:nvSpPr>
-          <p:cNvPr id="3" name="Text Placeholder 2">
+          <a:gradFill flip="none" rotWithShape="1">
+            <a:gsLst>
+              <a:gs pos="0">
+                <a:schemeClr val="bg2">
+                  <a:alpha val="0"/>
+                </a:schemeClr>
+              </a:gs>
+              <a:gs pos="100000">
+                <a:schemeClr val="bg2"/>
+              </a:gs>
+            </a:gsLst>
+            <a:lin ang="5400000" scaled="0"/>
+            <a:tileRect/>
+          </a:gradFill>
+          <a:ln>
+            <a:noFill/>
+          </a:ln>
+        </p:spPr>
+        <p:style>
+          <a:lnRef idx="2">
+            <a:schemeClr val="accent1">
+              <a:shade val="50000"/>
+            </a:schemeClr>
+          </a:lnRef>
+          <a:fillRef idx="1">
+            <a:schemeClr val="accent1"/>
+          </a:fillRef>
+          <a:effectRef idx="0">
+            <a:schemeClr val="accent1"/>
+          </a:effectRef>
+          <a:fontRef idx="minor">
+            <a:schemeClr val="lt1"/>
+          </a:fontRef>
+        </p:style>
+      </p:sp>
+      <p:pic>
+        <p:nvPicPr>
+          <p:cNvPr id="7" name="Picture 6"/>
+          <p:cNvPicPr>
+            <a:picLocks noChangeAspect="1"/>
+          </p:cNvPicPr>
+          <p:nvPr/>
+        </p:nvPicPr>
+        <p:blipFill rotWithShape="1">
+          <a:blip r:embed="rId13">
             <a:extLst>
-              <a:ext uri="{FF2B5EF4-FFF2-40B4-BE49-F238E27FC236}">
-                <a16:creationId xmlns:a16="http://schemas.microsoft.com/office/drawing/2014/main" id="{05174879-75C1-474D-A36E-A4BE49E0A1F7}"/>
+              <a:ext uri="{28A0092B-C50C-407E-A947-70E740481C1C}">
+                <a14:useLocalDpi xmlns:a14="http://schemas.microsoft.com/office/drawing/2010/main" val="0"/>
               </a:ext>
             </a:extLst>
-          </p:cNvPr>
-          <p:cNvSpPr>
-            <a:spLocks noGrp="1"/>
-          </p:cNvSpPr>
-          <p:nvPr>
-            <p:ph type="body" idx="1"/>
-          </p:nvPr>
-        </p:nvSpPr>
-        <p:spPr>
-          <a:xfrm>
-            <a:off x="838200" y="1825625"/>
-            <a:ext cx="10515600" cy="4351338"/>
+          </a:blip>
+          <a:srcRect t="1538" b="-1538"/>
+          <a:stretch/>
+        </p:blipFill>
+        <p:spPr bwMode="black">
+          <a:xfrm>
+            <a:off x="0" y="6126480"/>
+            <a:ext cx="12192000" cy="742950"/>
           </a:xfrm>
           <a:prstGeom prst="rect">
             <a:avLst/>
           </a:prstGeom>
         </p:spPr>
+      </p:pic>
+      <p:sp>
+        <p:nvSpPr>
+          <p:cNvPr id="2" name="Title Placeholder 1"/>
+          <p:cNvSpPr>
+            <a:spLocks noGrp="1"/>
+          </p:cNvSpPr>
+          <p:nvPr>
+            <p:ph type="title"/>
+          </p:nvPr>
+        </p:nvSpPr>
+        <p:spPr>
+          <a:xfrm>
+            <a:off x="1451579" y="804519"/>
+            <a:ext cx="9603275" cy="1049235"/>
+          </a:xfrm>
+          <a:prstGeom prst="rect">
+            <a:avLst/>
+          </a:prstGeom>
+        </p:spPr>
+        <p:txBody>
+          <a:bodyPr vert="horz" lIns="91440" tIns="45720" rIns="91440" bIns="45720" rtlCol="0" anchor="t">
+            <a:normAutofit/>
+          </a:bodyPr>
+          <a:lstStyle/>
+          <a:p>
+            <a:r>
+              <a:rPr lang="en-US"/>
+              <a:t>Click to edit Master title style</a:t>
+            </a:r>
+            <a:endParaRPr lang="en-US" dirty="0"/>
+          </a:p>
+        </p:txBody>
+      </p:sp>
+      <p:sp>
+        <p:nvSpPr>
+          <p:cNvPr id="3" name="Text Placeholder 2"/>
+          <p:cNvSpPr>
+            <a:spLocks noGrp="1"/>
+          </p:cNvSpPr>
+          <p:nvPr>
+            <p:ph type="body" idx="1"/>
+          </p:nvPr>
+        </p:nvSpPr>
+        <p:spPr>
+          <a:xfrm>
+            <a:off x="1451579" y="2015732"/>
+            <a:ext cx="9603275" cy="3450613"/>
+          </a:xfrm>
+          <a:prstGeom prst="rect">
+            <a:avLst/>
+          </a:prstGeom>
+        </p:spPr>
         <p:txBody>
           <a:bodyPr vert="horz" lIns="91440" tIns="45720" rIns="91440" bIns="45720" rtlCol="0">
             <a:normAutofit/>
@@ -2884,19 +3099,13 @@
               <a:rPr lang="en-US"/>
               <a:t>Fifth level</a:t>
             </a:r>
-            <a:endParaRPr lang="da-DK"/>
-          </a:p>
-        </p:txBody>
-      </p:sp>
-      <p:sp>
-        <p:nvSpPr>
-          <p:cNvPr id="4" name="Date Placeholder 3">
-            <a:extLst>
-              <a:ext uri="{FF2B5EF4-FFF2-40B4-BE49-F238E27FC236}">
-                <a16:creationId xmlns:a16="http://schemas.microsoft.com/office/drawing/2014/main" id="{FEC61B91-C47F-4640-8DAA-01872B19C373}"/>
-              </a:ext>
-            </a:extLst>
-          </p:cNvPr>
+            <a:endParaRPr lang="en-US" dirty="0"/>
+          </a:p>
+        </p:txBody>
+      </p:sp>
+      <p:sp>
+        <p:nvSpPr>
+          <p:cNvPr id="4" name="Date Placeholder 3"/>
           <p:cNvSpPr>
             <a:spLocks noGrp="1"/>
           </p:cNvSpPr>
@@ -2906,8 +3115,8 @@
         </p:nvSpPr>
         <p:spPr>
           <a:xfrm>
-            <a:off x="838200" y="6356350"/>
-            <a:ext cx="2743200" cy="365125"/>
+            <a:off x="7554138" y="330370"/>
+            <a:ext cx="3500715" cy="309201"/>
           </a:xfrm>
           <a:prstGeom prst="rect">
             <a:avLst/>
@@ -2916,8 +3125,8 @@
         <p:txBody>
           <a:bodyPr vert="horz" lIns="91440" tIns="45720" rIns="91440" bIns="45720" rtlCol="0" anchor="ctr"/>
           <a:lstStyle>
-            <a:lvl1pPr algn="l">
-              <a:defRPr sz="1200">
+            <a:lvl1pPr algn="r">
+              <a:defRPr sz="1000">
                 <a:solidFill>
                   <a:schemeClr val="tx1">
                     <a:tint val="75000"/>
@@ -2937,13 +3146,7 @@
       </p:sp>
       <p:sp>
         <p:nvSpPr>
-          <p:cNvPr id="5" name="Footer Placeholder 4">
-            <a:extLst>
-              <a:ext uri="{FF2B5EF4-FFF2-40B4-BE49-F238E27FC236}">
-                <a16:creationId xmlns:a16="http://schemas.microsoft.com/office/drawing/2014/main" id="{54A20200-BC8F-6540-862D-C123311F85BF}"/>
-              </a:ext>
-            </a:extLst>
-          </p:cNvPr>
+          <p:cNvPr id="5" name="Footer Placeholder 4"/>
           <p:cNvSpPr>
             <a:spLocks noGrp="1"/>
           </p:cNvSpPr>
@@ -2953,8 +3156,8 @@
         </p:nvSpPr>
         <p:spPr>
           <a:xfrm>
-            <a:off x="4038600" y="6356350"/>
-            <a:ext cx="4114800" cy="365125"/>
+            <a:off x="1451579" y="329307"/>
+            <a:ext cx="5938836" cy="309201"/>
           </a:xfrm>
           <a:prstGeom prst="rect">
             <a:avLst/>
@@ -2963,8 +3166,8 @@
         <p:txBody>
           <a:bodyPr vert="horz" lIns="91440" tIns="45720" rIns="91440" bIns="45720" rtlCol="0" anchor="ctr"/>
           <a:lstStyle>
-            <a:lvl1pPr algn="ctr">
-              <a:defRPr sz="1200">
+            <a:lvl1pPr algn="l">
+              <a:defRPr sz="1000">
                 <a:solidFill>
                   <a:schemeClr val="tx1">
                     <a:tint val="75000"/>
@@ -2980,13 +3183,7 @@
       </p:sp>
       <p:sp>
         <p:nvSpPr>
-          <p:cNvPr id="6" name="Slide Number Placeholder 5">
-            <a:extLst>
-              <a:ext uri="{FF2B5EF4-FFF2-40B4-BE49-F238E27FC236}">
-                <a16:creationId xmlns:a16="http://schemas.microsoft.com/office/drawing/2014/main" id="{5CC1912E-2B29-F24A-B761-98B9694959E1}"/>
-              </a:ext>
-            </a:extLst>
-          </p:cNvPr>
+          <p:cNvPr id="6" name="Slide Number Placeholder 5"/>
           <p:cNvSpPr>
             <a:spLocks noGrp="1"/>
           </p:cNvSpPr>
@@ -2996,22 +3193,20 @@
         </p:nvSpPr>
         <p:spPr>
           <a:xfrm>
-            <a:off x="8610600" y="6356350"/>
-            <a:ext cx="2743200" cy="365125"/>
+            <a:off x="480060" y="798973"/>
+            <a:ext cx="811019" cy="503578"/>
           </a:xfrm>
           <a:prstGeom prst="rect">
             <a:avLst/>
           </a:prstGeom>
         </p:spPr>
         <p:txBody>
-          <a:bodyPr vert="horz" lIns="91440" tIns="45720" rIns="91440" bIns="45720" rtlCol="0" anchor="ctr"/>
+          <a:bodyPr vert="horz" lIns="91440" tIns="45720" rIns="91440" bIns="45720" rtlCol="0" anchor="t"/>
           <a:lstStyle>
             <a:lvl1pPr algn="r">
-              <a:defRPr sz="1200">
+              <a:defRPr sz="2800">
                 <a:solidFill>
-                  <a:schemeClr val="tx1">
-                    <a:tint val="75000"/>
-                  </a:schemeClr>
+                  <a:schemeClr val="accent1"/>
                 </a:solidFill>
               </a:defRPr>
             </a:lvl1pPr>
@@ -3025,26 +3220,63 @@
           </a:p>
         </p:txBody>
       </p:sp>
+      <p:cxnSp>
+        <p:nvCxnSpPr>
+          <p:cNvPr id="10" name="Straight Connector 9"/>
+          <p:cNvCxnSpPr/>
+          <p:nvPr/>
+        </p:nvCxnSpPr>
+        <p:spPr>
+          <a:xfrm>
+            <a:off x="0" y="6128413"/>
+            <a:ext cx="12192000" cy="0"/>
+          </a:xfrm>
+          <a:prstGeom prst="line">
+            <a:avLst/>
+          </a:prstGeom>
+          <a:ln w="12700">
+            <a:solidFill>
+              <a:srgbClr val="000001">
+                <a:alpha val="20000"/>
+              </a:srgbClr>
+            </a:solidFill>
+          </a:ln>
+        </p:spPr>
+        <p:style>
+          <a:lnRef idx="1">
+            <a:schemeClr val="accent1"/>
+          </a:lnRef>
+          <a:fillRef idx="0">
+            <a:schemeClr val="accent1"/>
+          </a:fillRef>
+          <a:effectRef idx="0">
+            <a:schemeClr val="accent1"/>
+          </a:effectRef>
+          <a:fontRef idx="minor">
+            <a:schemeClr val="tx1"/>
+          </a:fontRef>
+        </p:style>
+      </p:cxnSp>
     </p:spTree>
     <p:extLst>
       <p:ext uri="{BB962C8B-B14F-4D97-AF65-F5344CB8AC3E}">
-        <p14:creationId xmlns:p14="http://schemas.microsoft.com/office/powerpoint/2010/main" val="4254997139"/>
+        <p14:creationId xmlns:p14="http://schemas.microsoft.com/office/powerpoint/2010/main" val="3410765776"/>
       </p:ext>
     </p:extLst>
   </p:cSld>
   <p:clrMap bg1="lt1" tx1="dk1" bg2="lt2" tx2="dk2" accent1="accent1" accent2="accent2" accent3="accent3" accent4="accent4" accent5="accent5" accent6="accent6" hlink="hlink" folHlink="folHlink"/>
   <p:sldLayoutIdLst>
-    <p:sldLayoutId id="2147483649" r:id="rId1"/>
-    <p:sldLayoutId id="2147483650" r:id="rId2"/>
-    <p:sldLayoutId id="2147483651" r:id="rId3"/>
-    <p:sldLayoutId id="2147483652" r:id="rId4"/>
-    <p:sldLayoutId id="2147483653" r:id="rId5"/>
-    <p:sldLayoutId id="2147483654" r:id="rId6"/>
-    <p:sldLayoutId id="2147483655" r:id="rId7"/>
-    <p:sldLayoutId id="2147483656" r:id="rId8"/>
-    <p:sldLayoutId id="2147483657" r:id="rId9"/>
-    <p:sldLayoutId id="2147483658" r:id="rId10"/>
-    <p:sldLayoutId id="2147483659" r:id="rId11"/>
+    <p:sldLayoutId id="2147483661" r:id="rId1"/>
+    <p:sldLayoutId id="2147483662" r:id="rId2"/>
+    <p:sldLayoutId id="2147483663" r:id="rId3"/>
+    <p:sldLayoutId id="2147483664" r:id="rId4"/>
+    <p:sldLayoutId id="2147483665" r:id="rId5"/>
+    <p:sldLayoutId id="2147483666" r:id="rId6"/>
+    <p:sldLayoutId id="2147483667" r:id="rId7"/>
+    <p:sldLayoutId id="2147483668" r:id="rId8"/>
+    <p:sldLayoutId id="2147483669" r:id="rId9"/>
+    <p:sldLayoutId id="2147483670" r:id="rId10"/>
+    <p:sldLayoutId id="2147483671" r:id="rId11"/>
   </p:sldLayoutIdLst>
   <p:txStyles>
     <p:titleStyle>
@@ -3056,10 +3288,11 @@
           <a:spcPct val="0"/>
         </a:spcBef>
         <a:buNone/>
-        <a:defRPr sz="4400" kern="1200">
+        <a:defRPr sz="3200" b="0" i="0" kern="1200" cap="all">
           <a:solidFill>
             <a:schemeClr val="tx1"/>
           </a:solidFill>
+          <a:effectLst/>
           <a:latin typeface="+mj-lt"/>
           <a:ea typeface="+mj-ea"/>
           <a:cs typeface="+mj-cs"/>
@@ -3069,17 +3302,22 @@
     <p:bodyStyle>
       <a:lvl1pPr marL="228600" indent="-228600" algn="l" defTabSz="914400" rtl="0" eaLnBrk="1" latinLnBrk="0" hangingPunct="1">
         <a:lnSpc>
-          <a:spcPct val="90000"/>
+          <a:spcPct val="120000"/>
         </a:lnSpc>
         <a:spcBef>
           <a:spcPts val="1000"/>
         </a:spcBef>
+        <a:buClr>
+          <a:schemeClr val="accent1"/>
+        </a:buClr>
+        <a:buSzPct val="100000"/>
         <a:buFont typeface="Arial" panose="020B0604020202020204" pitchFamily="34" charset="0"/>
         <a:buChar char="•"/>
-        <a:defRPr sz="2800" kern="1200">
+        <a:defRPr sz="2000" kern="1200">
           <a:solidFill>
             <a:schemeClr val="tx1"/>
           </a:solidFill>
+          <a:effectLst/>
           <a:latin typeface="+mn-lt"/>
           <a:ea typeface="+mn-ea"/>
           <a:cs typeface="+mn-cs"/>
@@ -3087,17 +3325,22 @@
       </a:lvl1pPr>
       <a:lvl2pPr marL="685800" indent="-228600" algn="l" defTabSz="914400" rtl="0" eaLnBrk="1" latinLnBrk="0" hangingPunct="1">
         <a:lnSpc>
-          <a:spcPct val="90000"/>
+          <a:spcPct val="120000"/>
         </a:lnSpc>
         <a:spcBef>
           <a:spcPts val="500"/>
         </a:spcBef>
+        <a:buClr>
+          <a:schemeClr val="accent1"/>
+        </a:buClr>
+        <a:buSzPct val="100000"/>
         <a:buFont typeface="Arial" panose="020B0604020202020204" pitchFamily="34" charset="0"/>
         <a:buChar char="•"/>
-        <a:defRPr sz="2400" kern="1200">
+        <a:defRPr sz="1800" kern="1200" cap="none" baseline="0">
           <a:solidFill>
             <a:schemeClr val="tx1"/>
           </a:solidFill>
+          <a:effectLst/>
           <a:latin typeface="+mn-lt"/>
           <a:ea typeface="+mn-ea"/>
           <a:cs typeface="+mn-cs"/>
@@ -3105,17 +3348,22 @@
       </a:lvl2pPr>
       <a:lvl3pPr marL="1143000" indent="-228600" algn="l" defTabSz="914400" rtl="0" eaLnBrk="1" latinLnBrk="0" hangingPunct="1">
         <a:lnSpc>
-          <a:spcPct val="90000"/>
+          <a:spcPct val="120000"/>
         </a:lnSpc>
         <a:spcBef>
           <a:spcPts val="500"/>
         </a:spcBef>
+        <a:buClr>
+          <a:schemeClr val="accent1"/>
+        </a:buClr>
+        <a:buSzPct val="100000"/>
         <a:buFont typeface="Arial" panose="020B0604020202020204" pitchFamily="34" charset="0"/>
         <a:buChar char="•"/>
-        <a:defRPr sz="2000" kern="1200">
+        <a:defRPr sz="1600" kern="1200">
           <a:solidFill>
             <a:schemeClr val="tx1"/>
           </a:solidFill>
+          <a:effectLst/>
           <a:latin typeface="+mn-lt"/>
           <a:ea typeface="+mn-ea"/>
           <a:cs typeface="+mn-cs"/>
@@ -3123,17 +3371,22 @@
       </a:lvl3pPr>
       <a:lvl4pPr marL="1600200" indent="-228600" algn="l" defTabSz="914400" rtl="0" eaLnBrk="1" latinLnBrk="0" hangingPunct="1">
         <a:lnSpc>
-          <a:spcPct val="90000"/>
+          <a:spcPct val="120000"/>
         </a:lnSpc>
         <a:spcBef>
           <a:spcPts val="500"/>
         </a:spcBef>
+        <a:buClr>
+          <a:schemeClr val="accent1"/>
+        </a:buClr>
+        <a:buSzPct val="100000"/>
         <a:buFont typeface="Arial" panose="020B0604020202020204" pitchFamily="34" charset="0"/>
         <a:buChar char="•"/>
-        <a:defRPr sz="1800" kern="1200">
+        <a:defRPr sz="1400" kern="1200" cap="none" baseline="0">
           <a:solidFill>
             <a:schemeClr val="tx1"/>
           </a:solidFill>
+          <a:effectLst/>
           <a:latin typeface="+mn-lt"/>
           <a:ea typeface="+mn-ea"/>
           <a:cs typeface="+mn-cs"/>
@@ -3141,17 +3394,22 @@
       </a:lvl4pPr>
       <a:lvl5pPr marL="2057400" indent="-228600" algn="l" defTabSz="914400" rtl="0" eaLnBrk="1" latinLnBrk="0" hangingPunct="1">
         <a:lnSpc>
-          <a:spcPct val="90000"/>
+          <a:spcPct val="120000"/>
         </a:lnSpc>
         <a:spcBef>
           <a:spcPts val="500"/>
         </a:spcBef>
+        <a:buClr>
+          <a:schemeClr val="accent1"/>
+        </a:buClr>
+        <a:buSzPct val="100000"/>
         <a:buFont typeface="Arial" panose="020B0604020202020204" pitchFamily="34" charset="0"/>
         <a:buChar char="•"/>
-        <a:defRPr sz="1800" kern="1200">
+        <a:defRPr sz="1200" kern="1200">
           <a:solidFill>
             <a:schemeClr val="tx1"/>
           </a:solidFill>
+          <a:effectLst/>
           <a:latin typeface="+mn-lt"/>
           <a:ea typeface="+mn-ea"/>
           <a:cs typeface="+mn-cs"/>
@@ -3159,17 +3417,22 @@
       </a:lvl5pPr>
       <a:lvl6pPr marL="2514600" indent="-228600" algn="l" defTabSz="914400" rtl="0" eaLnBrk="1" latinLnBrk="0" hangingPunct="1">
         <a:lnSpc>
-          <a:spcPct val="90000"/>
+          <a:spcPct val="120000"/>
         </a:lnSpc>
         <a:spcBef>
           <a:spcPts val="500"/>
         </a:spcBef>
+        <a:buClr>
+          <a:schemeClr val="accent1"/>
+        </a:buClr>
+        <a:buSzPct val="100000"/>
         <a:buFont typeface="Arial" panose="020B0604020202020204" pitchFamily="34" charset="0"/>
         <a:buChar char="•"/>
-        <a:defRPr sz="1800" kern="1200">
+        <a:defRPr sz="1200" kern="1200">
           <a:solidFill>
             <a:schemeClr val="tx1"/>
           </a:solidFill>
+          <a:effectLst/>
           <a:latin typeface="+mn-lt"/>
           <a:ea typeface="+mn-ea"/>
           <a:cs typeface="+mn-cs"/>
@@ -3177,17 +3440,22 @@
       </a:lvl6pPr>
       <a:lvl7pPr marL="2971800" indent="-228600" algn="l" defTabSz="914400" rtl="0" eaLnBrk="1" latinLnBrk="0" hangingPunct="1">
         <a:lnSpc>
-          <a:spcPct val="90000"/>
+          <a:spcPct val="120000"/>
         </a:lnSpc>
         <a:spcBef>
           <a:spcPts val="500"/>
         </a:spcBef>
+        <a:buClr>
+          <a:schemeClr val="accent1"/>
+        </a:buClr>
+        <a:buSzPct val="100000"/>
         <a:buFont typeface="Arial" panose="020B0604020202020204" pitchFamily="34" charset="0"/>
         <a:buChar char="•"/>
-        <a:defRPr sz="1800" kern="1200">
+        <a:defRPr sz="1200" kern="1200">
           <a:solidFill>
             <a:schemeClr val="tx1"/>
           </a:solidFill>
+          <a:effectLst/>
           <a:latin typeface="+mn-lt"/>
           <a:ea typeface="+mn-ea"/>
           <a:cs typeface="+mn-cs"/>
@@ -3195,17 +3463,22 @@
       </a:lvl7pPr>
       <a:lvl8pPr marL="3429000" indent="-228600" algn="l" defTabSz="914400" rtl="0" eaLnBrk="1" latinLnBrk="0" hangingPunct="1">
         <a:lnSpc>
-          <a:spcPct val="90000"/>
+          <a:spcPct val="120000"/>
         </a:lnSpc>
         <a:spcBef>
           <a:spcPts val="500"/>
         </a:spcBef>
+        <a:buClr>
+          <a:schemeClr val="accent1"/>
+        </a:buClr>
+        <a:buSzPct val="100000"/>
         <a:buFont typeface="Arial" panose="020B0604020202020204" pitchFamily="34" charset="0"/>
         <a:buChar char="•"/>
-        <a:defRPr sz="1800" kern="1200">
+        <a:defRPr sz="1200" kern="1200" baseline="0">
           <a:solidFill>
             <a:schemeClr val="tx1"/>
           </a:solidFill>
+          <a:effectLst/>
           <a:latin typeface="+mn-lt"/>
           <a:ea typeface="+mn-ea"/>
           <a:cs typeface="+mn-cs"/>
@@ -3213,17 +3486,22 @@
       </a:lvl8pPr>
       <a:lvl9pPr marL="3886200" indent="-228600" algn="l" defTabSz="914400" rtl="0" eaLnBrk="1" latinLnBrk="0" hangingPunct="1">
         <a:lnSpc>
-          <a:spcPct val="90000"/>
+          <a:spcPct val="120000"/>
         </a:lnSpc>
         <a:spcBef>
           <a:spcPts val="500"/>
         </a:spcBef>
+        <a:buClr>
+          <a:schemeClr val="accent1"/>
+        </a:buClr>
+        <a:buSzPct val="100000"/>
         <a:buFont typeface="Arial" panose="020B0604020202020204" pitchFamily="34" charset="0"/>
         <a:buChar char="•"/>
-        <a:defRPr sz="1800" kern="1200">
+        <a:defRPr sz="1200" kern="1200" baseline="0">
           <a:solidFill>
             <a:schemeClr val="tx1"/>
           </a:solidFill>
+          <a:effectLst/>
           <a:latin typeface="+mn-lt"/>
           <a:ea typeface="+mn-ea"/>
           <a:cs typeface="+mn-cs"/>
@@ -3232,7 +3510,7 @@
     </p:bodyStyle>
     <p:otherStyle>
       <a:defPPr>
-        <a:defRPr lang="da-DK"/>
+        <a:defRPr lang="en-US"/>
       </a:defPPr>
       <a:lvl1pPr marL="0" algn="l" defTabSz="914400" rtl="0" eaLnBrk="1" latinLnBrk="0" hangingPunct="1">
         <a:defRPr sz="1800" kern="1200">
@@ -3362,7 +3640,12 @@
             <p:ph type="ctrTitle"/>
           </p:nvPr>
         </p:nvSpPr>
-        <p:spPr/>
+        <p:spPr>
+          <a:xfrm>
+            <a:off x="2417779" y="802298"/>
+            <a:ext cx="8637073" cy="2541431"/>
+          </a:xfrm>
+        </p:spPr>
         <p:txBody>
           <a:bodyPr/>
           <a:lstStyle/>
@@ -3390,7 +3673,12 @@
             <p:ph type="subTitle" idx="1"/>
           </p:nvPr>
         </p:nvSpPr>
-        <p:spPr/>
+        <p:spPr>
+          <a:xfrm>
+            <a:off x="2417780" y="3531204"/>
+            <a:ext cx="8637072" cy="977621"/>
+          </a:xfrm>
+        </p:spPr>
         <p:txBody>
           <a:bodyPr/>
           <a:lstStyle/>
@@ -3706,12 +3994,181 @@
   <p:clrMapOvr>
     <a:masterClrMapping/>
   </p:clrMapOvr>
+  <p:timing>
+    <p:tnLst>
+      <p:par>
+        <p:cTn id="1" dur="indefinite" restart="never" nodeType="tmRoot">
+          <p:childTnLst>
+            <p:seq concurrent="1" nextAc="seek">
+              <p:cTn id="2" dur="indefinite" nodeType="mainSeq">
+                <p:childTnLst>
+                  <p:par>
+                    <p:cTn id="3" fill="hold">
+                      <p:stCondLst>
+                        <p:cond delay="indefinite"/>
+                      </p:stCondLst>
+                      <p:childTnLst>
+                        <p:par>
+                          <p:cTn id="4" fill="hold">
+                            <p:stCondLst>
+                              <p:cond delay="0"/>
+                            </p:stCondLst>
+                            <p:childTnLst>
+                              <p:par>
+                                <p:cTn id="5" presetID="1" presetClass="entr" presetSubtype="0" fill="hold" grpId="0" nodeType="clickEffect">
+                                  <p:stCondLst>
+                                    <p:cond delay="0"/>
+                                  </p:stCondLst>
+                                  <p:childTnLst>
+                                    <p:set>
+                                      <p:cBhvr>
+                                        <p:cTn id="6" dur="1" fill="hold">
+                                          <p:stCondLst>
+                                            <p:cond delay="0"/>
+                                          </p:stCondLst>
+                                        </p:cTn>
+                                        <p:tgtEl>
+                                          <p:spTgt spid="6">
+                                            <p:txEl>
+                                              <p:pRg st="0" end="0"/>
+                                            </p:txEl>
+                                          </p:spTgt>
+                                        </p:tgtEl>
+                                        <p:attrNameLst>
+                                          <p:attrName>style.visibility</p:attrName>
+                                        </p:attrNameLst>
+                                      </p:cBhvr>
+                                      <p:to>
+                                        <p:strVal val="visible"/>
+                                      </p:to>
+                                    </p:set>
+                                  </p:childTnLst>
+                                </p:cTn>
+                              </p:par>
+                              <p:par>
+                                <p:cTn id="7" presetID="1" presetClass="entr" presetSubtype="0" fill="hold" grpId="0" nodeType="withEffect">
+                                  <p:stCondLst>
+                                    <p:cond delay="0"/>
+                                  </p:stCondLst>
+                                  <p:childTnLst>
+                                    <p:set>
+                                      <p:cBhvr>
+                                        <p:cTn id="8" dur="1" fill="hold">
+                                          <p:stCondLst>
+                                            <p:cond delay="0"/>
+                                          </p:stCondLst>
+                                        </p:cTn>
+                                        <p:tgtEl>
+                                          <p:spTgt spid="7">
+                                            <p:txEl>
+                                              <p:pRg st="0" end="0"/>
+                                            </p:txEl>
+                                          </p:spTgt>
+                                        </p:tgtEl>
+                                        <p:attrNameLst>
+                                          <p:attrName>style.visibility</p:attrName>
+                                        </p:attrNameLst>
+                                      </p:cBhvr>
+                                      <p:to>
+                                        <p:strVal val="visible"/>
+                                      </p:to>
+                                    </p:set>
+                                  </p:childTnLst>
+                                </p:cTn>
+                              </p:par>
+                              <p:par>
+                                <p:cTn id="9" presetID="1" presetClass="entr" presetSubtype="0" fill="hold" grpId="0" nodeType="withEffect">
+                                  <p:stCondLst>
+                                    <p:cond delay="0"/>
+                                  </p:stCondLst>
+                                  <p:childTnLst>
+                                    <p:set>
+                                      <p:cBhvr>
+                                        <p:cTn id="10" dur="1" fill="hold">
+                                          <p:stCondLst>
+                                            <p:cond delay="0"/>
+                                          </p:stCondLst>
+                                        </p:cTn>
+                                        <p:tgtEl>
+                                          <p:spTgt spid="7">
+                                            <p:txEl>
+                                              <p:pRg st="1" end="1"/>
+                                            </p:txEl>
+                                          </p:spTgt>
+                                        </p:tgtEl>
+                                        <p:attrNameLst>
+                                          <p:attrName>style.visibility</p:attrName>
+                                        </p:attrNameLst>
+                                      </p:cBhvr>
+                                      <p:to>
+                                        <p:strVal val="visible"/>
+                                      </p:to>
+                                    </p:set>
+                                  </p:childTnLst>
+                                </p:cTn>
+                              </p:par>
+                            </p:childTnLst>
+                          </p:cTn>
+                        </p:par>
+                      </p:childTnLst>
+                    </p:cTn>
+                  </p:par>
+                </p:childTnLst>
+              </p:cTn>
+              <p:prevCondLst>
+                <p:cond evt="onPrev" delay="0">
+                  <p:tgtEl>
+                    <p:sldTgt/>
+                  </p:tgtEl>
+                </p:cond>
+              </p:prevCondLst>
+              <p:nextCondLst>
+                <p:cond evt="onNext" delay="0">
+                  <p:tgtEl>
+                    <p:sldTgt/>
+                  </p:tgtEl>
+                </p:cond>
+              </p:nextCondLst>
+            </p:seq>
+          </p:childTnLst>
+        </p:cTn>
+      </p:par>
+    </p:tnLst>
+    <p:bldLst>
+      <p:bldP spid="6" grpId="0" build="p"/>
+      <p:bldP spid="7" grpId="0" uiExpand="1" build="p"/>
+    </p:bldLst>
+  </p:timing>
 </p:sld>
 </file>
 
 <file path=ppt/slides/slide4.xml><?xml version="1.0" encoding="utf-8"?>
 <p:sld xmlns:a="http://schemas.openxmlformats.org/drawingml/2006/main" xmlns:r="http://schemas.openxmlformats.org/officeDocument/2006/relationships" xmlns:p="http://schemas.openxmlformats.org/presentationml/2006/main">
   <p:cSld>
+    <p:bg>
+      <p:bgPr>
+        <a:gradFill rotWithShape="1">
+          <a:gsLst>
+            <a:gs pos="0">
+              <a:schemeClr val="bg2">
+                <a:tint val="94000"/>
+                <a:satMod val="80000"/>
+                <a:lumMod val="106000"/>
+              </a:schemeClr>
+            </a:gs>
+            <a:gs pos="100000">
+              <a:schemeClr val="bg2">
+                <a:shade val="80000"/>
+              </a:schemeClr>
+            </a:gs>
+          </a:gsLst>
+          <a:path path="circle">
+            <a:fillToRect l="50000" t="50000" r="50000" b="50000"/>
+          </a:path>
+        </a:gradFill>
+        <a:effectLst/>
+      </p:bgPr>
+    </p:bg>
     <p:spTree>
       <p:nvGrpSpPr>
         <p:cNvPr id="1" name=""/>
@@ -3726,6 +4183,66 @@
           <a:chExt cx="0" cy="0"/>
         </a:xfrm>
       </p:grpSpPr>
+      <p:sp useBgFill="1">
+        <p:nvSpPr>
+          <p:cNvPr id="8" name="Rectangle 7">
+            <a:extLst>
+              <a:ext uri="{FF2B5EF4-FFF2-40B4-BE49-F238E27FC236}">
+                <a16:creationId xmlns:a16="http://schemas.microsoft.com/office/drawing/2014/main" id="{29C51009-A09A-4689-8E6C-F8FC99E6A840}"/>
+              </a:ext>
+              <a:ext uri="{C183D7F6-B498-43B3-948B-1728B52AA6E4}">
+                <adec:decorative xmlns:adec="http://schemas.microsoft.com/office/drawing/2017/decorative" val="1"/>
+              </a:ext>
+            </a:extLst>
+          </p:cNvPr>
+          <p:cNvSpPr>
+            <a:spLocks noGrp="1" noRot="1" noChangeAspect="1" noMove="1" noResize="1" noEditPoints="1" noAdjustHandles="1" noChangeArrowheads="1" noChangeShapeType="1" noTextEdit="1"/>
+          </p:cNvSpPr>
+          <p:nvPr>
+            <p:extLst>
+              <p:ext uri="{386F3935-93C4-4BCD-93E2-E3B085C9AB24}">
+                <p16:designElem xmlns:p16="http://schemas.microsoft.com/office/powerpoint/2015/main" val="1"/>
+              </p:ext>
+            </p:extLst>
+          </p:nvPr>
+        </p:nvSpPr>
+        <p:spPr>
+          <a:xfrm>
+            <a:off x="2" y="0"/>
+            <a:ext cx="12191695" cy="6858000"/>
+          </a:xfrm>
+          <a:prstGeom prst="rect">
+            <a:avLst/>
+          </a:prstGeom>
+          <a:ln>
+            <a:noFill/>
+          </a:ln>
+        </p:spPr>
+        <p:style>
+          <a:lnRef idx="2">
+            <a:schemeClr val="accent1">
+              <a:shade val="50000"/>
+            </a:schemeClr>
+          </a:lnRef>
+          <a:fillRef idx="1">
+            <a:schemeClr val="accent1"/>
+          </a:fillRef>
+          <a:effectRef idx="0">
+            <a:schemeClr val="accent1"/>
+          </a:effectRef>
+          <a:fontRef idx="minor">
+            <a:schemeClr val="lt1"/>
+          </a:fontRef>
+        </p:style>
+        <p:txBody>
+          <a:bodyPr rtlCol="0" anchor="ctr"/>
+          <a:lstStyle/>
+          <a:p>
+            <a:pPr algn="ctr"/>
+            <a:endParaRPr lang="en-US"/>
+          </a:p>
+        </p:txBody>
+      </p:sp>
       <p:sp>
         <p:nvSpPr>
           <p:cNvPr id="2" name="Title 1">
@@ -3742,22 +4259,76 @@
             <p:ph type="title"/>
           </p:nvPr>
         </p:nvSpPr>
-        <p:spPr/>
-        <p:txBody>
-          <a:bodyPr/>
-          <a:lstStyle/>
-          <a:p>
-            <a:pPr algn="ctr"/>
-            <a:r>
-              <a:rPr lang="da-DK" dirty="0"/>
+        <p:spPr>
+          <a:xfrm>
+            <a:off x="844476" y="1600199"/>
+            <a:ext cx="3539266" cy="4297680"/>
+          </a:xfrm>
+        </p:spPr>
+        <p:txBody>
+          <a:bodyPr anchor="ctr">
+            <a:normAutofit/>
+          </a:bodyPr>
+          <a:lstStyle/>
+          <a:p>
+            <a:r>
+              <a:rPr lang="da-DK"/>
               <a:t>Arkitektur</a:t>
             </a:r>
           </a:p>
         </p:txBody>
       </p:sp>
-      <p:sp>
-        <p:nvSpPr>
-          <p:cNvPr id="3" name="Content Placeholder 2">
+      <p:cxnSp>
+        <p:nvCxnSpPr>
+          <p:cNvPr id="10" name="Straight Connector 9">
+            <a:extLst>
+              <a:ext uri="{FF2B5EF4-FFF2-40B4-BE49-F238E27FC236}">
+                <a16:creationId xmlns:a16="http://schemas.microsoft.com/office/drawing/2014/main" id="{9EC65442-F244-409C-BF44-C5D6472E810A}"/>
+              </a:ext>
+              <a:ext uri="{C183D7F6-B498-43B3-948B-1728B52AA6E4}">
+                <adec:decorative xmlns:adec="http://schemas.microsoft.com/office/drawing/2017/decorative" val="1"/>
+              </a:ext>
+            </a:extLst>
+          </p:cNvPr>
+          <p:cNvCxnSpPr>
+            <a:cxnSpLocks noGrp="1" noRot="1" noChangeAspect="1" noMove="1" noResize="1" noEditPoints="1" noAdjustHandles="1" noChangeArrowheads="1" noChangeShapeType="1"/>
+          </p:cNvCxnSpPr>
+          <p:nvPr>
+            <p:extLst>
+              <p:ext uri="{386F3935-93C4-4BCD-93E2-E3B085C9AB24}">
+                <p16:designElem xmlns:p16="http://schemas.microsoft.com/office/powerpoint/2015/main" val="1"/>
+              </p:ext>
+            </p:extLst>
+          </p:nvPr>
+        </p:nvCxnSpPr>
+        <p:spPr>
+          <a:xfrm>
+            <a:off x="4654296" y="2148839"/>
+            <a:ext cx="0" cy="3200400"/>
+          </a:xfrm>
+          <a:prstGeom prst="line">
+            <a:avLst/>
+          </a:prstGeom>
+          <a:ln w="31750"/>
+        </p:spPr>
+        <p:style>
+          <a:lnRef idx="1">
+            <a:schemeClr val="accent1"/>
+          </a:lnRef>
+          <a:fillRef idx="0">
+            <a:schemeClr val="accent1"/>
+          </a:fillRef>
+          <a:effectRef idx="0">
+            <a:schemeClr val="accent1"/>
+          </a:effectRef>
+          <a:fontRef idx="minor">
+            <a:schemeClr val="tx1"/>
+          </a:fontRef>
+        </p:style>
+      </p:cxnSp>
+      <p:sp>
+        <p:nvSpPr>
+          <p:cNvPr id="36" name="Content Placeholder 2">
             <a:extLst>
               <a:ext uri="{FF2B5EF4-FFF2-40B4-BE49-F238E27FC236}">
                 <a16:creationId xmlns:a16="http://schemas.microsoft.com/office/drawing/2014/main" id="{106DFC6F-3DB2-CF4C-A4E4-0E899C65A114}"/>
@@ -3771,115 +4342,122 @@
             <p:ph idx="1"/>
           </p:nvPr>
         </p:nvSpPr>
-        <p:spPr/>
-        <p:txBody>
-          <a:bodyPr/>
-          <a:lstStyle/>
-          <a:p>
-            <a:r>
-              <a:rPr lang="da-DK" dirty="0"/>
+        <p:spPr>
+          <a:xfrm>
+            <a:off x="4924851" y="1600199"/>
+            <a:ext cx="6130003" cy="4297680"/>
+          </a:xfrm>
+        </p:spPr>
+        <p:txBody>
+          <a:bodyPr anchor="ctr">
+            <a:normAutofit/>
+          </a:bodyPr>
+          <a:lstStyle/>
+          <a:p>
+            <a:r>
+              <a:rPr lang="da-DK"/>
               <a:t>(Tre lags arkitektur)</a:t>
             </a:r>
           </a:p>
           <a:p>
             <a:r>
-              <a:rPr lang="da-DK" dirty="0"/>
+              <a:rPr lang="da-DK"/>
               <a:t>Interface</a:t>
             </a:r>
           </a:p>
           <a:p>
             <a:r>
-              <a:rPr lang="da-DK" dirty="0"/>
+              <a:rPr lang="da-DK"/>
               <a:t>Commands</a:t>
             </a:r>
           </a:p>
           <a:p>
             <a:pPr lvl="1"/>
             <a:r>
-              <a:rPr lang="da-DK" dirty="0" err="1"/>
+              <a:rPr lang="da-DK" err="1"/>
               <a:t>Hashmap</a:t>
             </a:r>
-            <a:endParaRPr lang="da-DK" dirty="0"/>
+            <a:endParaRPr lang="da-DK"/>
           </a:p>
           <a:p>
             <a:pPr lvl="1"/>
             <a:r>
-              <a:rPr lang="da-DK" dirty="0" err="1"/>
+              <a:rPr lang="da-DK" err="1"/>
               <a:t>Syncronized</a:t>
             </a:r>
             <a:r>
-              <a:rPr lang="da-DK" dirty="0"/>
+              <a:rPr lang="da-DK"/>
               <a:t> </a:t>
             </a:r>
             <a:r>
-              <a:rPr lang="da-DK" dirty="0" err="1"/>
+              <a:rPr lang="da-DK" err="1"/>
               <a:t>static</a:t>
             </a:r>
             <a:r>
-              <a:rPr lang="da-DK" dirty="0"/>
+              <a:rPr lang="da-DK"/>
               <a:t> </a:t>
             </a:r>
           </a:p>
           <a:p>
             <a:pPr lvl="1"/>
             <a:r>
-              <a:rPr lang="da-DK" dirty="0"/>
+              <a:rPr lang="da-DK"/>
               <a:t>Command </a:t>
             </a:r>
             <a:r>
-              <a:rPr lang="da-DK" dirty="0" err="1"/>
+              <a:rPr lang="da-DK" err="1"/>
               <a:t>target</a:t>
             </a:r>
             <a:r>
-              <a:rPr lang="da-DK" dirty="0"/>
+              <a:rPr lang="da-DK"/>
               <a:t> entitet klasse</a:t>
             </a:r>
           </a:p>
           <a:p>
             <a:pPr lvl="1"/>
-            <a:endParaRPr lang="da-DK" dirty="0"/>
-          </a:p>
-          <a:p>
-            <a:r>
-              <a:rPr lang="da-DK" dirty="0" err="1"/>
+            <a:endParaRPr lang="da-DK"/>
+          </a:p>
+          <a:p>
+            <a:r>
+              <a:rPr lang="da-DK" err="1"/>
               <a:t>Add</a:t>
             </a:r>
             <a:r>
-              <a:rPr lang="da-DK" dirty="0"/>
+              <a:rPr lang="da-DK"/>
               <a:t> </a:t>
             </a:r>
             <a:r>
-              <a:rPr lang="da-DK" dirty="0" err="1"/>
+              <a:rPr lang="da-DK" err="1"/>
               <a:t>user</a:t>
             </a:r>
             <a:r>
-              <a:rPr lang="da-DK" dirty="0"/>
+              <a:rPr lang="da-DK"/>
               <a:t> </a:t>
             </a:r>
             <a:r>
-              <a:rPr lang="da-DK" dirty="0" err="1"/>
+              <a:rPr lang="da-DK" err="1"/>
               <a:t>command</a:t>
             </a:r>
             <a:r>
-              <a:rPr lang="da-DK" dirty="0"/>
+              <a:rPr lang="da-DK"/>
               <a:t> eksempel</a:t>
             </a:r>
           </a:p>
           <a:p>
-            <a:endParaRPr lang="da-DK" dirty="0"/>
+            <a:endParaRPr lang="da-DK"/>
           </a:p>
           <a:p>
             <a:pPr marL="0" indent="0">
               <a:buNone/>
             </a:pPr>
-            <a:endParaRPr lang="da-DK" dirty="0"/>
+            <a:endParaRPr lang="da-DK"/>
           </a:p>
           <a:p>
             <a:pPr lvl="1"/>
-            <a:endParaRPr lang="da-DK" dirty="0"/>
-          </a:p>
-          <a:p>
-            <a:endParaRPr lang="da-DK" dirty="0"/>
+            <a:endParaRPr lang="da-DK"/>
+          </a:p>
+          <a:p>
+            <a:endParaRPr lang="da-DK"/>
           </a:p>
         </p:txBody>
       </p:sp>
@@ -3899,6 +4477,30 @@
 <file path=ppt/slides/slide5.xml><?xml version="1.0" encoding="utf-8"?>
 <p:sld xmlns:a="http://schemas.openxmlformats.org/drawingml/2006/main" xmlns:r="http://schemas.openxmlformats.org/officeDocument/2006/relationships" xmlns:p="http://schemas.openxmlformats.org/presentationml/2006/main">
   <p:cSld>
+    <p:bg>
+      <p:bgPr>
+        <a:gradFill rotWithShape="1">
+          <a:gsLst>
+            <a:gs pos="0">
+              <a:schemeClr val="bg2">
+                <a:tint val="94000"/>
+                <a:satMod val="80000"/>
+                <a:lumMod val="106000"/>
+              </a:schemeClr>
+            </a:gs>
+            <a:gs pos="100000">
+              <a:schemeClr val="bg2">
+                <a:shade val="80000"/>
+              </a:schemeClr>
+            </a:gs>
+          </a:gsLst>
+          <a:path path="circle">
+            <a:fillToRect l="50000" t="50000" r="50000" b="50000"/>
+          </a:path>
+        </a:gradFill>
+        <a:effectLst/>
+      </p:bgPr>
+    </p:bg>
     <p:spTree>
       <p:nvGrpSpPr>
         <p:cNvPr id="1" name=""/>
@@ -3913,6 +4515,66 @@
           <a:chExt cx="0" cy="0"/>
         </a:xfrm>
       </p:grpSpPr>
+      <p:sp useBgFill="1">
+        <p:nvSpPr>
+          <p:cNvPr id="8" name="Rectangle 7">
+            <a:extLst>
+              <a:ext uri="{FF2B5EF4-FFF2-40B4-BE49-F238E27FC236}">
+                <a16:creationId xmlns:a16="http://schemas.microsoft.com/office/drawing/2014/main" id="{29C51009-A09A-4689-8E6C-F8FC99E6A840}"/>
+              </a:ext>
+              <a:ext uri="{C183D7F6-B498-43B3-948B-1728B52AA6E4}">
+                <adec:decorative xmlns:adec="http://schemas.microsoft.com/office/drawing/2017/decorative" val="1"/>
+              </a:ext>
+            </a:extLst>
+          </p:cNvPr>
+          <p:cNvSpPr>
+            <a:spLocks noGrp="1" noRot="1" noChangeAspect="1" noMove="1" noResize="1" noEditPoints="1" noAdjustHandles="1" noChangeArrowheads="1" noChangeShapeType="1" noTextEdit="1"/>
+          </p:cNvSpPr>
+          <p:nvPr>
+            <p:extLst>
+              <p:ext uri="{386F3935-93C4-4BCD-93E2-E3B085C9AB24}">
+                <p16:designElem xmlns:p16="http://schemas.microsoft.com/office/powerpoint/2015/main" val="1"/>
+              </p:ext>
+            </p:extLst>
+          </p:nvPr>
+        </p:nvSpPr>
+        <p:spPr>
+          <a:xfrm>
+            <a:off x="2" y="0"/>
+            <a:ext cx="12191695" cy="6858000"/>
+          </a:xfrm>
+          <a:prstGeom prst="rect">
+            <a:avLst/>
+          </a:prstGeom>
+          <a:ln>
+            <a:noFill/>
+          </a:ln>
+        </p:spPr>
+        <p:style>
+          <a:lnRef idx="2">
+            <a:schemeClr val="accent1">
+              <a:shade val="50000"/>
+            </a:schemeClr>
+          </a:lnRef>
+          <a:fillRef idx="1">
+            <a:schemeClr val="accent1"/>
+          </a:fillRef>
+          <a:effectRef idx="0">
+            <a:schemeClr val="accent1"/>
+          </a:effectRef>
+          <a:fontRef idx="minor">
+            <a:schemeClr val="lt1"/>
+          </a:fontRef>
+        </p:style>
+        <p:txBody>
+          <a:bodyPr rtlCol="0" anchor="ctr"/>
+          <a:lstStyle/>
+          <a:p>
+            <a:pPr algn="ctr"/>
+            <a:endParaRPr lang="en-US"/>
+          </a:p>
+        </p:txBody>
+      </p:sp>
       <p:sp>
         <p:nvSpPr>
           <p:cNvPr id="2" name="Title 1">
@@ -3929,23 +4591,76 @@
             <p:ph type="title"/>
           </p:nvPr>
         </p:nvSpPr>
-        <p:spPr/>
-        <p:txBody>
-          <a:bodyPr/>
-          <a:lstStyle/>
-          <a:p>
-            <a:pPr algn="ctr"/>
-            <a:r>
-              <a:rPr lang="da-DK" dirty="0" err="1"/>
+        <p:spPr>
+          <a:xfrm>
+            <a:off x="844476" y="1600199"/>
+            <a:ext cx="3539266" cy="4297680"/>
+          </a:xfrm>
+        </p:spPr>
+        <p:txBody>
+          <a:bodyPr anchor="ctr">
+            <a:normAutofit/>
+          </a:bodyPr>
+          <a:lstStyle/>
+          <a:p>
+            <a:r>
+              <a:rPr lang="da-DK"/>
               <a:t>jquery</a:t>
             </a:r>
-            <a:endParaRPr lang="da-DK" dirty="0"/>
-          </a:p>
-        </p:txBody>
-      </p:sp>
-      <p:sp>
-        <p:nvSpPr>
-          <p:cNvPr id="3" name="Content Placeholder 2">
+          </a:p>
+        </p:txBody>
+      </p:sp>
+      <p:cxnSp>
+        <p:nvCxnSpPr>
+          <p:cNvPr id="10" name="Straight Connector 9">
+            <a:extLst>
+              <a:ext uri="{FF2B5EF4-FFF2-40B4-BE49-F238E27FC236}">
+                <a16:creationId xmlns:a16="http://schemas.microsoft.com/office/drawing/2014/main" id="{9EC65442-F244-409C-BF44-C5D6472E810A}"/>
+              </a:ext>
+              <a:ext uri="{C183D7F6-B498-43B3-948B-1728B52AA6E4}">
+                <adec:decorative xmlns:adec="http://schemas.microsoft.com/office/drawing/2017/decorative" val="1"/>
+              </a:ext>
+            </a:extLst>
+          </p:cNvPr>
+          <p:cNvCxnSpPr>
+            <a:cxnSpLocks noGrp="1" noRot="1" noChangeAspect="1" noMove="1" noResize="1" noEditPoints="1" noAdjustHandles="1" noChangeArrowheads="1" noChangeShapeType="1"/>
+          </p:cNvCxnSpPr>
+          <p:nvPr>
+            <p:extLst>
+              <p:ext uri="{386F3935-93C4-4BCD-93E2-E3B085C9AB24}">
+                <p16:designElem xmlns:p16="http://schemas.microsoft.com/office/powerpoint/2015/main" val="1"/>
+              </p:ext>
+            </p:extLst>
+          </p:nvPr>
+        </p:nvCxnSpPr>
+        <p:spPr>
+          <a:xfrm>
+            <a:off x="4654296" y="2148839"/>
+            <a:ext cx="0" cy="3200400"/>
+          </a:xfrm>
+          <a:prstGeom prst="line">
+            <a:avLst/>
+          </a:prstGeom>
+          <a:ln w="31750"/>
+        </p:spPr>
+        <p:style>
+          <a:lnRef idx="1">
+            <a:schemeClr val="accent1"/>
+          </a:lnRef>
+          <a:fillRef idx="0">
+            <a:schemeClr val="accent1"/>
+          </a:fillRef>
+          <a:effectRef idx="0">
+            <a:schemeClr val="accent1"/>
+          </a:effectRef>
+          <a:fontRef idx="minor">
+            <a:schemeClr val="tx1"/>
+          </a:fontRef>
+        </p:style>
+      </p:cxnSp>
+      <p:sp>
+        <p:nvSpPr>
+          <p:cNvPr id="7" name="Content Placeholder 2">
             <a:extLst>
               <a:ext uri="{FF2B5EF4-FFF2-40B4-BE49-F238E27FC236}">
                 <a16:creationId xmlns:a16="http://schemas.microsoft.com/office/drawing/2014/main" id="{3D5DDE38-FE75-A440-B860-2CDF104AB4D4}"/>
@@ -3959,59 +4674,66 @@
             <p:ph idx="1"/>
           </p:nvPr>
         </p:nvSpPr>
-        <p:spPr/>
-        <p:txBody>
-          <a:bodyPr/>
-          <a:lstStyle/>
-          <a:p>
-            <a:r>
-              <a:rPr lang="da-DK" dirty="0"/>
+        <p:spPr>
+          <a:xfrm>
+            <a:off x="4924851" y="1600199"/>
+            <a:ext cx="6130003" cy="4297680"/>
+          </a:xfrm>
+        </p:spPr>
+        <p:txBody>
+          <a:bodyPr anchor="ctr">
+            <a:normAutofit/>
+          </a:bodyPr>
+          <a:lstStyle/>
+          <a:p>
+            <a:r>
+              <a:rPr lang="da-DK"/>
               <a:t>Document </a:t>
             </a:r>
             <a:r>
-              <a:rPr lang="da-DK" dirty="0" err="1"/>
+              <a:rPr lang="da-DK" err="1"/>
               <a:t>ready</a:t>
             </a:r>
             <a:r>
-              <a:rPr lang="da-DK" dirty="0"/>
+              <a:rPr lang="da-DK"/>
               <a:t> funktion </a:t>
             </a:r>
           </a:p>
           <a:p>
             <a:r>
-              <a:rPr lang="da-DK" dirty="0"/>
+              <a:rPr lang="da-DK"/>
               <a:t>”</a:t>
             </a:r>
             <a:r>
-              <a:rPr lang="da-DK" dirty="0" err="1"/>
+              <a:rPr lang="da-DK" err="1"/>
               <a:t>ajaxForm</a:t>
             </a:r>
             <a:r>
-              <a:rPr lang="da-DK" dirty="0"/>
+              <a:rPr lang="da-DK"/>
               <a:t>” id </a:t>
             </a:r>
           </a:p>
           <a:p>
             <a:r>
-              <a:rPr lang="da-DK" dirty="0"/>
+              <a:rPr lang="da-DK"/>
               <a:t>Ajax funktion </a:t>
             </a:r>
           </a:p>
           <a:p>
             <a:pPr lvl="1"/>
             <a:r>
-              <a:rPr lang="da-DK" dirty="0"/>
+              <a:rPr lang="da-DK"/>
               <a:t>Done funktion</a:t>
             </a:r>
           </a:p>
           <a:p>
             <a:r>
-              <a:rPr lang="da-DK" dirty="0"/>
+              <a:rPr lang="da-DK"/>
               <a:t>Register form </a:t>
             </a:r>
           </a:p>
           <a:p>
-            <a:endParaRPr lang="da-DK" dirty="0"/>
+            <a:endParaRPr lang="da-DK"/>
           </a:p>
         </p:txBody>
       </p:sp>
@@ -4029,9 +4751,9 @@
 </file>
 
 <file path=ppt/theme/theme1.xml><?xml version="1.0" encoding="utf-8"?>
-<a:theme xmlns:a="http://schemas.openxmlformats.org/drawingml/2006/main" name="Office Theme">
+<a:theme xmlns:a="http://schemas.openxmlformats.org/drawingml/2006/main" name="Gallery">
   <a:themeElements>
-    <a:clrScheme name="Office">
+    <a:clrScheme name="Gallery">
       <a:dk1>
         <a:sysClr val="windowText" lastClr="000000"/>
       </a:dk1>
@@ -4039,39 +4761,39 @@
         <a:sysClr val="window" lastClr="FFFFFF"/>
       </a:lt1>
       <a:dk2>
-        <a:srgbClr val="44546A"/>
+        <a:srgbClr val="454545"/>
       </a:dk2>
       <a:lt2>
-        <a:srgbClr val="E7E6E6"/>
+        <a:srgbClr val="DFDBD5"/>
       </a:lt2>
       <a:accent1>
-        <a:srgbClr val="4472C4"/>
+        <a:srgbClr val="B71E42"/>
       </a:accent1>
       <a:accent2>
-        <a:srgbClr val="ED7D31"/>
+        <a:srgbClr val="DE478E"/>
       </a:accent2>
       <a:accent3>
-        <a:srgbClr val="A5A5A5"/>
+        <a:srgbClr val="BC72F0"/>
       </a:accent3>
       <a:accent4>
-        <a:srgbClr val="FFC000"/>
+        <a:srgbClr val="795FAF"/>
       </a:accent4>
       <a:accent5>
-        <a:srgbClr val="5B9BD5"/>
+        <a:srgbClr val="586EA6"/>
       </a:accent5>
       <a:accent6>
-        <a:srgbClr val="70AD47"/>
+        <a:srgbClr val="6892A0"/>
       </a:accent6>
       <a:hlink>
-        <a:srgbClr val="0563C1"/>
+        <a:srgbClr val="FA2B5C"/>
       </a:hlink>
       <a:folHlink>
-        <a:srgbClr val="954F72"/>
+        <a:srgbClr val="BC658E"/>
       </a:folHlink>
     </a:clrScheme>
-    <a:fontScheme name="Office">
+    <a:fontScheme name="Gallery">
       <a:majorFont>
-        <a:latin typeface="Calibri Light" panose="020F0302020204030204"/>
+        <a:latin typeface="Gill Sans MT" panose="020B0502020104020203"/>
         <a:ea typeface=""/>
         <a:cs typeface=""/>
         <a:font script="Jpan" typeface="游ゴシック Light"/>
@@ -4104,26 +4826,9 @@
         <a:font script="Viet" typeface="Times New Roman"/>
         <a:font script="Uigh" typeface="Microsoft Uighur"/>
         <a:font script="Geor" typeface="Sylfaen"/>
-        <a:font script="Armn" typeface="Arial"/>
-        <a:font script="Bugi" typeface="Leelawadee UI"/>
-        <a:font script="Bopo" typeface="Microsoft JhengHei"/>
-        <a:font script="Java" typeface="Javanese Text"/>
-        <a:font script="Lisu" typeface="Segoe UI"/>
-        <a:font script="Mymr" typeface="Myanmar Text"/>
-        <a:font script="Nkoo" typeface="Ebrima"/>
-        <a:font script="Olck" typeface="Nirmala UI"/>
-        <a:font script="Osma" typeface="Ebrima"/>
-        <a:font script="Phag" typeface="Phagspa"/>
-        <a:font script="Syrn" typeface="Estrangelo Edessa"/>
-        <a:font script="Syrj" typeface="Estrangelo Edessa"/>
-        <a:font script="Syre" typeface="Estrangelo Edessa"/>
-        <a:font script="Sora" typeface="Nirmala UI"/>
-        <a:font script="Tale" typeface="Microsoft Tai Le"/>
-        <a:font script="Talu" typeface="Microsoft New Tai Lue"/>
-        <a:font script="Tfng" typeface="Ebrima"/>
       </a:majorFont>
       <a:minorFont>
-        <a:latin typeface="Calibri" panose="020F0502020204030204"/>
+        <a:latin typeface="Gill Sans MT" panose="020B0502020104020203"/>
         <a:ea typeface=""/>
         <a:cs typeface=""/>
         <a:font script="Jpan" typeface="游ゴシック"/>
@@ -4156,26 +4861,9 @@
         <a:font script="Viet" typeface="Arial"/>
         <a:font script="Uigh" typeface="Microsoft Uighur"/>
         <a:font script="Geor" typeface="Sylfaen"/>
-        <a:font script="Armn" typeface="Arial"/>
-        <a:font script="Bugi" typeface="Leelawadee UI"/>
-        <a:font script="Bopo" typeface="Microsoft JhengHei"/>
-        <a:font script="Java" typeface="Javanese Text"/>
-        <a:font script="Lisu" typeface="Segoe UI"/>
-        <a:font script="Mymr" typeface="Myanmar Text"/>
-        <a:font script="Nkoo" typeface="Ebrima"/>
-        <a:font script="Olck" typeface="Nirmala UI"/>
-        <a:font script="Osma" typeface="Ebrima"/>
-        <a:font script="Phag" typeface="Phagspa"/>
-        <a:font script="Syrn" typeface="Estrangelo Edessa"/>
-        <a:font script="Syrj" typeface="Estrangelo Edessa"/>
-        <a:font script="Syre" typeface="Estrangelo Edessa"/>
-        <a:font script="Sora" typeface="Nirmala UI"/>
-        <a:font script="Tale" typeface="Microsoft Tai Le"/>
-        <a:font script="Talu" typeface="Microsoft New Tai Lue"/>
-        <a:font script="Tfng" typeface="Ebrima"/>
       </a:minorFont>
     </a:fontScheme>
-    <a:fmtScheme name="Office">
+    <a:fmtScheme name="Gallery">
       <a:fillStyleLst>
         <a:solidFill>
           <a:schemeClr val="phClr"/>
@@ -4184,23 +4872,18 @@
           <a:gsLst>
             <a:gs pos="0">
               <a:schemeClr val="phClr">
+                <a:tint val="54000"/>
+                <a:alpha val="100000"/>
+                <a:satMod val="105000"/>
                 <a:lumMod val="110000"/>
-                <a:satMod val="105000"/>
-                <a:tint val="67000"/>
-              </a:schemeClr>
-            </a:gs>
-            <a:gs pos="50000">
-              <a:schemeClr val="phClr">
-                <a:lumMod val="105000"/>
-                <a:satMod val="103000"/>
-                <a:tint val="73000"/>
               </a:schemeClr>
             </a:gs>
             <a:gs pos="100000">
               <a:schemeClr val="phClr">
-                <a:lumMod val="105000"/>
+                <a:tint val="78000"/>
+                <a:alpha val="92000"/>
                 <a:satMod val="109000"/>
-                <a:tint val="81000"/>
+                <a:lumMod val="100000"/>
               </a:schemeClr>
             </a:gs>
           </a:gsLst>
@@ -4210,23 +4893,23 @@
           <a:gsLst>
             <a:gs pos="0">
               <a:schemeClr val="phClr">
-                <a:satMod val="103000"/>
-                <a:lumMod val="102000"/>
-                <a:tint val="94000"/>
+                <a:tint val="98000"/>
+                <a:satMod val="110000"/>
+                <a:lumMod val="104000"/>
               </a:schemeClr>
             </a:gs>
-            <a:gs pos="50000">
+            <a:gs pos="69000">
               <a:schemeClr val="phClr">
-                <a:satMod val="110000"/>
-                <a:lumMod val="100000"/>
-                <a:shade val="100000"/>
+                <a:shade val="88000"/>
+                <a:satMod val="130000"/>
+                <a:lumMod val="92000"/>
               </a:schemeClr>
             </a:gs>
             <a:gs pos="100000">
               <a:schemeClr val="phClr">
-                <a:lumMod val="99000"/>
-                <a:satMod val="120000"/>
                 <a:shade val="78000"/>
+                <a:satMod val="130000"/>
+                <a:lumMod val="92000"/>
               </a:schemeClr>
             </a:gs>
           </a:gsLst>
@@ -4234,26 +4917,23 @@
         </a:gradFill>
       </a:fillStyleLst>
       <a:lnStyleLst>
-        <a:ln w="6350" cap="flat" cmpd="sng" algn="ctr">
+        <a:ln w="9525" cap="flat" cmpd="sng" algn="ctr">
           <a:solidFill>
             <a:schemeClr val="phClr"/>
           </a:solidFill>
           <a:prstDash val="solid"/>
-          <a:miter lim="800000"/>
         </a:ln>
-        <a:ln w="12700" cap="flat" cmpd="sng" algn="ctr">
+        <a:ln w="15875" cap="flat" cmpd="sng" algn="ctr">
           <a:solidFill>
             <a:schemeClr val="phClr"/>
           </a:solidFill>
           <a:prstDash val="solid"/>
-          <a:miter lim="800000"/>
         </a:ln>
-        <a:ln w="19050" cap="flat" cmpd="sng" algn="ctr">
+        <a:ln w="22225" cap="flat" cmpd="sng" algn="ctr">
           <a:solidFill>
             <a:schemeClr val="phClr"/>
           </a:solidFill>
           <a:prstDash val="solid"/>
-          <a:miter lim="800000"/>
         </a:ln>
       </a:lnStyleLst>
       <a:effectStyleLst>
@@ -4265,12 +4945,23 @@
         </a:effectStyle>
         <a:effectStyle>
           <a:effectLst>
-            <a:outerShdw blurRad="57150" dist="19050" dir="5400000" algn="ctr" rotWithShape="0">
+            <a:outerShdw blurRad="50800" dist="50800" dir="5400000" sx="96000" sy="96000" rotWithShape="0">
               <a:srgbClr val="000000">
-                <a:alpha val="63000"/>
+                <a:alpha val="48000"/>
               </a:srgbClr>
             </a:outerShdw>
           </a:effectLst>
+          <a:scene3d>
+            <a:camera prst="orthographicFront">
+              <a:rot lat="0" lon="0" rev="0"/>
+            </a:camera>
+            <a:lightRig rig="balanced" dir="t">
+              <a:rot lat="0" lon="0" rev="1080000"/>
+            </a:lightRig>
+          </a:scene3d>
+          <a:sp3d>
+            <a:bevelT w="38100" h="12700" prst="softRound"/>
+          </a:sp3d>
         </a:effectStyle>
       </a:effectStyleLst>
       <a:bgFillStyleLst>
@@ -4278,37 +4969,26 @@
           <a:schemeClr val="phClr"/>
         </a:solidFill>
         <a:solidFill>
-          <a:schemeClr val="phClr">
-            <a:tint val="95000"/>
-            <a:satMod val="170000"/>
-          </a:schemeClr>
+          <a:schemeClr val="phClr"/>
         </a:solidFill>
         <a:gradFill rotWithShape="1">
           <a:gsLst>
             <a:gs pos="0">
               <a:schemeClr val="phClr">
-                <a:tint val="93000"/>
-                <a:satMod val="150000"/>
-                <a:shade val="98000"/>
-                <a:lumMod val="102000"/>
-              </a:schemeClr>
-            </a:gs>
-            <a:gs pos="50000">
-              <a:schemeClr val="phClr">
-                <a:tint val="98000"/>
-                <a:satMod val="130000"/>
-                <a:shade val="90000"/>
-                <a:lumMod val="103000"/>
+                <a:tint val="94000"/>
+                <a:satMod val="80000"/>
+                <a:lumMod val="106000"/>
               </a:schemeClr>
             </a:gs>
             <a:gs pos="100000">
               <a:schemeClr val="phClr">
-                <a:shade val="63000"/>
-                <a:satMod val="120000"/>
+                <a:shade val="80000"/>
               </a:schemeClr>
             </a:gs>
           </a:gsLst>
-          <a:lin ang="5400000" scaled="0"/>
+          <a:path path="circle">
+            <a:fillToRect l="50000" t="50000" r="50000" b="50000"/>
+          </a:path>
         </a:gradFill>
       </a:bgFillStyleLst>
     </a:fmtScheme>
@@ -4317,7 +4997,7 @@
   <a:extraClrSchemeLst/>
   <a:extLst>
     <a:ext uri="{05A4C25C-085E-4340-85A3-A5531E510DB2}">
-      <thm15:themeFamily xmlns:thm15="http://schemas.microsoft.com/office/thememl/2012/main" name="Office Theme" id="{62F939B6-93AF-4DB8-9C6B-D6C7DFDC589F}" vid="{4A3C46E8-61CC-4603-A589-7422A47A8E4A}"/>
+      <thm15:themeFamily xmlns:thm15="http://schemas.microsoft.com/office/thememl/2012/main" name="Gallery" id="{BBFCD31E-59A1-489D-B089-A3EAD7CAE12E}" vid="{F5E91637-A7B6-4E27-B710-77DA7014EE1E}"/>
     </a:ext>
   </a:extLst>
 </a:theme>

--- a/Rapport/Præsentation.pptx
+++ b/Rapport/Præsentation.pptx
@@ -4,6 +4,9 @@
   <p:sldMasterIdLst>
     <p:sldMasterId id="2147483660" r:id="rId1"/>
   </p:sldMasterIdLst>
+  <p:notesMasterIdLst>
+    <p:notesMasterId r:id="rId7"/>
+  </p:notesMasterIdLst>
   <p:sldIdLst>
     <p:sldId id="256" r:id="rId2"/>
     <p:sldId id="259" r:id="rId3"/>
@@ -109,6 +112,704 @@
     </a:lvl9pPr>
   </p:defaultTextStyle>
 </p:presentation>
+</file>
+
+<file path=ppt/notesMasters/notesMaster1.xml><?xml version="1.0" encoding="utf-8"?>
+<p:notesMaster xmlns:a="http://schemas.openxmlformats.org/drawingml/2006/main" xmlns:r="http://schemas.openxmlformats.org/officeDocument/2006/relationships" xmlns:p="http://schemas.openxmlformats.org/presentationml/2006/main">
+  <p:cSld>
+    <p:bg>
+      <p:bgRef idx="1001">
+        <a:schemeClr val="bg1"/>
+      </p:bgRef>
+    </p:bg>
+    <p:spTree>
+      <p:nvGrpSpPr>
+        <p:cNvPr id="1" name=""/>
+        <p:cNvGrpSpPr/>
+        <p:nvPr/>
+      </p:nvGrpSpPr>
+      <p:grpSpPr>
+        <a:xfrm>
+          <a:off x="0" y="0"/>
+          <a:ext cx="0" cy="0"/>
+          <a:chOff x="0" y="0"/>
+          <a:chExt cx="0" cy="0"/>
+        </a:xfrm>
+      </p:grpSpPr>
+      <p:sp>
+        <p:nvSpPr>
+          <p:cNvPr id="2" name="Header Placeholder 1"/>
+          <p:cNvSpPr>
+            <a:spLocks noGrp="1"/>
+          </p:cNvSpPr>
+          <p:nvPr>
+            <p:ph type="hdr" sz="quarter"/>
+          </p:nvPr>
+        </p:nvSpPr>
+        <p:spPr>
+          <a:xfrm>
+            <a:off x="0" y="0"/>
+            <a:ext cx="2971800" cy="458788"/>
+          </a:xfrm>
+          <a:prstGeom prst="rect">
+            <a:avLst/>
+          </a:prstGeom>
+        </p:spPr>
+        <p:txBody>
+          <a:bodyPr vert="horz" lIns="91440" tIns="45720" rIns="91440" bIns="45720" rtlCol="0"/>
+          <a:lstStyle>
+            <a:lvl1pPr algn="l">
+              <a:defRPr sz="1200"/>
+            </a:lvl1pPr>
+          </a:lstStyle>
+          <a:p>
+            <a:endParaRPr lang="da-DK"/>
+          </a:p>
+        </p:txBody>
+      </p:sp>
+      <p:sp>
+        <p:nvSpPr>
+          <p:cNvPr id="3" name="Date Placeholder 2"/>
+          <p:cNvSpPr>
+            <a:spLocks noGrp="1"/>
+          </p:cNvSpPr>
+          <p:nvPr>
+            <p:ph type="dt" idx="1"/>
+          </p:nvPr>
+        </p:nvSpPr>
+        <p:spPr>
+          <a:xfrm>
+            <a:off x="3884613" y="0"/>
+            <a:ext cx="2971800" cy="458788"/>
+          </a:xfrm>
+          <a:prstGeom prst="rect">
+            <a:avLst/>
+          </a:prstGeom>
+        </p:spPr>
+        <p:txBody>
+          <a:bodyPr vert="horz" lIns="91440" tIns="45720" rIns="91440" bIns="45720" rtlCol="0"/>
+          <a:lstStyle>
+            <a:lvl1pPr algn="r">
+              <a:defRPr sz="1200"/>
+            </a:lvl1pPr>
+          </a:lstStyle>
+          <a:p>
+            <a:fld id="{6B2B542C-FF43-824F-A32D-FDBF07ABB17C}" type="datetimeFigureOut">
+              <a:rPr lang="da-DK" smtClean="0"/>
+              <a:t>07/06/2019</a:t>
+            </a:fld>
+            <a:endParaRPr lang="da-DK"/>
+          </a:p>
+        </p:txBody>
+      </p:sp>
+      <p:sp>
+        <p:nvSpPr>
+          <p:cNvPr id="4" name="Slide Image Placeholder 3"/>
+          <p:cNvSpPr>
+            <a:spLocks noGrp="1" noRot="1" noChangeAspect="1"/>
+          </p:cNvSpPr>
+          <p:nvPr>
+            <p:ph type="sldImg" idx="2"/>
+          </p:nvPr>
+        </p:nvSpPr>
+        <p:spPr>
+          <a:xfrm>
+            <a:off x="685800" y="1143000"/>
+            <a:ext cx="5486400" cy="3086100"/>
+          </a:xfrm>
+          <a:prstGeom prst="rect">
+            <a:avLst/>
+          </a:prstGeom>
+          <a:noFill/>
+          <a:ln w="12700">
+            <a:solidFill>
+              <a:prstClr val="black"/>
+            </a:solidFill>
+          </a:ln>
+        </p:spPr>
+        <p:txBody>
+          <a:bodyPr vert="horz" lIns="91440" tIns="45720" rIns="91440" bIns="45720" rtlCol="0" anchor="ctr"/>
+          <a:lstStyle/>
+          <a:p>
+            <a:endParaRPr lang="da-DK"/>
+          </a:p>
+        </p:txBody>
+      </p:sp>
+      <p:sp>
+        <p:nvSpPr>
+          <p:cNvPr id="5" name="Notes Placeholder 4"/>
+          <p:cNvSpPr>
+            <a:spLocks noGrp="1"/>
+          </p:cNvSpPr>
+          <p:nvPr>
+            <p:ph type="body" sz="quarter" idx="3"/>
+          </p:nvPr>
+        </p:nvSpPr>
+        <p:spPr>
+          <a:xfrm>
+            <a:off x="685800" y="4400550"/>
+            <a:ext cx="5486400" cy="3600450"/>
+          </a:xfrm>
+          <a:prstGeom prst="rect">
+            <a:avLst/>
+          </a:prstGeom>
+        </p:spPr>
+        <p:txBody>
+          <a:bodyPr vert="horz" lIns="91440" tIns="45720" rIns="91440" bIns="45720" rtlCol="0"/>
+          <a:lstStyle/>
+          <a:p>
+            <a:pPr lvl="0"/>
+            <a:r>
+              <a:rPr lang="en-US"/>
+              <a:t>Click to edit Master text styles</a:t>
+            </a:r>
+          </a:p>
+          <a:p>
+            <a:pPr lvl="1"/>
+            <a:r>
+              <a:rPr lang="en-US"/>
+              <a:t>Second level</a:t>
+            </a:r>
+          </a:p>
+          <a:p>
+            <a:pPr lvl="2"/>
+            <a:r>
+              <a:rPr lang="en-US"/>
+              <a:t>Third level</a:t>
+            </a:r>
+          </a:p>
+          <a:p>
+            <a:pPr lvl="3"/>
+            <a:r>
+              <a:rPr lang="en-US"/>
+              <a:t>Fourth level</a:t>
+            </a:r>
+          </a:p>
+          <a:p>
+            <a:pPr lvl="4"/>
+            <a:r>
+              <a:rPr lang="en-US"/>
+              <a:t>Fifth level</a:t>
+            </a:r>
+            <a:endParaRPr lang="da-DK"/>
+          </a:p>
+        </p:txBody>
+      </p:sp>
+      <p:sp>
+        <p:nvSpPr>
+          <p:cNvPr id="6" name="Footer Placeholder 5"/>
+          <p:cNvSpPr>
+            <a:spLocks noGrp="1"/>
+          </p:cNvSpPr>
+          <p:nvPr>
+            <p:ph type="ftr" sz="quarter" idx="4"/>
+          </p:nvPr>
+        </p:nvSpPr>
+        <p:spPr>
+          <a:xfrm>
+            <a:off x="0" y="8685213"/>
+            <a:ext cx="2971800" cy="458787"/>
+          </a:xfrm>
+          <a:prstGeom prst="rect">
+            <a:avLst/>
+          </a:prstGeom>
+        </p:spPr>
+        <p:txBody>
+          <a:bodyPr vert="horz" lIns="91440" tIns="45720" rIns="91440" bIns="45720" rtlCol="0" anchor="b"/>
+          <a:lstStyle>
+            <a:lvl1pPr algn="l">
+              <a:defRPr sz="1200"/>
+            </a:lvl1pPr>
+          </a:lstStyle>
+          <a:p>
+            <a:endParaRPr lang="da-DK"/>
+          </a:p>
+        </p:txBody>
+      </p:sp>
+      <p:sp>
+        <p:nvSpPr>
+          <p:cNvPr id="7" name="Slide Number Placeholder 6"/>
+          <p:cNvSpPr>
+            <a:spLocks noGrp="1"/>
+          </p:cNvSpPr>
+          <p:nvPr>
+            <p:ph type="sldNum" sz="quarter" idx="5"/>
+          </p:nvPr>
+        </p:nvSpPr>
+        <p:spPr>
+          <a:xfrm>
+            <a:off x="3884613" y="8685213"/>
+            <a:ext cx="2971800" cy="458787"/>
+          </a:xfrm>
+          <a:prstGeom prst="rect">
+            <a:avLst/>
+          </a:prstGeom>
+        </p:spPr>
+        <p:txBody>
+          <a:bodyPr vert="horz" lIns="91440" tIns="45720" rIns="91440" bIns="45720" rtlCol="0" anchor="b"/>
+          <a:lstStyle>
+            <a:lvl1pPr algn="r">
+              <a:defRPr sz="1200"/>
+            </a:lvl1pPr>
+          </a:lstStyle>
+          <a:p>
+            <a:fld id="{BB0E9E20-DA9A-4F4F-A567-7222929628AA}" type="slidenum">
+              <a:rPr lang="da-DK" smtClean="0"/>
+              <a:t>‹#›</a:t>
+            </a:fld>
+            <a:endParaRPr lang="da-DK"/>
+          </a:p>
+        </p:txBody>
+      </p:sp>
+    </p:spTree>
+    <p:extLst>
+      <p:ext uri="{BB962C8B-B14F-4D97-AF65-F5344CB8AC3E}">
+        <p14:creationId xmlns:p14="http://schemas.microsoft.com/office/powerpoint/2010/main" val="3854661950"/>
+      </p:ext>
+    </p:extLst>
+  </p:cSld>
+  <p:clrMap bg1="lt1" tx1="dk1" bg2="lt2" tx2="dk2" accent1="accent1" accent2="accent2" accent3="accent3" accent4="accent4" accent5="accent5" accent6="accent6" hlink="hlink" folHlink="folHlink"/>
+  <p:notesStyle>
+    <a:lvl1pPr marL="0" algn="l" defTabSz="914400" rtl="0" eaLnBrk="1" latinLnBrk="0" hangingPunct="1">
+      <a:defRPr sz="1200" kern="1200">
+        <a:solidFill>
+          <a:schemeClr val="tx1"/>
+        </a:solidFill>
+        <a:latin typeface="+mn-lt"/>
+        <a:ea typeface="+mn-ea"/>
+        <a:cs typeface="+mn-cs"/>
+      </a:defRPr>
+    </a:lvl1pPr>
+    <a:lvl2pPr marL="457200" algn="l" defTabSz="914400" rtl="0" eaLnBrk="1" latinLnBrk="0" hangingPunct="1">
+      <a:defRPr sz="1200" kern="1200">
+        <a:solidFill>
+          <a:schemeClr val="tx1"/>
+        </a:solidFill>
+        <a:latin typeface="+mn-lt"/>
+        <a:ea typeface="+mn-ea"/>
+        <a:cs typeface="+mn-cs"/>
+      </a:defRPr>
+    </a:lvl2pPr>
+    <a:lvl3pPr marL="914400" algn="l" defTabSz="914400" rtl="0" eaLnBrk="1" latinLnBrk="0" hangingPunct="1">
+      <a:defRPr sz="1200" kern="1200">
+        <a:solidFill>
+          <a:schemeClr val="tx1"/>
+        </a:solidFill>
+        <a:latin typeface="+mn-lt"/>
+        <a:ea typeface="+mn-ea"/>
+        <a:cs typeface="+mn-cs"/>
+      </a:defRPr>
+    </a:lvl3pPr>
+    <a:lvl4pPr marL="1371600" algn="l" defTabSz="914400" rtl="0" eaLnBrk="1" latinLnBrk="0" hangingPunct="1">
+      <a:defRPr sz="1200" kern="1200">
+        <a:solidFill>
+          <a:schemeClr val="tx1"/>
+        </a:solidFill>
+        <a:latin typeface="+mn-lt"/>
+        <a:ea typeface="+mn-ea"/>
+        <a:cs typeface="+mn-cs"/>
+      </a:defRPr>
+    </a:lvl4pPr>
+    <a:lvl5pPr marL="1828800" algn="l" defTabSz="914400" rtl="0" eaLnBrk="1" latinLnBrk="0" hangingPunct="1">
+      <a:defRPr sz="1200" kern="1200">
+        <a:solidFill>
+          <a:schemeClr val="tx1"/>
+        </a:solidFill>
+        <a:latin typeface="+mn-lt"/>
+        <a:ea typeface="+mn-ea"/>
+        <a:cs typeface="+mn-cs"/>
+      </a:defRPr>
+    </a:lvl5pPr>
+    <a:lvl6pPr marL="2286000" algn="l" defTabSz="914400" rtl="0" eaLnBrk="1" latinLnBrk="0" hangingPunct="1">
+      <a:defRPr sz="1200" kern="1200">
+        <a:solidFill>
+          <a:schemeClr val="tx1"/>
+        </a:solidFill>
+        <a:latin typeface="+mn-lt"/>
+        <a:ea typeface="+mn-ea"/>
+        <a:cs typeface="+mn-cs"/>
+      </a:defRPr>
+    </a:lvl6pPr>
+    <a:lvl7pPr marL="2743200" algn="l" defTabSz="914400" rtl="0" eaLnBrk="1" latinLnBrk="0" hangingPunct="1">
+      <a:defRPr sz="1200" kern="1200">
+        <a:solidFill>
+          <a:schemeClr val="tx1"/>
+        </a:solidFill>
+        <a:latin typeface="+mn-lt"/>
+        <a:ea typeface="+mn-ea"/>
+        <a:cs typeface="+mn-cs"/>
+      </a:defRPr>
+    </a:lvl7pPr>
+    <a:lvl8pPr marL="3200400" algn="l" defTabSz="914400" rtl="0" eaLnBrk="1" latinLnBrk="0" hangingPunct="1">
+      <a:defRPr sz="1200" kern="1200">
+        <a:solidFill>
+          <a:schemeClr val="tx1"/>
+        </a:solidFill>
+        <a:latin typeface="+mn-lt"/>
+        <a:ea typeface="+mn-ea"/>
+        <a:cs typeface="+mn-cs"/>
+      </a:defRPr>
+    </a:lvl8pPr>
+    <a:lvl9pPr marL="3657600" algn="l" defTabSz="914400" rtl="0" eaLnBrk="1" latinLnBrk="0" hangingPunct="1">
+      <a:defRPr sz="1200" kern="1200">
+        <a:solidFill>
+          <a:schemeClr val="tx1"/>
+        </a:solidFill>
+        <a:latin typeface="+mn-lt"/>
+        <a:ea typeface="+mn-ea"/>
+        <a:cs typeface="+mn-cs"/>
+      </a:defRPr>
+    </a:lvl9pPr>
+  </p:notesStyle>
+</p:notesMaster>
+</file>
+
+<file path=ppt/notesSlides/notesSlide1.xml><?xml version="1.0" encoding="utf-8"?>
+<p:notes xmlns:a="http://schemas.openxmlformats.org/drawingml/2006/main" xmlns:r="http://schemas.openxmlformats.org/officeDocument/2006/relationships" xmlns:p="http://schemas.openxmlformats.org/presentationml/2006/main">
+  <p:cSld>
+    <p:spTree>
+      <p:nvGrpSpPr>
+        <p:cNvPr id="1" name=""/>
+        <p:cNvGrpSpPr/>
+        <p:nvPr/>
+      </p:nvGrpSpPr>
+      <p:grpSpPr>
+        <a:xfrm>
+          <a:off x="0" y="0"/>
+          <a:ext cx="0" cy="0"/>
+          <a:chOff x="0" y="0"/>
+          <a:chExt cx="0" cy="0"/>
+        </a:xfrm>
+      </p:grpSpPr>
+      <p:sp>
+        <p:nvSpPr>
+          <p:cNvPr id="2" name="Slide Image Placeholder 1"/>
+          <p:cNvSpPr>
+            <a:spLocks noGrp="1" noRot="1" noChangeAspect="1"/>
+          </p:cNvSpPr>
+          <p:nvPr>
+            <p:ph type="sldImg"/>
+          </p:nvPr>
+        </p:nvSpPr>
+        <p:spPr/>
+      </p:sp>
+      <p:sp>
+        <p:nvSpPr>
+          <p:cNvPr id="3" name="Notes Placeholder 2"/>
+          <p:cNvSpPr>
+            <a:spLocks noGrp="1"/>
+          </p:cNvSpPr>
+          <p:nvPr>
+            <p:ph type="body" idx="1"/>
+          </p:nvPr>
+        </p:nvSpPr>
+        <p:spPr/>
+        <p:txBody>
+          <a:bodyPr/>
+          <a:lstStyle/>
+          <a:p>
+            <a:r>
+              <a:rPr lang="da-DK" dirty="0"/>
+              <a:t>Asger + demo</a:t>
+            </a:r>
+          </a:p>
+        </p:txBody>
+      </p:sp>
+      <p:sp>
+        <p:nvSpPr>
+          <p:cNvPr id="4" name="Slide Number Placeholder 3"/>
+          <p:cNvSpPr>
+            <a:spLocks noGrp="1"/>
+          </p:cNvSpPr>
+          <p:nvPr>
+            <p:ph type="sldNum" sz="quarter" idx="5"/>
+          </p:nvPr>
+        </p:nvSpPr>
+        <p:spPr/>
+        <p:txBody>
+          <a:bodyPr/>
+          <a:lstStyle/>
+          <a:p>
+            <a:fld id="{BB0E9E20-DA9A-4F4F-A567-7222929628AA}" type="slidenum">
+              <a:rPr lang="da-DK" smtClean="0"/>
+              <a:t>2</a:t>
+            </a:fld>
+            <a:endParaRPr lang="da-DK"/>
+          </a:p>
+        </p:txBody>
+      </p:sp>
+    </p:spTree>
+    <p:extLst>
+      <p:ext uri="{BB962C8B-B14F-4D97-AF65-F5344CB8AC3E}">
+        <p14:creationId xmlns:p14="http://schemas.microsoft.com/office/powerpoint/2010/main" val="3685722247"/>
+      </p:ext>
+    </p:extLst>
+  </p:cSld>
+  <p:clrMapOvr>
+    <a:masterClrMapping/>
+  </p:clrMapOvr>
+</p:notes>
+</file>
+
+<file path=ppt/notesSlides/notesSlide2.xml><?xml version="1.0" encoding="utf-8"?>
+<p:notes xmlns:a="http://schemas.openxmlformats.org/drawingml/2006/main" xmlns:r="http://schemas.openxmlformats.org/officeDocument/2006/relationships" xmlns:p="http://schemas.openxmlformats.org/presentationml/2006/main">
+  <p:cSld>
+    <p:spTree>
+      <p:nvGrpSpPr>
+        <p:cNvPr id="1" name=""/>
+        <p:cNvGrpSpPr/>
+        <p:nvPr/>
+      </p:nvGrpSpPr>
+      <p:grpSpPr>
+        <a:xfrm>
+          <a:off x="0" y="0"/>
+          <a:ext cx="0" cy="0"/>
+          <a:chOff x="0" y="0"/>
+          <a:chExt cx="0" cy="0"/>
+        </a:xfrm>
+      </p:grpSpPr>
+      <p:sp>
+        <p:nvSpPr>
+          <p:cNvPr id="2" name="Slide Image Placeholder 1"/>
+          <p:cNvSpPr>
+            <a:spLocks noGrp="1" noRot="1" noChangeAspect="1"/>
+          </p:cNvSpPr>
+          <p:nvPr>
+            <p:ph type="sldImg"/>
+          </p:nvPr>
+        </p:nvSpPr>
+        <p:spPr/>
+      </p:sp>
+      <p:sp>
+        <p:nvSpPr>
+          <p:cNvPr id="3" name="Notes Placeholder 2"/>
+          <p:cNvSpPr>
+            <a:spLocks noGrp="1"/>
+          </p:cNvSpPr>
+          <p:nvPr>
+            <p:ph type="body" idx="1"/>
+          </p:nvPr>
+        </p:nvSpPr>
+        <p:spPr/>
+        <p:txBody>
+          <a:bodyPr/>
+          <a:lstStyle/>
+          <a:p>
+            <a:r>
+              <a:rPr lang="da-DK" dirty="0"/>
+              <a:t>Martin</a:t>
+            </a:r>
+          </a:p>
+        </p:txBody>
+      </p:sp>
+      <p:sp>
+        <p:nvSpPr>
+          <p:cNvPr id="4" name="Slide Number Placeholder 3"/>
+          <p:cNvSpPr>
+            <a:spLocks noGrp="1"/>
+          </p:cNvSpPr>
+          <p:nvPr>
+            <p:ph type="sldNum" sz="quarter" idx="5"/>
+          </p:nvPr>
+        </p:nvSpPr>
+        <p:spPr/>
+        <p:txBody>
+          <a:bodyPr/>
+          <a:lstStyle/>
+          <a:p>
+            <a:fld id="{BB0E9E20-DA9A-4F4F-A567-7222929628AA}" type="slidenum">
+              <a:rPr lang="da-DK" smtClean="0"/>
+              <a:t>3</a:t>
+            </a:fld>
+            <a:endParaRPr lang="da-DK"/>
+          </a:p>
+        </p:txBody>
+      </p:sp>
+    </p:spTree>
+    <p:extLst>
+      <p:ext uri="{BB962C8B-B14F-4D97-AF65-F5344CB8AC3E}">
+        <p14:creationId xmlns:p14="http://schemas.microsoft.com/office/powerpoint/2010/main" val="3218213525"/>
+      </p:ext>
+    </p:extLst>
+  </p:cSld>
+  <p:clrMapOvr>
+    <a:masterClrMapping/>
+  </p:clrMapOvr>
+</p:notes>
+</file>
+
+<file path=ppt/notesSlides/notesSlide3.xml><?xml version="1.0" encoding="utf-8"?>
+<p:notes xmlns:a="http://schemas.openxmlformats.org/drawingml/2006/main" xmlns:r="http://schemas.openxmlformats.org/officeDocument/2006/relationships" xmlns:p="http://schemas.openxmlformats.org/presentationml/2006/main">
+  <p:cSld>
+    <p:spTree>
+      <p:nvGrpSpPr>
+        <p:cNvPr id="1" name=""/>
+        <p:cNvGrpSpPr/>
+        <p:nvPr/>
+      </p:nvGrpSpPr>
+      <p:grpSpPr>
+        <a:xfrm>
+          <a:off x="0" y="0"/>
+          <a:ext cx="0" cy="0"/>
+          <a:chOff x="0" y="0"/>
+          <a:chExt cx="0" cy="0"/>
+        </a:xfrm>
+      </p:grpSpPr>
+      <p:sp>
+        <p:nvSpPr>
+          <p:cNvPr id="2" name="Slide Image Placeholder 1"/>
+          <p:cNvSpPr>
+            <a:spLocks noGrp="1" noRot="1" noChangeAspect="1"/>
+          </p:cNvSpPr>
+          <p:nvPr>
+            <p:ph type="sldImg"/>
+          </p:nvPr>
+        </p:nvSpPr>
+        <p:spPr/>
+      </p:sp>
+      <p:sp>
+        <p:nvSpPr>
+          <p:cNvPr id="3" name="Notes Placeholder 2"/>
+          <p:cNvSpPr>
+            <a:spLocks noGrp="1"/>
+          </p:cNvSpPr>
+          <p:nvPr>
+            <p:ph type="body" idx="1"/>
+          </p:nvPr>
+        </p:nvSpPr>
+        <p:spPr/>
+        <p:txBody>
+          <a:bodyPr/>
+          <a:lstStyle/>
+          <a:p>
+            <a:r>
+              <a:rPr lang="da-DK" dirty="0"/>
+              <a:t>William</a:t>
+            </a:r>
+          </a:p>
+        </p:txBody>
+      </p:sp>
+      <p:sp>
+        <p:nvSpPr>
+          <p:cNvPr id="4" name="Slide Number Placeholder 3"/>
+          <p:cNvSpPr>
+            <a:spLocks noGrp="1"/>
+          </p:cNvSpPr>
+          <p:nvPr>
+            <p:ph type="sldNum" sz="quarter" idx="5"/>
+          </p:nvPr>
+        </p:nvSpPr>
+        <p:spPr/>
+        <p:txBody>
+          <a:bodyPr/>
+          <a:lstStyle/>
+          <a:p>
+            <a:fld id="{BB0E9E20-DA9A-4F4F-A567-7222929628AA}" type="slidenum">
+              <a:rPr lang="da-DK" smtClean="0"/>
+              <a:t>4</a:t>
+            </a:fld>
+            <a:endParaRPr lang="da-DK"/>
+          </a:p>
+        </p:txBody>
+      </p:sp>
+    </p:spTree>
+    <p:extLst>
+      <p:ext uri="{BB962C8B-B14F-4D97-AF65-F5344CB8AC3E}">
+        <p14:creationId xmlns:p14="http://schemas.microsoft.com/office/powerpoint/2010/main" val="434363466"/>
+      </p:ext>
+    </p:extLst>
+  </p:cSld>
+  <p:clrMapOvr>
+    <a:masterClrMapping/>
+  </p:clrMapOvr>
+</p:notes>
+</file>
+
+<file path=ppt/notesSlides/notesSlide4.xml><?xml version="1.0" encoding="utf-8"?>
+<p:notes xmlns:a="http://schemas.openxmlformats.org/drawingml/2006/main" xmlns:r="http://schemas.openxmlformats.org/officeDocument/2006/relationships" xmlns:p="http://schemas.openxmlformats.org/presentationml/2006/main">
+  <p:cSld>
+    <p:spTree>
+      <p:nvGrpSpPr>
+        <p:cNvPr id="1" name=""/>
+        <p:cNvGrpSpPr/>
+        <p:nvPr/>
+      </p:nvGrpSpPr>
+      <p:grpSpPr>
+        <a:xfrm>
+          <a:off x="0" y="0"/>
+          <a:ext cx="0" cy="0"/>
+          <a:chOff x="0" y="0"/>
+          <a:chExt cx="0" cy="0"/>
+        </a:xfrm>
+      </p:grpSpPr>
+      <p:sp>
+        <p:nvSpPr>
+          <p:cNvPr id="2" name="Slide Image Placeholder 1"/>
+          <p:cNvSpPr>
+            <a:spLocks noGrp="1" noRot="1" noChangeAspect="1"/>
+          </p:cNvSpPr>
+          <p:nvPr>
+            <p:ph type="sldImg"/>
+          </p:nvPr>
+        </p:nvSpPr>
+        <p:spPr/>
+      </p:sp>
+      <p:sp>
+        <p:nvSpPr>
+          <p:cNvPr id="3" name="Notes Placeholder 2"/>
+          <p:cNvSpPr>
+            <a:spLocks noGrp="1"/>
+          </p:cNvSpPr>
+          <p:nvPr>
+            <p:ph type="body" idx="1"/>
+          </p:nvPr>
+        </p:nvSpPr>
+        <p:spPr/>
+        <p:txBody>
+          <a:bodyPr/>
+          <a:lstStyle/>
+          <a:p>
+            <a:r>
+              <a:rPr lang="da-DK" dirty="0"/>
+              <a:t>Andreas</a:t>
+            </a:r>
+          </a:p>
+        </p:txBody>
+      </p:sp>
+      <p:sp>
+        <p:nvSpPr>
+          <p:cNvPr id="4" name="Slide Number Placeholder 3"/>
+          <p:cNvSpPr>
+            <a:spLocks noGrp="1"/>
+          </p:cNvSpPr>
+          <p:nvPr>
+            <p:ph type="sldNum" sz="quarter" idx="5"/>
+          </p:nvPr>
+        </p:nvSpPr>
+        <p:spPr/>
+        <p:txBody>
+          <a:bodyPr/>
+          <a:lstStyle/>
+          <a:p>
+            <a:fld id="{BB0E9E20-DA9A-4F4F-A567-7222929628AA}" type="slidenum">
+              <a:rPr lang="da-DK" smtClean="0"/>
+              <a:t>5</a:t>
+            </a:fld>
+            <a:endParaRPr lang="da-DK"/>
+          </a:p>
+        </p:txBody>
+      </p:sp>
+    </p:spTree>
+    <p:extLst>
+      <p:ext uri="{BB962C8B-B14F-4D97-AF65-F5344CB8AC3E}">
+        <p14:creationId xmlns:p14="http://schemas.microsoft.com/office/powerpoint/2010/main" val="2402285977"/>
+      </p:ext>
+    </p:extLst>
+  </p:cSld>
+  <p:clrMapOvr>
+    <a:masterClrMapping/>
+  </p:clrMapOvr>
+</p:notes>
 </file>
 
 <file path=ppt/slideLayouts/slideLayout1.xml><?xml version="1.0" encoding="utf-8"?>
@@ -3770,6 +4471,24 @@
           <a:bodyPr/>
           <a:lstStyle/>
           <a:p>
+            <a:r>
+              <a:rPr lang="da-DK" dirty="0"/>
+              <a:t>som sælger, vil jeg gerne generer styklister for en carport med </a:t>
+            </a:r>
+            <a:r>
+              <a:rPr lang="da-DK" dirty="0" err="1"/>
+              <a:t>vilkårelige</a:t>
+            </a:r>
+            <a:r>
+              <a:rPr lang="da-DK" dirty="0"/>
+              <a:t> mål uden hældning og med skur</a:t>
+            </a:r>
+          </a:p>
+          <a:p>
+            <a:pPr lvl="1"/>
+            <a:endParaRPr lang="da-DK" dirty="0"/>
+          </a:p>
+          <a:p>
             <a:endParaRPr lang="da-DK" dirty="0"/>
           </a:p>
         </p:txBody>
@@ -5001,4 +5720,299 @@
     </a:ext>
   </a:extLst>
 </a:theme>
+</file>
+
+<file path=ppt/theme/theme2.xml><?xml version="1.0" encoding="utf-8"?>
+<a:theme xmlns:a="http://schemas.openxmlformats.org/drawingml/2006/main" name="Office Theme">
+  <a:themeElements>
+    <a:clrScheme name="Office">
+      <a:dk1>
+        <a:sysClr val="windowText" lastClr="000000"/>
+      </a:dk1>
+      <a:lt1>
+        <a:sysClr val="window" lastClr="FFFFFF"/>
+      </a:lt1>
+      <a:dk2>
+        <a:srgbClr val="44546A"/>
+      </a:dk2>
+      <a:lt2>
+        <a:srgbClr val="E7E6E6"/>
+      </a:lt2>
+      <a:accent1>
+        <a:srgbClr val="4472C4"/>
+      </a:accent1>
+      <a:accent2>
+        <a:srgbClr val="ED7D31"/>
+      </a:accent2>
+      <a:accent3>
+        <a:srgbClr val="A5A5A5"/>
+      </a:accent3>
+      <a:accent4>
+        <a:srgbClr val="FFC000"/>
+      </a:accent4>
+      <a:accent5>
+        <a:srgbClr val="5B9BD5"/>
+      </a:accent5>
+      <a:accent6>
+        <a:srgbClr val="70AD47"/>
+      </a:accent6>
+      <a:hlink>
+        <a:srgbClr val="0563C1"/>
+      </a:hlink>
+      <a:folHlink>
+        <a:srgbClr val="954F72"/>
+      </a:folHlink>
+    </a:clrScheme>
+    <a:fontScheme name="Office">
+      <a:majorFont>
+        <a:latin typeface="Calibri Light" panose="020F0302020204030204"/>
+        <a:ea typeface=""/>
+        <a:cs typeface=""/>
+        <a:font script="Jpan" typeface="游ゴシック Light"/>
+        <a:font script="Hang" typeface="맑은 고딕"/>
+        <a:font script="Hans" typeface="等线 Light"/>
+        <a:font script="Hant" typeface="新細明體"/>
+        <a:font script="Arab" typeface="Times New Roman"/>
+        <a:font script="Hebr" typeface="Times New Roman"/>
+        <a:font script="Thai" typeface="Angsana New"/>
+        <a:font script="Ethi" typeface="Nyala"/>
+        <a:font script="Beng" typeface="Vrinda"/>
+        <a:font script="Gujr" typeface="Shruti"/>
+        <a:font script="Khmr" typeface="MoolBoran"/>
+        <a:font script="Knda" typeface="Tunga"/>
+        <a:font script="Guru" typeface="Raavi"/>
+        <a:font script="Cans" typeface="Euphemia"/>
+        <a:font script="Cher" typeface="Plantagenet Cherokee"/>
+        <a:font script="Yiii" typeface="Microsoft Yi Baiti"/>
+        <a:font script="Tibt" typeface="Microsoft Himalaya"/>
+        <a:font script="Thaa" typeface="MV Boli"/>
+        <a:font script="Deva" typeface="Mangal"/>
+        <a:font script="Telu" typeface="Gautami"/>
+        <a:font script="Taml" typeface="Latha"/>
+        <a:font script="Syrc" typeface="Estrangelo Edessa"/>
+        <a:font script="Orya" typeface="Kalinga"/>
+        <a:font script="Mlym" typeface="Kartika"/>
+        <a:font script="Laoo" typeface="DokChampa"/>
+        <a:font script="Sinh" typeface="Iskoola Pota"/>
+        <a:font script="Mong" typeface="Mongolian Baiti"/>
+        <a:font script="Viet" typeface="Times New Roman"/>
+        <a:font script="Uigh" typeface="Microsoft Uighur"/>
+        <a:font script="Geor" typeface="Sylfaen"/>
+        <a:font script="Armn" typeface="Arial"/>
+        <a:font script="Bugi" typeface="Leelawadee UI"/>
+        <a:font script="Bopo" typeface="Microsoft JhengHei"/>
+        <a:font script="Java" typeface="Javanese Text"/>
+        <a:font script="Lisu" typeface="Segoe UI"/>
+        <a:font script="Mymr" typeface="Myanmar Text"/>
+        <a:font script="Nkoo" typeface="Ebrima"/>
+        <a:font script="Olck" typeface="Nirmala UI"/>
+        <a:font script="Osma" typeface="Ebrima"/>
+        <a:font script="Phag" typeface="Phagspa"/>
+        <a:font script="Syrn" typeface="Estrangelo Edessa"/>
+        <a:font script="Syrj" typeface="Estrangelo Edessa"/>
+        <a:font script="Syre" typeface="Estrangelo Edessa"/>
+        <a:font script="Sora" typeface="Nirmala UI"/>
+        <a:font script="Tale" typeface="Microsoft Tai Le"/>
+        <a:font script="Talu" typeface="Microsoft New Tai Lue"/>
+        <a:font script="Tfng" typeface="Ebrima"/>
+      </a:majorFont>
+      <a:minorFont>
+        <a:latin typeface="Calibri" panose="020F0502020204030204"/>
+        <a:ea typeface=""/>
+        <a:cs typeface=""/>
+        <a:font script="Jpan" typeface="游ゴシック"/>
+        <a:font script="Hang" typeface="맑은 고딕"/>
+        <a:font script="Hans" typeface="等线"/>
+        <a:font script="Hant" typeface="新細明體"/>
+        <a:font script="Arab" typeface="Arial"/>
+        <a:font script="Hebr" typeface="Arial"/>
+        <a:font script="Thai" typeface="Cordia New"/>
+        <a:font script="Ethi" typeface="Nyala"/>
+        <a:font script="Beng" typeface="Vrinda"/>
+        <a:font script="Gujr" typeface="Shruti"/>
+        <a:font script="Khmr" typeface="DaunPenh"/>
+        <a:font script="Knda" typeface="Tunga"/>
+        <a:font script="Guru" typeface="Raavi"/>
+        <a:font script="Cans" typeface="Euphemia"/>
+        <a:font script="Cher" typeface="Plantagenet Cherokee"/>
+        <a:font script="Yiii" typeface="Microsoft Yi Baiti"/>
+        <a:font script="Tibt" typeface="Microsoft Himalaya"/>
+        <a:font script="Thaa" typeface="MV Boli"/>
+        <a:font script="Deva" typeface="Mangal"/>
+        <a:font script="Telu" typeface="Gautami"/>
+        <a:font script="Taml" typeface="Latha"/>
+        <a:font script="Syrc" typeface="Estrangelo Edessa"/>
+        <a:font script="Orya" typeface="Kalinga"/>
+        <a:font script="Mlym" typeface="Kartika"/>
+        <a:font script="Laoo" typeface="DokChampa"/>
+        <a:font script="Sinh" typeface="Iskoola Pota"/>
+        <a:font script="Mong" typeface="Mongolian Baiti"/>
+        <a:font script="Viet" typeface="Arial"/>
+        <a:font script="Uigh" typeface="Microsoft Uighur"/>
+        <a:font script="Geor" typeface="Sylfaen"/>
+        <a:font script="Armn" typeface="Arial"/>
+        <a:font script="Bugi" typeface="Leelawadee UI"/>
+        <a:font script="Bopo" typeface="Microsoft JhengHei"/>
+        <a:font script="Java" typeface="Javanese Text"/>
+        <a:font script="Lisu" typeface="Segoe UI"/>
+        <a:font script="Mymr" typeface="Myanmar Text"/>
+        <a:font script="Nkoo" typeface="Ebrima"/>
+        <a:font script="Olck" typeface="Nirmala UI"/>
+        <a:font script="Osma" typeface="Ebrima"/>
+        <a:font script="Phag" typeface="Phagspa"/>
+        <a:font script="Syrn" typeface="Estrangelo Edessa"/>
+        <a:font script="Syrj" typeface="Estrangelo Edessa"/>
+        <a:font script="Syre" typeface="Estrangelo Edessa"/>
+        <a:font script="Sora" typeface="Nirmala UI"/>
+        <a:font script="Tale" typeface="Microsoft Tai Le"/>
+        <a:font script="Talu" typeface="Microsoft New Tai Lue"/>
+        <a:font script="Tfng" typeface="Ebrima"/>
+      </a:minorFont>
+    </a:fontScheme>
+    <a:fmtScheme name="Office">
+      <a:fillStyleLst>
+        <a:solidFill>
+          <a:schemeClr val="phClr"/>
+        </a:solidFill>
+        <a:gradFill rotWithShape="1">
+          <a:gsLst>
+            <a:gs pos="0">
+              <a:schemeClr val="phClr">
+                <a:lumMod val="110000"/>
+                <a:satMod val="105000"/>
+                <a:tint val="67000"/>
+              </a:schemeClr>
+            </a:gs>
+            <a:gs pos="50000">
+              <a:schemeClr val="phClr">
+                <a:lumMod val="105000"/>
+                <a:satMod val="103000"/>
+                <a:tint val="73000"/>
+              </a:schemeClr>
+            </a:gs>
+            <a:gs pos="100000">
+              <a:schemeClr val="phClr">
+                <a:lumMod val="105000"/>
+                <a:satMod val="109000"/>
+                <a:tint val="81000"/>
+              </a:schemeClr>
+            </a:gs>
+          </a:gsLst>
+          <a:lin ang="5400000" scaled="0"/>
+        </a:gradFill>
+        <a:gradFill rotWithShape="1">
+          <a:gsLst>
+            <a:gs pos="0">
+              <a:schemeClr val="phClr">
+                <a:satMod val="103000"/>
+                <a:lumMod val="102000"/>
+                <a:tint val="94000"/>
+              </a:schemeClr>
+            </a:gs>
+            <a:gs pos="50000">
+              <a:schemeClr val="phClr">
+                <a:satMod val="110000"/>
+                <a:lumMod val="100000"/>
+                <a:shade val="100000"/>
+              </a:schemeClr>
+            </a:gs>
+            <a:gs pos="100000">
+              <a:schemeClr val="phClr">
+                <a:lumMod val="99000"/>
+                <a:satMod val="120000"/>
+                <a:shade val="78000"/>
+              </a:schemeClr>
+            </a:gs>
+          </a:gsLst>
+          <a:lin ang="5400000" scaled="0"/>
+        </a:gradFill>
+      </a:fillStyleLst>
+      <a:lnStyleLst>
+        <a:ln w="6350" cap="flat" cmpd="sng" algn="ctr">
+          <a:solidFill>
+            <a:schemeClr val="phClr"/>
+          </a:solidFill>
+          <a:prstDash val="solid"/>
+          <a:miter lim="800000"/>
+        </a:ln>
+        <a:ln w="12700" cap="flat" cmpd="sng" algn="ctr">
+          <a:solidFill>
+            <a:schemeClr val="phClr"/>
+          </a:solidFill>
+          <a:prstDash val="solid"/>
+          <a:miter lim="800000"/>
+        </a:ln>
+        <a:ln w="19050" cap="flat" cmpd="sng" algn="ctr">
+          <a:solidFill>
+            <a:schemeClr val="phClr"/>
+          </a:solidFill>
+          <a:prstDash val="solid"/>
+          <a:miter lim="800000"/>
+        </a:ln>
+      </a:lnStyleLst>
+      <a:effectStyleLst>
+        <a:effectStyle>
+          <a:effectLst/>
+        </a:effectStyle>
+        <a:effectStyle>
+          <a:effectLst/>
+        </a:effectStyle>
+        <a:effectStyle>
+          <a:effectLst>
+            <a:outerShdw blurRad="57150" dist="19050" dir="5400000" algn="ctr" rotWithShape="0">
+              <a:srgbClr val="000000">
+                <a:alpha val="63000"/>
+              </a:srgbClr>
+            </a:outerShdw>
+          </a:effectLst>
+        </a:effectStyle>
+      </a:effectStyleLst>
+      <a:bgFillStyleLst>
+        <a:solidFill>
+          <a:schemeClr val="phClr"/>
+        </a:solidFill>
+        <a:solidFill>
+          <a:schemeClr val="phClr">
+            <a:tint val="95000"/>
+            <a:satMod val="170000"/>
+          </a:schemeClr>
+        </a:solidFill>
+        <a:gradFill rotWithShape="1">
+          <a:gsLst>
+            <a:gs pos="0">
+              <a:schemeClr val="phClr">
+                <a:tint val="93000"/>
+                <a:satMod val="150000"/>
+                <a:shade val="98000"/>
+                <a:lumMod val="102000"/>
+              </a:schemeClr>
+            </a:gs>
+            <a:gs pos="50000">
+              <a:schemeClr val="phClr">
+                <a:tint val="98000"/>
+                <a:satMod val="130000"/>
+                <a:shade val="90000"/>
+                <a:lumMod val="103000"/>
+              </a:schemeClr>
+            </a:gs>
+            <a:gs pos="100000">
+              <a:schemeClr val="phClr">
+                <a:shade val="63000"/>
+                <a:satMod val="120000"/>
+              </a:schemeClr>
+            </a:gs>
+          </a:gsLst>
+          <a:lin ang="5400000" scaled="0"/>
+        </a:gradFill>
+      </a:bgFillStyleLst>
+    </a:fmtScheme>
+  </a:themeElements>
+  <a:objectDefaults/>
+  <a:extraClrSchemeLst/>
+  <a:extLst>
+    <a:ext uri="{05A4C25C-085E-4340-85A3-A5531E510DB2}">
+      <thm15:themeFamily xmlns:thm15="http://schemas.microsoft.com/office/thememl/2012/main" name="Office Theme" id="{62F939B6-93AF-4DB8-9C6B-D6C7DFDC589F}" vid="{4A3C46E8-61CC-4603-A589-7422A47A8E4A}"/>
+    </a:ext>
+  </a:extLst>
+</a:theme>
 </file>
--- a/Rapport/Præsentation.pptx
+++ b/Rapport/Præsentation.pptx
@@ -4473,16 +4473,30 @@
           <a:p>
             <a:r>
               <a:rPr lang="da-DK" dirty="0"/>
-              <a:t>som sælger, vil jeg gerne generer styklister for en carport med </a:t>
-            </a:r>
-            <a:r>
-              <a:rPr lang="da-DK" dirty="0" err="1"/>
-              <a:t>vilkårelige</a:t>
-            </a:r>
+              <a:t>som sælger, vil jeg gerne generer styklister for en carport med vilkårlige mål uden hældning og med skur</a:t>
+            </a:r>
+          </a:p>
+          <a:p>
+            <a:pPr lvl="1"/>
             <a:r>
               <a:rPr lang="da-DK" dirty="0"/>
-              <a:t> mål uden hældning og med skur</a:t>
-            </a:r>
+              <a:t>Størrelse: xl</a:t>
+            </a:r>
+          </a:p>
+          <a:p>
+            <a:pPr lvl="1"/>
+            <a:r>
+              <a:rPr lang="da-DK" dirty="0"/>
+              <a:t>Accept kriterium: 100% korrekt stykliste for skur</a:t>
+            </a:r>
+          </a:p>
+          <a:p>
+            <a:pPr lvl="1"/>
+            <a:endParaRPr lang="da-DK" dirty="0"/>
+          </a:p>
+          <a:p>
+            <a:pPr lvl="1"/>
+            <a:endParaRPr lang="da-DK" dirty="0"/>
           </a:p>
           <a:p>
             <a:pPr lvl="1"/>
@@ -5063,7 +5077,7 @@
         </p:nvSpPr>
         <p:spPr>
           <a:xfrm>
-            <a:off x="4924851" y="1600199"/>
+            <a:off x="4924851" y="2457449"/>
             <a:ext cx="6130003" cy="4297680"/>
           </a:xfrm>
         </p:spPr>
@@ -5074,109 +5088,109 @@
           <a:lstStyle/>
           <a:p>
             <a:r>
-              <a:rPr lang="da-DK"/>
+              <a:rPr lang="da-DK" dirty="0"/>
               <a:t>(Tre lags arkitektur)</a:t>
             </a:r>
           </a:p>
           <a:p>
             <a:r>
-              <a:rPr lang="da-DK"/>
+              <a:rPr lang="da-DK" dirty="0"/>
               <a:t>Interface</a:t>
             </a:r>
           </a:p>
           <a:p>
             <a:r>
-              <a:rPr lang="da-DK"/>
+              <a:rPr lang="da-DK" dirty="0"/>
               <a:t>Commands</a:t>
             </a:r>
           </a:p>
           <a:p>
             <a:pPr lvl="1"/>
             <a:r>
-              <a:rPr lang="da-DK" err="1"/>
+              <a:rPr lang="da-DK" dirty="0" err="1"/>
               <a:t>Hashmap</a:t>
             </a:r>
-            <a:endParaRPr lang="da-DK"/>
+            <a:endParaRPr lang="da-DK" dirty="0"/>
           </a:p>
           <a:p>
             <a:pPr lvl="1"/>
             <a:r>
-              <a:rPr lang="da-DK" err="1"/>
+              <a:rPr lang="da-DK" dirty="0" err="1"/>
               <a:t>Syncronized</a:t>
             </a:r>
             <a:r>
-              <a:rPr lang="da-DK"/>
+              <a:rPr lang="da-DK" dirty="0"/>
               <a:t> </a:t>
             </a:r>
             <a:r>
-              <a:rPr lang="da-DK" err="1"/>
+              <a:rPr lang="da-DK" dirty="0" err="1"/>
               <a:t>static</a:t>
             </a:r>
             <a:r>
-              <a:rPr lang="da-DK"/>
+              <a:rPr lang="da-DK" dirty="0"/>
               <a:t> </a:t>
             </a:r>
           </a:p>
           <a:p>
             <a:pPr lvl="1"/>
             <a:r>
-              <a:rPr lang="da-DK"/>
+              <a:rPr lang="da-DK" dirty="0"/>
               <a:t>Command </a:t>
             </a:r>
             <a:r>
-              <a:rPr lang="da-DK" err="1"/>
+              <a:rPr lang="da-DK" dirty="0" err="1"/>
               <a:t>target</a:t>
             </a:r>
             <a:r>
-              <a:rPr lang="da-DK"/>
+              <a:rPr lang="da-DK" dirty="0"/>
               <a:t> entitet klasse</a:t>
             </a:r>
           </a:p>
           <a:p>
             <a:pPr lvl="1"/>
-            <a:endParaRPr lang="da-DK"/>
-          </a:p>
-          <a:p>
-            <a:r>
-              <a:rPr lang="da-DK" err="1"/>
+            <a:endParaRPr lang="da-DK" dirty="0"/>
+          </a:p>
+          <a:p>
+            <a:r>
+              <a:rPr lang="da-DK" dirty="0" err="1"/>
               <a:t>Add</a:t>
             </a:r>
             <a:r>
-              <a:rPr lang="da-DK"/>
+              <a:rPr lang="da-DK" dirty="0"/>
               <a:t> </a:t>
             </a:r>
             <a:r>
-              <a:rPr lang="da-DK" err="1"/>
+              <a:rPr lang="da-DK" dirty="0" err="1"/>
               <a:t>user</a:t>
             </a:r>
             <a:r>
-              <a:rPr lang="da-DK"/>
+              <a:rPr lang="da-DK" dirty="0"/>
               <a:t> </a:t>
             </a:r>
             <a:r>
-              <a:rPr lang="da-DK" err="1"/>
+              <a:rPr lang="da-DK" dirty="0" err="1"/>
               <a:t>command</a:t>
             </a:r>
             <a:r>
-              <a:rPr lang="da-DK"/>
+              <a:rPr lang="da-DK" dirty="0"/>
               <a:t> eksempel</a:t>
             </a:r>
           </a:p>
           <a:p>
-            <a:endParaRPr lang="da-DK"/>
+            <a:endParaRPr lang="da-DK" dirty="0"/>
           </a:p>
           <a:p>
             <a:pPr marL="0" indent="0">
               <a:buNone/>
             </a:pPr>
-            <a:endParaRPr lang="da-DK"/>
+            <a:endParaRPr lang="da-DK" dirty="0"/>
           </a:p>
           <a:p>
             <a:pPr lvl="1"/>
-            <a:endParaRPr lang="da-DK"/>
-          </a:p>
-          <a:p>
-            <a:endParaRPr lang="da-DK"/>
+            <a:endParaRPr lang="da-DK" dirty="0"/>
+          </a:p>
+          <a:p>
+            <a:endParaRPr lang="da-DK" dirty="0"/>
           </a:p>
         </p:txBody>
       </p:sp>

--- a/Rapport/Præsentation.pptx
+++ b/Rapport/Præsentation.pptx
@@ -4480,19 +4480,15 @@
             <a:pPr lvl="1"/>
             <a:r>
               <a:rPr lang="da-DK" dirty="0"/>
-              <a:t>Størrelse: xl</a:t>
+              <a:t>Størrelse: large</a:t>
             </a:r>
           </a:p>
           <a:p>
             <a:pPr lvl="1"/>
             <a:r>
               <a:rPr lang="da-DK" dirty="0"/>
-              <a:t>Accept kriterium: 100% korrekt stykliste for skur</a:t>
-            </a:r>
-          </a:p>
-          <a:p>
-            <a:pPr lvl="1"/>
-            <a:endParaRPr lang="da-DK" dirty="0"/>
+              <a:t>Accept kriterium: 100% korrekt stykliste beregnet på vilkårlige indtastede mål</a:t>
+            </a:r>
           </a:p>
           <a:p>
             <a:pPr lvl="1"/>

--- a/Rapport/Præsentation.pptx
+++ b/Rapport/Præsentation.pptx
@@ -111,6 +111,11 @@
       </a:defRPr>
     </a:lvl9pPr>
   </p:defaultTextStyle>
+  <p:extLst>
+    <p:ext uri="{EFAFB233-063F-42B5-8137-9DF3F51BA10A}">
+      <p15:sldGuideLst xmlns:p15="http://schemas.microsoft.com/office/powerpoint/2012/main"/>
+    </p:ext>
+  </p:extLst>
 </p:presentation>
 </file>
 
@@ -196,7 +201,7 @@
           <a:p>
             <a:fld id="{6B2B542C-FF43-824F-A32D-FDBF07ABB17C}" type="datetimeFigureOut">
               <a:rPr lang="da-DK" smtClean="0"/>
-              <a:t>07/06/2019</a:t>
+              <a:t>10/06/2019</a:t>
             </a:fld>
             <a:endParaRPr lang="da-DK"/>
           </a:p>
@@ -951,7 +956,7 @@
           <a:p>
             <a:fld id="{DC7DCC4C-B94E-E54B-8344-B285B946A905}" type="datetimeFigureOut">
               <a:rPr lang="da-DK" smtClean="0"/>
-              <a:t>06/06/2019</a:t>
+              <a:t>10/06/2019</a:t>
             </a:fld>
             <a:endParaRPr lang="da-DK"/>
           </a:p>
@@ -1162,7 +1167,7 @@
           <a:p>
             <a:fld id="{DC7DCC4C-B94E-E54B-8344-B285B946A905}" type="datetimeFigureOut">
               <a:rPr lang="da-DK" smtClean="0"/>
-              <a:t>06/06/2019</a:t>
+              <a:t>10/06/2019</a:t>
             </a:fld>
             <a:endParaRPr lang="da-DK"/>
           </a:p>
@@ -1377,7 +1382,7 @@
           <a:p>
             <a:fld id="{DC7DCC4C-B94E-E54B-8344-B285B946A905}" type="datetimeFigureOut">
               <a:rPr lang="da-DK" smtClean="0"/>
-              <a:t>06/06/2019</a:t>
+              <a:t>10/06/2019</a:t>
             </a:fld>
             <a:endParaRPr lang="da-DK"/>
           </a:p>
@@ -1578,7 +1583,7 @@
           <a:p>
             <a:fld id="{DC7DCC4C-B94E-E54B-8344-B285B946A905}" type="datetimeFigureOut">
               <a:rPr lang="da-DK" smtClean="0"/>
-              <a:t>06/06/2019</a:t>
+              <a:t>10/06/2019</a:t>
             </a:fld>
             <a:endParaRPr lang="da-DK"/>
           </a:p>
@@ -1857,7 +1862,7 @@
           <a:p>
             <a:fld id="{DC7DCC4C-B94E-E54B-8344-B285B946A905}" type="datetimeFigureOut">
               <a:rPr lang="da-DK" smtClean="0"/>
-              <a:t>06/06/2019</a:t>
+              <a:t>10/06/2019</a:t>
             </a:fld>
             <a:endParaRPr lang="da-DK"/>
           </a:p>
@@ -2125,7 +2130,7 @@
           <a:p>
             <a:fld id="{DC7DCC4C-B94E-E54B-8344-B285B946A905}" type="datetimeFigureOut">
               <a:rPr lang="da-DK" smtClean="0"/>
-              <a:t>06/06/2019</a:t>
+              <a:t>10/06/2019</a:t>
             </a:fld>
             <a:endParaRPr lang="da-DK"/>
           </a:p>
@@ -2541,7 +2546,7 @@
           <a:p>
             <a:fld id="{DC7DCC4C-B94E-E54B-8344-B285B946A905}" type="datetimeFigureOut">
               <a:rPr lang="da-DK" smtClean="0"/>
-              <a:t>06/06/2019</a:t>
+              <a:t>10/06/2019</a:t>
             </a:fld>
             <a:endParaRPr lang="da-DK"/>
           </a:p>
@@ -2690,7 +2695,7 @@
           <a:p>
             <a:fld id="{DC7DCC4C-B94E-E54B-8344-B285B946A905}" type="datetimeFigureOut">
               <a:rPr lang="da-DK" smtClean="0"/>
-              <a:t>06/06/2019</a:t>
+              <a:t>10/06/2019</a:t>
             </a:fld>
             <a:endParaRPr lang="da-DK"/>
           </a:p>
@@ -2816,7 +2821,7 @@
           <a:p>
             <a:fld id="{DC7DCC4C-B94E-E54B-8344-B285B946A905}" type="datetimeFigureOut">
               <a:rPr lang="da-DK" smtClean="0"/>
-              <a:t>06/06/2019</a:t>
+              <a:t>10/06/2019</a:t>
             </a:fld>
             <a:endParaRPr lang="da-DK"/>
           </a:p>
@@ -3067,7 +3072,7 @@
           <a:p>
             <a:fld id="{DC7DCC4C-B94E-E54B-8344-B285B946A905}" type="datetimeFigureOut">
               <a:rPr lang="da-DK" smtClean="0"/>
-              <a:t>06/06/2019</a:t>
+              <a:t>10/06/2019</a:t>
             </a:fld>
             <a:endParaRPr lang="da-DK"/>
           </a:p>
@@ -3512,7 +3517,7 @@
           <a:p>
             <a:fld id="{DC7DCC4C-B94E-E54B-8344-B285B946A905}" type="datetimeFigureOut">
               <a:rPr lang="da-DK" smtClean="0"/>
-              <a:t>06/06/2019</a:t>
+              <a:t>10/06/2019</a:t>
             </a:fld>
             <a:endParaRPr lang="da-DK"/>
           </a:p>
@@ -3839,7 +3844,7 @@
           <a:p>
             <a:fld id="{DC7DCC4C-B94E-E54B-8344-B285B946A905}" type="datetimeFigureOut">
               <a:rPr lang="da-DK" smtClean="0"/>
-              <a:t>06/06/2019</a:t>
+              <a:t>10/06/2019</a:t>
             </a:fld>
             <a:endParaRPr lang="da-DK"/>
           </a:p>
@@ -4391,6 +4396,44 @@
           </a:p>
         </p:txBody>
       </p:sp>
+      <p:pic>
+        <p:nvPicPr>
+          <p:cNvPr id="4" name="Picture 3">
+            <a:extLst>
+              <a:ext uri="{FF2B5EF4-FFF2-40B4-BE49-F238E27FC236}">
+                <a16:creationId xmlns:a16="http://schemas.microsoft.com/office/drawing/2014/main" id="{984B1F5F-8DA6-A546-BADA-B52B2C58BDFD}"/>
+              </a:ext>
+            </a:extLst>
+          </p:cNvPr>
+          <p:cNvPicPr>
+            <a:picLocks noChangeAspect="1"/>
+          </p:cNvPicPr>
+          <p:nvPr/>
+        </p:nvPicPr>
+        <p:blipFill>
+          <a:blip r:embed="rId2">
+            <a:lum/>
+            <a:alphaModFix/>
+          </a:blip>
+          <a:srcRect t="16187" b="6532"/>
+          <a:stretch>
+            <a:fillRect/>
+          </a:stretch>
+        </p:blipFill>
+        <p:spPr>
+          <a:xfrm>
+            <a:off x="1090833" y="-4828832"/>
+            <a:ext cx="9964019" cy="3985210"/>
+          </a:xfrm>
+          <a:prstGeom prst="rect">
+            <a:avLst/>
+          </a:prstGeom>
+          <a:noFill/>
+          <a:ln>
+            <a:noFill/>
+          </a:ln>
+        </p:spPr>
+      </p:pic>
     </p:spTree>
     <p:extLst>
       <p:ext uri="{BB962C8B-B14F-4D97-AF65-F5344CB8AC3E}">
@@ -4401,6 +4444,75 @@
   <p:clrMapOvr>
     <a:masterClrMapping/>
   </p:clrMapOvr>
+  <p:timing>
+    <p:tnLst>
+      <p:par>
+        <p:cTn id="1" dur="indefinite" restart="never" nodeType="tmRoot">
+          <p:childTnLst>
+            <p:seq concurrent="1" nextAc="seek">
+              <p:cTn id="2" dur="indefinite" nodeType="mainSeq">
+                <p:childTnLst>
+                  <p:par>
+                    <p:cTn id="3" fill="hold">
+                      <p:stCondLst>
+                        <p:cond delay="indefinite"/>
+                      </p:stCondLst>
+                      <p:childTnLst>
+                        <p:par>
+                          <p:cTn id="4" fill="hold">
+                            <p:stCondLst>
+                              <p:cond delay="0"/>
+                            </p:stCondLst>
+                            <p:childTnLst>
+                              <p:par>
+                                <p:cTn id="5" presetID="0" presetClass="path" presetSubtype="0" accel="50000" decel="50000" fill="hold" nodeType="clickEffect">
+                                  <p:stCondLst>
+                                    <p:cond delay="0"/>
+                                  </p:stCondLst>
+                                  <p:childTnLst>
+                                    <p:animMotion origin="layout" path="M -0.01433 -0.0699 L 0.01002 0.92824 " pathEditMode="relative" ptsTypes="AA">
+                                      <p:cBhvr>
+                                        <p:cTn id="6" dur="1250" fill="hold"/>
+                                        <p:tgtEl>
+                                          <p:spTgt spid="4"/>
+                                        </p:tgtEl>
+                                        <p:attrNameLst>
+                                          <p:attrName>ppt_x</p:attrName>
+                                          <p:attrName>ppt_y</p:attrName>
+                                        </p:attrNameLst>
+                                      </p:cBhvr>
+                                    </p:animMotion>
+                                  </p:childTnLst>
+                                </p:cTn>
+                              </p:par>
+                            </p:childTnLst>
+                          </p:cTn>
+                        </p:par>
+                      </p:childTnLst>
+                    </p:cTn>
+                  </p:par>
+                </p:childTnLst>
+              </p:cTn>
+              <p:prevCondLst>
+                <p:cond evt="onPrev" delay="0">
+                  <p:tgtEl>
+                    <p:sldTgt/>
+                  </p:tgtEl>
+                </p:cond>
+              </p:prevCondLst>
+              <p:nextCondLst>
+                <p:cond evt="onNext" delay="0">
+                  <p:tgtEl>
+                    <p:sldTgt/>
+                  </p:tgtEl>
+                </p:cond>
+              </p:nextCondLst>
+            </p:seq>
+          </p:childTnLst>
+        </p:cTn>
+      </p:par>
+    </p:tnLst>
+  </p:timing>
 </p:sld>
 </file>
 
@@ -4696,6 +4808,12 @@
         <p:txBody>
           <a:bodyPr/>
           <a:lstStyle/>
+          <a:p>
+            <a:r>
+              <a:rPr lang="da-DK" dirty="0"/>
+              <a:t>Disponering af tid</a:t>
+            </a:r>
+          </a:p>
           <a:p>
             <a:r>
               <a:rPr lang="da-DK" dirty="0"/>
@@ -4744,7 +4862,7 @@
                             </p:stCondLst>
                             <p:childTnLst>
                               <p:par>
-                                <p:cTn id="5" presetID="1" presetClass="entr" presetSubtype="0" fill="hold" grpId="0" nodeType="clickEffect">
+                                <p:cTn id="5" presetID="9" presetClass="entr" presetSubtype="0" fill="hold" grpId="0" nodeType="clickEffect">
                                   <p:stCondLst>
                                     <p:cond delay="0"/>
                                   </p:stCondLst>
@@ -4771,18 +4889,73 @@
                                         <p:strVal val="visible"/>
                                       </p:to>
                                     </p:set>
+                                    <p:animEffect transition="in" filter="dissolve">
+                                      <p:cBhvr>
+                                        <p:cTn id="7" dur="500"/>
+                                        <p:tgtEl>
+                                          <p:spTgt spid="6">
+                                            <p:txEl>
+                                              <p:pRg st="0" end="0"/>
+                                            </p:txEl>
+                                          </p:spTgt>
+                                        </p:tgtEl>
+                                      </p:cBhvr>
+                                    </p:animEffect>
                                   </p:childTnLst>
                                 </p:cTn>
                               </p:par>
                               <p:par>
-                                <p:cTn id="7" presetID="1" presetClass="entr" presetSubtype="0" fill="hold" grpId="0" nodeType="withEffect">
+                                <p:cTn id="8" presetID="9" presetClass="entr" presetSubtype="0" fill="hold" grpId="0" nodeType="withEffect">
                                   <p:stCondLst>
                                     <p:cond delay="0"/>
                                   </p:stCondLst>
                                   <p:childTnLst>
                                     <p:set>
                                       <p:cBhvr>
-                                        <p:cTn id="8" dur="1" fill="hold">
+                                        <p:cTn id="9" dur="1" fill="hold">
+                                          <p:stCondLst>
+                                            <p:cond delay="0"/>
+                                          </p:stCondLst>
+                                        </p:cTn>
+                                        <p:tgtEl>
+                                          <p:spTgt spid="7">
+                                            <p:txEl>
+                                              <p:pRg st="1" end="1"/>
+                                            </p:txEl>
+                                          </p:spTgt>
+                                        </p:tgtEl>
+                                        <p:attrNameLst>
+                                          <p:attrName>style.visibility</p:attrName>
+                                        </p:attrNameLst>
+                                      </p:cBhvr>
+                                      <p:to>
+                                        <p:strVal val="visible"/>
+                                      </p:to>
+                                    </p:set>
+                                    <p:animEffect transition="in" filter="dissolve">
+                                      <p:cBhvr>
+                                        <p:cTn id="10" dur="750"/>
+                                        <p:tgtEl>
+                                          <p:spTgt spid="7">
+                                            <p:txEl>
+                                              <p:pRg st="1" end="1"/>
+                                            </p:txEl>
+                                          </p:spTgt>
+                                        </p:tgtEl>
+                                      </p:cBhvr>
+                                    </p:animEffect>
+                                  </p:childTnLst>
+                                </p:cTn>
+                              </p:par>
+                              <p:par>
+                                <p:cTn id="11" presetID="9" presetClass="entr" presetSubtype="0" fill="hold" grpId="0" nodeType="withEffect">
+                                  <p:stCondLst>
+                                    <p:cond delay="0"/>
+                                  </p:stCondLst>
+                                  <p:childTnLst>
+                                    <p:set>
+                                      <p:cBhvr>
+                                        <p:cTn id="12" dur="1" fill="hold">
                                           <p:stCondLst>
                                             <p:cond delay="0"/>
                                           </p:stCondLst>
@@ -4802,18 +4975,30 @@
                                         <p:strVal val="visible"/>
                                       </p:to>
                                     </p:set>
+                                    <p:animEffect transition="in" filter="dissolve">
+                                      <p:cBhvr>
+                                        <p:cTn id="13" dur="750"/>
+                                        <p:tgtEl>
+                                          <p:spTgt spid="7">
+                                            <p:txEl>
+                                              <p:pRg st="0" end="0"/>
+                                            </p:txEl>
+                                          </p:spTgt>
+                                        </p:tgtEl>
+                                      </p:cBhvr>
+                                    </p:animEffect>
                                   </p:childTnLst>
                                 </p:cTn>
                               </p:par>
                               <p:par>
-                                <p:cTn id="9" presetID="1" presetClass="entr" presetSubtype="0" fill="hold" grpId="0" nodeType="withEffect">
+                                <p:cTn id="14" presetID="9" presetClass="entr" presetSubtype="0" fill="hold" grpId="0" nodeType="withEffect">
                                   <p:stCondLst>
                                     <p:cond delay="0"/>
                                   </p:stCondLst>
                                   <p:childTnLst>
                                     <p:set>
                                       <p:cBhvr>
-                                        <p:cTn id="10" dur="1" fill="hold">
+                                        <p:cTn id="15" dur="1" fill="hold">
                                           <p:stCondLst>
                                             <p:cond delay="0"/>
                                           </p:stCondLst>
@@ -4821,7 +5006,7 @@
                                         <p:tgtEl>
                                           <p:spTgt spid="7">
                                             <p:txEl>
-                                              <p:pRg st="1" end="1"/>
+                                              <p:pRg st="2" end="2"/>
                                             </p:txEl>
                                           </p:spTgt>
                                         </p:tgtEl>
@@ -4833,6 +5018,18 @@
                                         <p:strVal val="visible"/>
                                       </p:to>
                                     </p:set>
+                                    <p:animEffect transition="in" filter="dissolve">
+                                      <p:cBhvr>
+                                        <p:cTn id="16" dur="750"/>
+                                        <p:tgtEl>
+                                          <p:spTgt spid="7">
+                                            <p:txEl>
+                                              <p:pRg st="2" end="2"/>
+                                            </p:txEl>
+                                          </p:spTgt>
+                                        </p:tgtEl>
+                                      </p:cBhvr>
+                                    </p:animEffect>
                                   </p:childTnLst>
                                 </p:cTn>
                               </p:par>
@@ -5190,6 +5387,82 @@
           </a:p>
         </p:txBody>
       </p:sp>
+      <p:pic>
+        <p:nvPicPr>
+          <p:cNvPr id="6" name="Picture 5">
+            <a:extLst>
+              <a:ext uri="{FF2B5EF4-FFF2-40B4-BE49-F238E27FC236}">
+                <a16:creationId xmlns:a16="http://schemas.microsoft.com/office/drawing/2014/main" id="{224D7E63-4496-2046-8036-DCCE229659DD}"/>
+              </a:ext>
+            </a:extLst>
+          </p:cNvPr>
+          <p:cNvPicPr>
+            <a:picLocks noChangeAspect="1"/>
+          </p:cNvPicPr>
+          <p:nvPr/>
+        </p:nvPicPr>
+        <p:blipFill>
+          <a:blip r:embed="rId3">
+            <a:lum/>
+            <a:alphaModFix/>
+          </a:blip>
+          <a:srcRect/>
+          <a:stretch>
+            <a:fillRect/>
+          </a:stretch>
+        </p:blipFill>
+        <p:spPr>
+          <a:xfrm>
+            <a:off x="-11534164" y="823765"/>
+            <a:ext cx="10702122" cy="5210470"/>
+          </a:xfrm>
+          <a:prstGeom prst="rect">
+            <a:avLst/>
+          </a:prstGeom>
+          <a:noFill/>
+          <a:ln>
+            <a:noFill/>
+          </a:ln>
+        </p:spPr>
+      </p:pic>
+      <p:pic>
+        <p:nvPicPr>
+          <p:cNvPr id="7" name="Picture 6">
+            <a:extLst>
+              <a:ext uri="{FF2B5EF4-FFF2-40B4-BE49-F238E27FC236}">
+                <a16:creationId xmlns:a16="http://schemas.microsoft.com/office/drawing/2014/main" id="{A29A71A5-29FB-0D4D-A9A1-CC8B7C5E112E}"/>
+              </a:ext>
+            </a:extLst>
+          </p:cNvPr>
+          <p:cNvPicPr>
+            <a:picLocks noChangeAspect="1"/>
+          </p:cNvPicPr>
+          <p:nvPr/>
+        </p:nvPicPr>
+        <p:blipFill>
+          <a:blip r:embed="rId4">
+            <a:lum/>
+            <a:alphaModFix/>
+          </a:blip>
+          <a:srcRect/>
+          <a:stretch>
+            <a:fillRect/>
+          </a:stretch>
+        </p:blipFill>
+        <p:spPr>
+          <a:xfrm>
+            <a:off x="14782247" y="640078"/>
+            <a:ext cx="10531517" cy="5394157"/>
+          </a:xfrm>
+          <a:prstGeom prst="rect">
+            <a:avLst/>
+          </a:prstGeom>
+          <a:noFill/>
+          <a:ln>
+            <a:noFill/>
+          </a:ln>
+        </p:spPr>
+      </p:pic>
     </p:spTree>
     <p:extLst>
       <p:ext uri="{BB962C8B-B14F-4D97-AF65-F5344CB8AC3E}">
@@ -5200,6 +5473,155 @@
   <p:clrMapOvr>
     <a:masterClrMapping/>
   </p:clrMapOvr>
+  <p:timing>
+    <p:tnLst>
+      <p:par>
+        <p:cTn id="1" dur="indefinite" restart="never" nodeType="tmRoot">
+          <p:childTnLst>
+            <p:seq concurrent="1" nextAc="seek">
+              <p:cTn id="2" dur="indefinite" nodeType="mainSeq">
+                <p:childTnLst>
+                  <p:par>
+                    <p:cTn id="3" fill="hold">
+                      <p:stCondLst>
+                        <p:cond delay="indefinite"/>
+                      </p:stCondLst>
+                      <p:childTnLst>
+                        <p:par>
+                          <p:cTn id="4" fill="hold">
+                            <p:stCondLst>
+                              <p:cond delay="0"/>
+                            </p:stCondLst>
+                            <p:childTnLst>
+                              <p:par>
+                                <p:cTn id="5" presetID="0" presetClass="path" presetSubtype="0" accel="50000" decel="50000" fill="hold" nodeType="clickEffect">
+                                  <p:stCondLst>
+                                    <p:cond delay="0"/>
+                                  </p:stCondLst>
+                                  <p:childTnLst>
+                                    <p:animMotion origin="layout" path="M -0.06445 0 L 1.00716 0 " pathEditMode="relative" rAng="0" ptsTypes="AA">
+                                      <p:cBhvr>
+                                        <p:cTn id="6" dur="1250" fill="hold"/>
+                                        <p:tgtEl>
+                                          <p:spTgt spid="6"/>
+                                        </p:tgtEl>
+                                        <p:attrNameLst>
+                                          <p:attrName>ppt_x</p:attrName>
+                                          <p:attrName>ppt_y</p:attrName>
+                                        </p:attrNameLst>
+                                      </p:cBhvr>
+                                      <p:rCtr x="53581" y="0"/>
+                                    </p:animMotion>
+                                  </p:childTnLst>
+                                </p:cTn>
+                              </p:par>
+                            </p:childTnLst>
+                          </p:cTn>
+                        </p:par>
+                      </p:childTnLst>
+                    </p:cTn>
+                  </p:par>
+                  <p:par>
+                    <p:cTn id="7" fill="hold">
+                      <p:stCondLst>
+                        <p:cond delay="indefinite"/>
+                      </p:stCondLst>
+                      <p:childTnLst>
+                        <p:par>
+                          <p:cTn id="8" fill="hold">
+                            <p:stCondLst>
+                              <p:cond delay="0"/>
+                            </p:stCondLst>
+                            <p:childTnLst>
+                              <p:par>
+                                <p:cTn id="9" presetID="0" presetClass="path" presetSubtype="0" accel="50000" decel="50000" fill="hold" nodeType="clickEffect">
+                                  <p:stCondLst>
+                                    <p:cond delay="0"/>
+                                  </p:stCondLst>
+                                  <p:childTnLst>
+                                    <p:animMotion origin="layout" path="M 1.00716 0 L 1.00716 -1.05833 " pathEditMode="relative" ptsTypes="AA">
+                                      <p:cBhvr>
+                                        <p:cTn id="10" dur="1250" fill="hold"/>
+                                        <p:tgtEl>
+                                          <p:spTgt spid="6"/>
+                                        </p:tgtEl>
+                                        <p:attrNameLst>
+                                          <p:attrName>ppt_x</p:attrName>
+                                          <p:attrName>ppt_y</p:attrName>
+                                        </p:attrNameLst>
+                                      </p:cBhvr>
+                                    </p:animMotion>
+                                  </p:childTnLst>
+                                </p:cTn>
+                              </p:par>
+                            </p:childTnLst>
+                          </p:cTn>
+                        </p:par>
+                      </p:childTnLst>
+                    </p:cTn>
+                  </p:par>
+                  <p:par>
+                    <p:cTn id="11" fill="hold">
+                      <p:stCondLst>
+                        <p:cond delay="indefinite"/>
+                      </p:stCondLst>
+                      <p:childTnLst>
+                        <p:par>
+                          <p:cTn id="12" fill="hold">
+                            <p:stCondLst>
+                              <p:cond delay="0"/>
+                            </p:stCondLst>
+                            <p:childTnLst>
+                              <p:par>
+                                <p:cTn id="13" presetID="0" presetClass="path" presetSubtype="0" accel="50000" decel="50000" fill="hold" nodeType="clickEffect">
+                                  <p:stCondLst>
+                                    <p:cond delay="0"/>
+                                  </p:stCondLst>
+                                  <p:childTnLst>
+                                    <p:animMotion origin="layout" path="M -0.17487 0.01343 L -1.1444 0.01343 " pathEditMode="relative" rAng="0" ptsTypes="AA">
+                                      <p:cBhvr>
+                                        <p:cTn id="14" dur="1250" fill="hold"/>
+                                        <p:tgtEl>
+                                          <p:spTgt spid="7"/>
+                                        </p:tgtEl>
+                                        <p:attrNameLst>
+                                          <p:attrName>ppt_x</p:attrName>
+                                          <p:attrName>ppt_y</p:attrName>
+                                        </p:attrNameLst>
+                                      </p:cBhvr>
+                                      <p:rCtr x="-48477" y="0"/>
+                                    </p:animMotion>
+                                  </p:childTnLst>
+                                </p:cTn>
+                              </p:par>
+                            </p:childTnLst>
+                          </p:cTn>
+                        </p:par>
+                      </p:childTnLst>
+                    </p:cTn>
+                  </p:par>
+                </p:childTnLst>
+              </p:cTn>
+              <p:prevCondLst>
+                <p:cond evt="onPrev" delay="0">
+                  <p:tgtEl>
+                    <p:sldTgt/>
+                  </p:tgtEl>
+                </p:cond>
+              </p:prevCondLst>
+              <p:nextCondLst>
+                <p:cond evt="onNext" delay="0">
+                  <p:tgtEl>
+                    <p:sldTgt/>
+                  </p:tgtEl>
+                </p:cond>
+              </p:nextCondLst>
+            </p:seq>
+          </p:childTnLst>
+        </p:cTn>
+      </p:par>
+    </p:tnLst>
+  </p:timing>
 </p:sld>
 </file>
 
@@ -5416,56 +5838,94 @@
           <a:lstStyle/>
           <a:p>
             <a:r>
-              <a:rPr lang="da-DK"/>
+              <a:rPr lang="da-DK" dirty="0"/>
               <a:t>Document </a:t>
             </a:r>
             <a:r>
-              <a:rPr lang="da-DK" err="1"/>
+              <a:rPr lang="da-DK" dirty="0" err="1"/>
               <a:t>ready</a:t>
             </a:r>
             <a:r>
-              <a:rPr lang="da-DK"/>
+              <a:rPr lang="da-DK" dirty="0"/>
               <a:t> funktion </a:t>
             </a:r>
           </a:p>
           <a:p>
             <a:r>
-              <a:rPr lang="da-DK"/>
+              <a:rPr lang="da-DK" dirty="0"/>
               <a:t>”</a:t>
             </a:r>
             <a:r>
-              <a:rPr lang="da-DK" err="1"/>
+              <a:rPr lang="da-DK" dirty="0" err="1"/>
               <a:t>ajaxForm</a:t>
             </a:r>
             <a:r>
-              <a:rPr lang="da-DK"/>
+              <a:rPr lang="da-DK" dirty="0"/>
               <a:t>” id </a:t>
             </a:r>
           </a:p>
           <a:p>
             <a:r>
-              <a:rPr lang="da-DK"/>
+              <a:rPr lang="da-DK" dirty="0"/>
               <a:t>Ajax funktion </a:t>
             </a:r>
           </a:p>
           <a:p>
             <a:pPr lvl="1"/>
             <a:r>
-              <a:rPr lang="da-DK"/>
+              <a:rPr lang="da-DK" dirty="0"/>
               <a:t>Done funktion</a:t>
             </a:r>
           </a:p>
           <a:p>
             <a:r>
-              <a:rPr lang="da-DK"/>
+              <a:rPr lang="da-DK" dirty="0"/>
               <a:t>Register form </a:t>
             </a:r>
           </a:p>
           <a:p>
-            <a:endParaRPr lang="da-DK"/>
-          </a:p>
-        </p:txBody>
-      </p:sp>
+            <a:endParaRPr lang="da-DK" dirty="0"/>
+          </a:p>
+        </p:txBody>
+      </p:sp>
+      <p:pic>
+        <p:nvPicPr>
+          <p:cNvPr id="6" name="Picture 5">
+            <a:extLst>
+              <a:ext uri="{FF2B5EF4-FFF2-40B4-BE49-F238E27FC236}">
+                <a16:creationId xmlns:a16="http://schemas.microsoft.com/office/drawing/2014/main" id="{119DFF3B-2ADD-6147-8CD6-2CE9696237E8}"/>
+              </a:ext>
+            </a:extLst>
+          </p:cNvPr>
+          <p:cNvPicPr>
+            <a:picLocks noChangeAspect="1"/>
+          </p:cNvPicPr>
+          <p:nvPr/>
+        </p:nvPicPr>
+        <p:blipFill>
+          <a:blip r:embed="rId3">
+            <a:lum/>
+            <a:alphaModFix/>
+          </a:blip>
+          <a:srcRect/>
+          <a:stretch>
+            <a:fillRect/>
+          </a:stretch>
+        </p:blipFill>
+        <p:spPr>
+          <a:xfrm>
+            <a:off x="13801049" y="219240"/>
+            <a:ext cx="10543679" cy="6419520"/>
+          </a:xfrm>
+          <a:prstGeom prst="rect">
+            <a:avLst/>
+          </a:prstGeom>
+          <a:noFill/>
+          <a:ln>
+            <a:noFill/>
+          </a:ln>
+        </p:spPr>
+      </p:pic>
     </p:spTree>
     <p:extLst>
       <p:ext uri="{BB962C8B-B14F-4D97-AF65-F5344CB8AC3E}">
@@ -5476,6 +5936,76 @@
   <p:clrMapOvr>
     <a:masterClrMapping/>
   </p:clrMapOvr>
+  <p:timing>
+    <p:tnLst>
+      <p:par>
+        <p:cTn id="1" dur="indefinite" restart="never" nodeType="tmRoot">
+          <p:childTnLst>
+            <p:seq concurrent="1" nextAc="seek">
+              <p:cTn id="2" dur="indefinite" nodeType="mainSeq">
+                <p:childTnLst>
+                  <p:par>
+                    <p:cTn id="3" fill="hold">
+                      <p:stCondLst>
+                        <p:cond delay="indefinite"/>
+                      </p:stCondLst>
+                      <p:childTnLst>
+                        <p:par>
+                          <p:cTn id="4" fill="hold">
+                            <p:stCondLst>
+                              <p:cond delay="0"/>
+                            </p:stCondLst>
+                            <p:childTnLst>
+                              <p:par>
+                                <p:cTn id="5" presetID="0" presetClass="path" presetSubtype="0" accel="50000" decel="50000" fill="hold" nodeType="clickEffect">
+                                  <p:stCondLst>
+                                    <p:cond delay="0"/>
+                                  </p:stCondLst>
+                                  <p:childTnLst>
+                                    <p:animMotion origin="layout" path="M -0.19791 -0.00139 L -1.07278 0 " pathEditMode="relative" rAng="0" ptsTypes="AA">
+                                      <p:cBhvr>
+                                        <p:cTn id="6" dur="2000" fill="hold"/>
+                                        <p:tgtEl>
+                                          <p:spTgt spid="6"/>
+                                        </p:tgtEl>
+                                        <p:attrNameLst>
+                                          <p:attrName>ppt_x</p:attrName>
+                                          <p:attrName>ppt_y</p:attrName>
+                                        </p:attrNameLst>
+                                      </p:cBhvr>
+                                      <p:rCtr x="-43750" y="69"/>
+                                    </p:animMotion>
+                                  </p:childTnLst>
+                                </p:cTn>
+                              </p:par>
+                            </p:childTnLst>
+                          </p:cTn>
+                        </p:par>
+                      </p:childTnLst>
+                    </p:cTn>
+                  </p:par>
+                </p:childTnLst>
+              </p:cTn>
+              <p:prevCondLst>
+                <p:cond evt="onPrev" delay="0">
+                  <p:tgtEl>
+                    <p:sldTgt/>
+                  </p:tgtEl>
+                </p:cond>
+              </p:prevCondLst>
+              <p:nextCondLst>
+                <p:cond evt="onNext" delay="0">
+                  <p:tgtEl>
+                    <p:sldTgt/>
+                  </p:tgtEl>
+                </p:cond>
+              </p:nextCondLst>
+            </p:seq>
+          </p:childTnLst>
+        </p:cTn>
+      </p:par>
+    </p:tnLst>
+  </p:timing>
 </p:sld>
 </file>
 

--- a/Rapport/Præsentation.pptx
+++ b/Rapport/Præsentation.pptx
@@ -4669,7 +4669,7 @@
             <a:pPr algn="ctr"/>
             <a:r>
               <a:rPr lang="da-DK" dirty="0"/>
-              <a:t>SCRUM</a:t>
+              <a:t>Ulemper og fordele</a:t>
             </a:r>
           </a:p>
         </p:txBody>
@@ -4862,7 +4862,7 @@
                             </p:stCondLst>
                             <p:childTnLst>
                               <p:par>
-                                <p:cTn id="5" presetID="9" presetClass="entr" presetSubtype="0" fill="hold" grpId="0" nodeType="clickEffect">
+                                <p:cTn id="5" presetID="1" presetClass="entr" presetSubtype="0" fill="hold" grpId="0" nodeType="clickEffect">
                                   <p:stCondLst>
                                     <p:cond delay="0"/>
                                   </p:stCondLst>
@@ -4889,30 +4889,18 @@
                                         <p:strVal val="visible"/>
                                       </p:to>
                                     </p:set>
-                                    <p:animEffect transition="in" filter="dissolve">
-                                      <p:cBhvr>
-                                        <p:cTn id="7" dur="500"/>
-                                        <p:tgtEl>
-                                          <p:spTgt spid="6">
-                                            <p:txEl>
-                                              <p:pRg st="0" end="0"/>
-                                            </p:txEl>
-                                          </p:spTgt>
-                                        </p:tgtEl>
-                                      </p:cBhvr>
-                                    </p:animEffect>
                                   </p:childTnLst>
                                 </p:cTn>
                               </p:par>
                               <p:par>
-                                <p:cTn id="8" presetID="9" presetClass="entr" presetSubtype="0" fill="hold" grpId="0" nodeType="withEffect">
+                                <p:cTn id="7" presetID="1" presetClass="entr" presetSubtype="0" fill="hold" grpId="0" nodeType="withEffect">
                                   <p:stCondLst>
                                     <p:cond delay="0"/>
                                   </p:stCondLst>
                                   <p:childTnLst>
                                     <p:set>
                                       <p:cBhvr>
-                                        <p:cTn id="9" dur="1" fill="hold">
+                                        <p:cTn id="8" dur="1" fill="hold">
                                           <p:stCondLst>
                                             <p:cond delay="0"/>
                                           </p:stCondLst>
@@ -4932,30 +4920,18 @@
                                         <p:strVal val="visible"/>
                                       </p:to>
                                     </p:set>
-                                    <p:animEffect transition="in" filter="dissolve">
-                                      <p:cBhvr>
-                                        <p:cTn id="10" dur="750"/>
-                                        <p:tgtEl>
-                                          <p:spTgt spid="7">
-                                            <p:txEl>
-                                              <p:pRg st="1" end="1"/>
-                                            </p:txEl>
-                                          </p:spTgt>
-                                        </p:tgtEl>
-                                      </p:cBhvr>
-                                    </p:animEffect>
                                   </p:childTnLst>
                                 </p:cTn>
                               </p:par>
                               <p:par>
-                                <p:cTn id="11" presetID="9" presetClass="entr" presetSubtype="0" fill="hold" grpId="0" nodeType="withEffect">
+                                <p:cTn id="9" presetID="1" presetClass="entr" presetSubtype="0" fill="hold" grpId="0" nodeType="withEffect">
                                   <p:stCondLst>
                                     <p:cond delay="0"/>
                                   </p:stCondLst>
                                   <p:childTnLst>
                                     <p:set>
                                       <p:cBhvr>
-                                        <p:cTn id="12" dur="1" fill="hold">
+                                        <p:cTn id="10" dur="1" fill="hold">
                                           <p:stCondLst>
                                             <p:cond delay="0"/>
                                           </p:stCondLst>
@@ -4975,30 +4951,18 @@
                                         <p:strVal val="visible"/>
                                       </p:to>
                                     </p:set>
-                                    <p:animEffect transition="in" filter="dissolve">
-                                      <p:cBhvr>
-                                        <p:cTn id="13" dur="750"/>
-                                        <p:tgtEl>
-                                          <p:spTgt spid="7">
-                                            <p:txEl>
-                                              <p:pRg st="0" end="0"/>
-                                            </p:txEl>
-                                          </p:spTgt>
-                                        </p:tgtEl>
-                                      </p:cBhvr>
-                                    </p:animEffect>
                                   </p:childTnLst>
                                 </p:cTn>
                               </p:par>
                               <p:par>
-                                <p:cTn id="14" presetID="9" presetClass="entr" presetSubtype="0" fill="hold" grpId="0" nodeType="withEffect">
+                                <p:cTn id="11" presetID="1" presetClass="entr" presetSubtype="0" fill="hold" grpId="0" nodeType="withEffect">
                                   <p:stCondLst>
                                     <p:cond delay="0"/>
                                   </p:stCondLst>
                                   <p:childTnLst>
                                     <p:set>
                                       <p:cBhvr>
-                                        <p:cTn id="15" dur="1" fill="hold">
+                                        <p:cTn id="12" dur="1" fill="hold">
                                           <p:stCondLst>
                                             <p:cond delay="0"/>
                                           </p:stCondLst>
@@ -5018,18 +4982,6 @@
                                         <p:strVal val="visible"/>
                                       </p:to>
                                     </p:set>
-                                    <p:animEffect transition="in" filter="dissolve">
-                                      <p:cBhvr>
-                                        <p:cTn id="16" dur="750"/>
-                                        <p:tgtEl>
-                                          <p:spTgt spid="7">
-                                            <p:txEl>
-                                              <p:pRg st="2" end="2"/>
-                                            </p:txEl>
-                                          </p:spTgt>
-                                        </p:tgtEl>
-                                      </p:cBhvr>
-                                    </p:animEffect>
                                   </p:childTnLst>
                                 </p:cTn>
                               </p:par>
@@ -5304,25 +5256,6 @@
               <a:t>Hashmap</a:t>
             </a:r>
             <a:endParaRPr lang="da-DK" dirty="0"/>
-          </a:p>
-          <a:p>
-            <a:pPr lvl="1"/>
-            <a:r>
-              <a:rPr lang="da-DK" dirty="0" err="1"/>
-              <a:t>Syncronized</a:t>
-            </a:r>
-            <a:r>
-              <a:rPr lang="da-DK" dirty="0"/>
-              <a:t> </a:t>
-            </a:r>
-            <a:r>
-              <a:rPr lang="da-DK" dirty="0" err="1"/>
-              <a:t>static</a:t>
-            </a:r>
-            <a:r>
-              <a:rPr lang="da-DK" dirty="0"/>
-              <a:t> </a:t>
-            </a:r>
           </a:p>
           <a:p>
             <a:pPr lvl="1"/>
@@ -5755,9 +5688,10 @@
           <a:lstStyle/>
           <a:p>
             <a:r>
-              <a:rPr lang="da-DK"/>
+              <a:rPr lang="da-DK" dirty="0" err="1"/>
               <a:t>jquery</a:t>
             </a:r>
+            <a:endParaRPr lang="da-DK" dirty="0"/>
           </a:p>
         </p:txBody>
       </p:sp>
@@ -5838,16 +5772,29 @@
           <a:lstStyle/>
           <a:p>
             <a:r>
+              <a:rPr lang="da-DK" dirty="0" err="1"/>
+              <a:t>EventListener</a:t>
+            </a:r>
+            <a:r>
               <a:rPr lang="da-DK" dirty="0"/>
-              <a:t>Document </a:t>
-            </a:r>
+              <a:t> </a:t>
+            </a:r>
+          </a:p>
+          <a:p>
             <a:r>
               <a:rPr lang="da-DK" dirty="0" err="1"/>
-              <a:t>ready</a:t>
+              <a:t>jQuery</a:t>
             </a:r>
             <a:r>
               <a:rPr lang="da-DK" dirty="0"/>
-              <a:t> funktion </a:t>
+              <a:t> Ajax</a:t>
+            </a:r>
+          </a:p>
+          <a:p>
+            <a:pPr lvl="1"/>
+            <a:r>
+              <a:rPr lang="da-DK" dirty="0"/>
+              <a:t>Done event</a:t>
             </a:r>
           </a:p>
           <a:p>
@@ -5861,30 +5808,8 @@
             </a:r>
             <a:r>
               <a:rPr lang="da-DK" dirty="0"/>
-              <a:t>” id </a:t>
-            </a:r>
-          </a:p>
-          <a:p>
-            <a:r>
-              <a:rPr lang="da-DK" dirty="0"/>
-              <a:t>Ajax funktion </a:t>
-            </a:r>
-          </a:p>
-          <a:p>
-            <a:pPr lvl="1"/>
-            <a:r>
-              <a:rPr lang="da-DK" dirty="0"/>
-              <a:t>Done funktion</a:t>
-            </a:r>
-          </a:p>
-          <a:p>
-            <a:r>
-              <a:rPr lang="da-DK" dirty="0"/>
-              <a:t>Register form </a:t>
-            </a:r>
-          </a:p>
-          <a:p>
-            <a:endParaRPr lang="da-DK" dirty="0"/>
+              <a:t>” id</a:t>
+            </a:r>
           </a:p>
         </p:txBody>
       </p:sp>
